--- a/003_게임기획서/노비의모험_전투시스템_김병훈_v002_200129.pptx
+++ b/003_게임기획서/노비의모험_전투시스템_김병훈_v002_200129.pptx
@@ -9355,11 +9355,7 @@
             <a:pPr algn="r"/>
             <a:r>
               <a:rPr lang="en-US" altLang="ko-KR" sz="1200" dirty="0" smtClean="0"/>
-              <a:t>V </a:t>
-            </a:r>
-            <a:r>
-              <a:rPr lang="en-US" altLang="ko-KR" sz="1200" dirty="0" smtClean="0"/>
-              <a:t>0.02</a:t>
+              <a:t>V 0.02</a:t>
             </a:r>
             <a:endParaRPr lang="ko-KR" altLang="en-US" sz="1200" dirty="0"/>
           </a:p>
@@ -9445,18 +9441,6 @@
               <a:rPr lang="ko-KR" altLang="en-US" sz="2000" dirty="0" smtClean="0"/>
               <a:t>판정</a:t>
             </a:r>
-            <a:r>
-              <a:rPr lang="en-US" altLang="ko-KR" sz="2000" dirty="0" smtClean="0"/>
-              <a:t>(</a:t>
-            </a:r>
-            <a:r>
-              <a:rPr lang="ko-KR" altLang="en-US" sz="2000" dirty="0" err="1" smtClean="0"/>
-              <a:t>작성중</a:t>
-            </a:r>
-            <a:r>
-              <a:rPr lang="en-US" altLang="ko-KR" sz="2000" dirty="0" smtClean="0"/>
-              <a:t>)</a:t>
-            </a:r>
             <a:endParaRPr lang="ko-KR" altLang="en-US" sz="2000" dirty="0"/>
           </a:p>
         </p:txBody>
@@ -9472,7 +9456,7 @@
         <p:spPr>
           <a:xfrm>
             <a:off x="720000" y="1440000"/>
-            <a:ext cx="5400675" cy="2275185"/>
+            <a:ext cx="8457868" cy="571679"/>
           </a:xfrm>
           <a:prstGeom prst="rect">
             <a:avLst/>
@@ -9501,12 +9485,2640 @@
           <a:p>
             <a:r>
               <a:rPr lang="ko-KR" altLang="en-US" sz="1400" dirty="0" smtClean="0"/>
-              <a:t>기능</a:t>
-            </a:r>
+              <a:t>판정은 캐릭터와 몬스터 간의 </a:t>
+            </a:r>
+            <a:r>
+              <a:rPr lang="ko-KR" altLang="en-US" sz="1400" dirty="0" err="1" smtClean="0"/>
+              <a:t>충돌박스가</a:t>
+            </a:r>
+            <a:r>
+              <a:rPr lang="ko-KR" altLang="en-US" sz="1400" dirty="0" smtClean="0"/>
+              <a:t> 서로 충돌하며 발생된다</a:t>
+            </a:r>
+            <a:r>
+              <a:rPr lang="en-US" altLang="ko-KR" sz="1400" dirty="0" smtClean="0"/>
+              <a:t>.</a:t>
+            </a:r>
+          </a:p>
+          <a:p>
             <a:endParaRPr lang="en-US" altLang="ko-KR" sz="1400" dirty="0"/>
           </a:p>
-          <a:p>
-            <a:endParaRPr lang="en-US" altLang="ko-KR" sz="1400" dirty="0" smtClean="0"/>
+        </p:txBody>
+      </p:sp>
+      <p:graphicFrame>
+        <p:nvGraphicFramePr>
+          <p:cNvPr id="3" name="표 2"/>
+          <p:cNvGraphicFramePr>
+            <a:graphicFrameLocks noGrp="1"/>
+          </p:cNvGraphicFramePr>
+          <p:nvPr>
+            <p:extLst>
+              <p:ext uri="{D42A27DB-BD31-4B8C-83A1-F6EECF244321}">
+                <p14:modId xmlns:p14="http://schemas.microsoft.com/office/powerpoint/2010/main" val="2878502848"/>
+              </p:ext>
+            </p:extLst>
+          </p:nvPr>
+        </p:nvGraphicFramePr>
+        <p:xfrm>
+          <a:off x="714043" y="1888625"/>
+          <a:ext cx="10782632" cy="1828510"/>
+        </p:xfrm>
+        <a:graphic>
+          <a:graphicData uri="http://schemas.openxmlformats.org/drawingml/2006/table">
+            <a:tbl>
+              <a:tblPr firstRow="1" bandRow="1">
+                <a:tableStyleId>{5DA37D80-6434-44D0-A028-1B22A696006F}</a:tableStyleId>
+              </a:tblPr>
+              <a:tblGrid>
+                <a:gridCol w="1366231">
+                  <a:extLst>
+                    <a:ext uri="{9D8B030D-6E8A-4147-A177-3AD203B41FA5}">
+                      <a16:colId xmlns:a16="http://schemas.microsoft.com/office/drawing/2014/main" val="2152601278"/>
+                    </a:ext>
+                  </a:extLst>
+                </a:gridCol>
+                <a:gridCol w="654613">
+                  <a:extLst>
+                    <a:ext uri="{9D8B030D-6E8A-4147-A177-3AD203B41FA5}">
+                      <a16:colId xmlns:a16="http://schemas.microsoft.com/office/drawing/2014/main" val="656323154"/>
+                    </a:ext>
+                  </a:extLst>
+                </a:gridCol>
+                <a:gridCol w="6134793">
+                  <a:extLst>
+                    <a:ext uri="{9D8B030D-6E8A-4147-A177-3AD203B41FA5}">
+                      <a16:colId xmlns:a16="http://schemas.microsoft.com/office/drawing/2014/main" val="2076861411"/>
+                    </a:ext>
+                  </a:extLst>
+                </a:gridCol>
+                <a:gridCol w="2626995">
+                  <a:extLst>
+                    <a:ext uri="{9D8B030D-6E8A-4147-A177-3AD203B41FA5}">
+                      <a16:colId xmlns:a16="http://schemas.microsoft.com/office/drawing/2014/main" val="2407111416"/>
+                    </a:ext>
+                  </a:extLst>
+                </a:gridCol>
+              </a:tblGrid>
+              <a:tr h="187391">
+                <a:tc>
+                  <a:txBody>
+                    <a:bodyPr/>
+                    <a:lstStyle/>
+                    <a:p>
+                      <a:pPr algn="ctr" latinLnBrk="1"/>
+                      <a:r>
+                        <a:rPr lang="ko-KR" altLang="en-US" sz="1000" dirty="0" smtClean="0"/>
+                        <a:t>구분</a:t>
+                      </a:r>
+                      <a:endParaRPr lang="ko-KR" altLang="en-US" sz="1000" dirty="0"/>
+                    </a:p>
+                  </a:txBody>
+                  <a:tcPr anchor="ctr"/>
+                </a:tc>
+                <a:tc>
+                  <a:txBody>
+                    <a:bodyPr/>
+                    <a:lstStyle/>
+                    <a:p>
+                      <a:pPr algn="ctr" latinLnBrk="1"/>
+                      <a:r>
+                        <a:rPr lang="ko-KR" altLang="en-US" sz="1000" dirty="0" err="1" smtClean="0"/>
+                        <a:t>구분색</a:t>
+                      </a:r>
+                      <a:endParaRPr lang="ko-KR" altLang="en-US" sz="1000" dirty="0"/>
+                    </a:p>
+                  </a:txBody>
+                  <a:tcPr anchor="ctr"/>
+                </a:tc>
+                <a:tc>
+                  <a:txBody>
+                    <a:bodyPr/>
+                    <a:lstStyle/>
+                    <a:p>
+                      <a:pPr algn="ctr" latinLnBrk="1"/>
+                      <a:r>
+                        <a:rPr lang="ko-KR" altLang="en-US" sz="1000" dirty="0" smtClean="0"/>
+                        <a:t>설명</a:t>
+                      </a:r>
+                      <a:endParaRPr lang="ko-KR" altLang="en-US" sz="1000" dirty="0"/>
+                    </a:p>
+                  </a:txBody>
+                  <a:tcPr anchor="ctr"/>
+                </a:tc>
+                <a:tc>
+                  <a:txBody>
+                    <a:bodyPr/>
+                    <a:lstStyle/>
+                    <a:p>
+                      <a:pPr algn="ctr" latinLnBrk="1"/>
+                      <a:r>
+                        <a:rPr lang="ko-KR" altLang="en-US" sz="1000" dirty="0" smtClean="0"/>
+                        <a:t>조건</a:t>
+                      </a:r>
+                      <a:endParaRPr lang="ko-KR" altLang="en-US" sz="1000" dirty="0"/>
+                    </a:p>
+                  </a:txBody>
+                  <a:tcPr anchor="ctr"/>
+                </a:tc>
+                <a:extLst>
+                  <a:ext uri="{0D108BD9-81ED-4DB2-BD59-A6C34878D82A}">
+                    <a16:rowId xmlns:a16="http://schemas.microsoft.com/office/drawing/2014/main" val="1900393314"/>
+                  </a:ext>
+                </a:extLst>
+              </a:tr>
+              <a:tr h="187391">
+                <a:tc>
+                  <a:txBody>
+                    <a:bodyPr/>
+                    <a:lstStyle/>
+                    <a:p>
+                      <a:pPr algn="ctr" latinLnBrk="1"/>
+                      <a:r>
+                        <a:rPr lang="ko-KR" altLang="en-US" sz="1000" dirty="0" err="1" smtClean="0"/>
+                        <a:t>피격박스</a:t>
+                      </a:r>
+                      <a:endParaRPr lang="ko-KR" altLang="en-US" sz="1000" dirty="0"/>
+                    </a:p>
+                  </a:txBody>
+                  <a:tcPr anchor="ctr"/>
+                </a:tc>
+                <a:tc>
+                  <a:txBody>
+                    <a:bodyPr/>
+                    <a:lstStyle/>
+                    <a:p>
+                      <a:pPr algn="ctr" latinLnBrk="1"/>
+                      <a:r>
+                        <a:rPr lang="ko-KR" altLang="en-US" sz="1000" dirty="0" smtClean="0"/>
+                        <a:t>녹색</a:t>
+                      </a:r>
+                      <a:endParaRPr lang="ko-KR" altLang="en-US" sz="1000" dirty="0"/>
+                    </a:p>
+                  </a:txBody>
+                  <a:tcPr anchor="ctr"/>
+                </a:tc>
+                <a:tc>
+                  <a:txBody>
+                    <a:bodyPr/>
+                    <a:lstStyle/>
+                    <a:p>
+                      <a:pPr marL="0" marR="0" indent="0" algn="l" defTabSz="914400" rtl="0" eaLnBrk="1" fontAlgn="auto" latinLnBrk="1" hangingPunct="1">
+                        <a:lnSpc>
+                          <a:spcPct val="100000"/>
+                        </a:lnSpc>
+                        <a:spcBef>
+                          <a:spcPts val="0"/>
+                        </a:spcBef>
+                        <a:spcAft>
+                          <a:spcPts val="0"/>
+                        </a:spcAft>
+                        <a:buClrTx/>
+                        <a:buSzTx/>
+                        <a:buFontTx/>
+                        <a:buNone/>
+                        <a:tabLst/>
+                        <a:defRPr/>
+                      </a:pPr>
+                      <a:r>
+                        <a:rPr lang="ko-KR" altLang="en-US" sz="1000" dirty="0" smtClean="0"/>
+                        <a:t>몬스터의 </a:t>
+                      </a:r>
+                      <a:r>
+                        <a:rPr lang="ko-KR" altLang="en-US" sz="1000" dirty="0" err="1" smtClean="0"/>
+                        <a:t>히트박스와</a:t>
+                      </a:r>
+                      <a:r>
+                        <a:rPr lang="ko-KR" altLang="en-US" sz="1000" dirty="0" smtClean="0"/>
+                        <a:t> 충돌하면 </a:t>
+                      </a:r>
+                      <a:r>
+                        <a:rPr lang="ko-KR" altLang="en-US" sz="1000" dirty="0" err="1" smtClean="0"/>
+                        <a:t>데미지</a:t>
+                      </a:r>
+                      <a:r>
+                        <a:rPr lang="en-US" altLang="ko-KR" sz="1000" baseline="0" dirty="0" smtClean="0"/>
+                        <a:t> </a:t>
+                      </a:r>
+                      <a:r>
+                        <a:rPr lang="ko-KR" altLang="en-US" sz="1000" baseline="0" dirty="0" smtClean="0"/>
+                        <a:t>발생</a:t>
+                      </a:r>
+                      <a:r>
+                        <a:rPr lang="en-US" altLang="ko-KR" sz="1000" baseline="0" dirty="0" smtClean="0"/>
+                        <a:t>. </a:t>
+                      </a:r>
+                      <a:endParaRPr lang="en-US" altLang="ko-KR" sz="1000" dirty="0" smtClean="0"/>
+                    </a:p>
+                  </a:txBody>
+                  <a:tcPr anchor="ctr"/>
+                </a:tc>
+                <a:tc>
+                  <a:txBody>
+                    <a:bodyPr/>
+                    <a:lstStyle/>
+                    <a:p>
+                      <a:pPr marL="0" marR="0" indent="0" algn="l" defTabSz="914400" rtl="0" eaLnBrk="1" fontAlgn="auto" latinLnBrk="1" hangingPunct="1">
+                        <a:lnSpc>
+                          <a:spcPct val="100000"/>
+                        </a:lnSpc>
+                        <a:spcBef>
+                          <a:spcPts val="0"/>
+                        </a:spcBef>
+                        <a:spcAft>
+                          <a:spcPts val="0"/>
+                        </a:spcAft>
+                        <a:buClrTx/>
+                        <a:buSzTx/>
+                        <a:buFontTx/>
+                        <a:buNone/>
+                        <a:tabLst/>
+                        <a:defRPr/>
+                      </a:pPr>
+                      <a:endParaRPr lang="en-US" altLang="ko-KR" sz="1000" dirty="0" smtClean="0"/>
+                    </a:p>
+                  </a:txBody>
+                  <a:tcPr anchor="ctr"/>
+                </a:tc>
+                <a:extLst>
+                  <a:ext uri="{0D108BD9-81ED-4DB2-BD59-A6C34878D82A}">
+                    <a16:rowId xmlns:a16="http://schemas.microsoft.com/office/drawing/2014/main" val="4113373015"/>
+                  </a:ext>
+                </a:extLst>
+              </a:tr>
+              <a:tr h="187391">
+                <a:tc>
+                  <a:txBody>
+                    <a:bodyPr/>
+                    <a:lstStyle/>
+                    <a:p>
+                      <a:pPr algn="ctr" latinLnBrk="1"/>
+                      <a:r>
+                        <a:rPr lang="ko-KR" altLang="en-US" sz="1000" dirty="0" err="1" smtClean="0"/>
+                        <a:t>히트박스</a:t>
+                      </a:r>
+                      <a:endParaRPr lang="ko-KR" altLang="en-US" sz="1000" dirty="0"/>
+                    </a:p>
+                  </a:txBody>
+                  <a:tcPr anchor="ctr"/>
+                </a:tc>
+                <a:tc>
+                  <a:txBody>
+                    <a:bodyPr/>
+                    <a:lstStyle/>
+                    <a:p>
+                      <a:pPr algn="ctr" latinLnBrk="1"/>
+                      <a:r>
+                        <a:rPr lang="ko-KR" altLang="en-US" sz="1000" dirty="0" smtClean="0"/>
+                        <a:t>빨강</a:t>
+                      </a:r>
+                      <a:endParaRPr lang="ko-KR" altLang="en-US" sz="1000" dirty="0"/>
+                    </a:p>
+                  </a:txBody>
+                  <a:tcPr anchor="ctr"/>
+                </a:tc>
+                <a:tc>
+                  <a:txBody>
+                    <a:bodyPr/>
+                    <a:lstStyle/>
+                    <a:p>
+                      <a:pPr marL="0" marR="0" indent="0" algn="l" defTabSz="914400" rtl="0" eaLnBrk="1" fontAlgn="auto" latinLnBrk="1" hangingPunct="1">
+                        <a:lnSpc>
+                          <a:spcPct val="100000"/>
+                        </a:lnSpc>
+                        <a:spcBef>
+                          <a:spcPts val="0"/>
+                        </a:spcBef>
+                        <a:spcAft>
+                          <a:spcPts val="0"/>
+                        </a:spcAft>
+                        <a:buClrTx/>
+                        <a:buSzTx/>
+                        <a:buFontTx/>
+                        <a:buNone/>
+                        <a:tabLst/>
+                        <a:defRPr/>
+                      </a:pPr>
+                      <a:r>
+                        <a:rPr lang="ko-KR" altLang="en-US" sz="1000" dirty="0" smtClean="0"/>
+                        <a:t>몬스터의 </a:t>
+                      </a:r>
+                      <a:r>
+                        <a:rPr lang="ko-KR" altLang="en-US" sz="1000" dirty="0" err="1" smtClean="0"/>
+                        <a:t>피격박스와</a:t>
+                      </a:r>
+                      <a:r>
+                        <a:rPr lang="ko-KR" altLang="en-US" sz="1000" dirty="0" smtClean="0"/>
+                        <a:t> 충돌하면 몬스터의 </a:t>
+                      </a:r>
+                      <a:r>
+                        <a:rPr lang="en-US" altLang="ko-KR" sz="1000" dirty="0" smtClean="0"/>
+                        <a:t>HP </a:t>
+                      </a:r>
+                      <a:r>
+                        <a:rPr lang="ko-KR" altLang="en-US" sz="1000" dirty="0" smtClean="0"/>
+                        <a:t>손실</a:t>
+                      </a:r>
+                      <a:r>
+                        <a:rPr lang="en-US" altLang="ko-KR" sz="1000" dirty="0" smtClean="0"/>
+                        <a:t>. </a:t>
+                      </a:r>
+                    </a:p>
+                    <a:p>
+                      <a:pPr marL="0" marR="0" indent="0" algn="l" defTabSz="914400" rtl="0" eaLnBrk="1" fontAlgn="auto" latinLnBrk="1" hangingPunct="1">
+                        <a:lnSpc>
+                          <a:spcPct val="100000"/>
+                        </a:lnSpc>
+                        <a:spcBef>
+                          <a:spcPts val="0"/>
+                        </a:spcBef>
+                        <a:spcAft>
+                          <a:spcPts val="0"/>
+                        </a:spcAft>
+                        <a:buClrTx/>
+                        <a:buSzTx/>
+                        <a:buFontTx/>
+                        <a:buNone/>
+                        <a:tabLst/>
+                        <a:defRPr/>
+                      </a:pPr>
+                      <a:r>
+                        <a:rPr lang="ko-KR" altLang="en-US" sz="1000" baseline="0" dirty="0" smtClean="0"/>
+                        <a:t>몬스터의 </a:t>
+                      </a:r>
+                      <a:r>
+                        <a:rPr lang="ko-KR" altLang="en-US" sz="1000" baseline="0" dirty="0" err="1" smtClean="0"/>
+                        <a:t>히트박스와</a:t>
+                      </a:r>
+                      <a:r>
+                        <a:rPr lang="ko-KR" altLang="en-US" sz="1000" baseline="0" dirty="0" smtClean="0"/>
+                        <a:t> 동시 </a:t>
+                      </a:r>
+                      <a:r>
+                        <a:rPr lang="ko-KR" altLang="en-US" sz="1000" baseline="0" dirty="0" err="1" smtClean="0"/>
+                        <a:t>충돌시</a:t>
+                      </a:r>
+                      <a:r>
+                        <a:rPr lang="ko-KR" altLang="en-US" sz="1000" baseline="0" dirty="0" smtClean="0"/>
+                        <a:t> 서로의 </a:t>
+                      </a:r>
+                      <a:r>
+                        <a:rPr lang="ko-KR" altLang="en-US" sz="1000" baseline="0" dirty="0" err="1" smtClean="0"/>
+                        <a:t>데미지</a:t>
+                      </a:r>
+                      <a:r>
+                        <a:rPr lang="ko-KR" altLang="en-US" sz="1000" baseline="0" dirty="0" smtClean="0"/>
+                        <a:t> 손실 없음</a:t>
+                      </a:r>
+                      <a:r>
+                        <a:rPr lang="en-US" altLang="ko-KR" sz="1000" baseline="0" dirty="0" smtClean="0"/>
+                        <a:t>.</a:t>
+                      </a:r>
+                      <a:endParaRPr lang="en-US" altLang="ko-KR" sz="1000" dirty="0" smtClean="0"/>
+                    </a:p>
+                  </a:txBody>
+                  <a:tcPr anchor="ctr"/>
+                </a:tc>
+                <a:tc>
+                  <a:txBody>
+                    <a:bodyPr/>
+                    <a:lstStyle/>
+                    <a:p>
+                      <a:pPr marL="0" marR="0" indent="0" algn="l" defTabSz="914400" rtl="0" eaLnBrk="1" fontAlgn="auto" latinLnBrk="1" hangingPunct="1">
+                        <a:lnSpc>
+                          <a:spcPct val="100000"/>
+                        </a:lnSpc>
+                        <a:spcBef>
+                          <a:spcPts val="0"/>
+                        </a:spcBef>
+                        <a:spcAft>
+                          <a:spcPts val="0"/>
+                        </a:spcAft>
+                        <a:buClrTx/>
+                        <a:buSzTx/>
+                        <a:buFontTx/>
+                        <a:buNone/>
+                        <a:tabLst/>
+                        <a:defRPr/>
+                      </a:pPr>
+                      <a:r>
+                        <a:rPr lang="ko-KR" altLang="en-US" sz="1000" dirty="0" err="1" smtClean="0"/>
+                        <a:t>공격키</a:t>
+                      </a:r>
+                      <a:r>
+                        <a:rPr lang="en-US" altLang="ko-KR" sz="1000" dirty="0" smtClean="0"/>
+                        <a:t>, </a:t>
+                      </a:r>
+                      <a:r>
+                        <a:rPr lang="ko-KR" altLang="en-US" sz="1000" dirty="0" err="1" smtClean="0"/>
+                        <a:t>특수공격키</a:t>
+                      </a:r>
+                      <a:r>
+                        <a:rPr lang="ko-KR" altLang="en-US" sz="1000" dirty="0" smtClean="0"/>
+                        <a:t> </a:t>
+                      </a:r>
+                      <a:r>
+                        <a:rPr lang="ko-KR" altLang="en-US" sz="1000" dirty="0" err="1" smtClean="0"/>
+                        <a:t>입력시</a:t>
+                      </a:r>
+                      <a:r>
+                        <a:rPr lang="ko-KR" altLang="en-US" sz="1000" baseline="0" dirty="0" smtClean="0"/>
+                        <a:t> 발생</a:t>
+                      </a:r>
+                      <a:endParaRPr lang="en-US" altLang="ko-KR" sz="1000" dirty="0" smtClean="0"/>
+                    </a:p>
+                  </a:txBody>
+                  <a:tcPr anchor="ctr"/>
+                </a:tc>
+                <a:extLst>
+                  <a:ext uri="{0D108BD9-81ED-4DB2-BD59-A6C34878D82A}">
+                    <a16:rowId xmlns:a16="http://schemas.microsoft.com/office/drawing/2014/main" val="369674998"/>
+                  </a:ext>
+                </a:extLst>
+              </a:tr>
+              <a:tr h="187391">
+                <a:tc>
+                  <a:txBody>
+                    <a:bodyPr/>
+                    <a:lstStyle/>
+                    <a:p>
+                      <a:pPr algn="ctr" latinLnBrk="1"/>
+                      <a:r>
+                        <a:rPr lang="ko-KR" altLang="en-US" sz="1000" dirty="0" err="1" smtClean="0"/>
+                        <a:t>몸박스</a:t>
+                      </a:r>
+                      <a:endParaRPr lang="ko-KR" altLang="en-US" sz="1000" dirty="0"/>
+                    </a:p>
+                  </a:txBody>
+                  <a:tcPr anchor="ctr"/>
+                </a:tc>
+                <a:tc>
+                  <a:txBody>
+                    <a:bodyPr/>
+                    <a:lstStyle/>
+                    <a:p>
+                      <a:pPr algn="ctr" latinLnBrk="1"/>
+                      <a:r>
+                        <a:rPr lang="ko-KR" altLang="en-US" sz="1000" dirty="0" smtClean="0"/>
+                        <a:t>파랑</a:t>
+                      </a:r>
+                      <a:endParaRPr lang="ko-KR" altLang="en-US" sz="1000" dirty="0"/>
+                    </a:p>
+                  </a:txBody>
+                  <a:tcPr anchor="ctr"/>
+                </a:tc>
+                <a:tc>
+                  <a:txBody>
+                    <a:bodyPr/>
+                    <a:lstStyle/>
+                    <a:p>
+                      <a:pPr marL="0" marR="0" indent="0" algn="l" defTabSz="914400" rtl="0" eaLnBrk="1" fontAlgn="auto" latinLnBrk="1" hangingPunct="1">
+                        <a:lnSpc>
+                          <a:spcPct val="100000"/>
+                        </a:lnSpc>
+                        <a:spcBef>
+                          <a:spcPts val="0"/>
+                        </a:spcBef>
+                        <a:spcAft>
+                          <a:spcPts val="0"/>
+                        </a:spcAft>
+                        <a:buClrTx/>
+                        <a:buSzTx/>
+                        <a:buFontTx/>
+                        <a:buNone/>
+                        <a:tabLst/>
+                        <a:defRPr/>
+                      </a:pPr>
+                      <a:r>
+                        <a:rPr lang="ko-KR" altLang="en-US" sz="1000" dirty="0" smtClean="0"/>
+                        <a:t>전투 중 화면의 밖으로 나가지 않도록 화면의 가장자리와 충돌</a:t>
+                      </a:r>
+                      <a:r>
+                        <a:rPr lang="en-US" altLang="ko-KR" sz="1000" dirty="0" smtClean="0"/>
+                        <a:t>.</a:t>
+                      </a:r>
+                    </a:p>
+                  </a:txBody>
+                  <a:tcPr anchor="ctr"/>
+                </a:tc>
+                <a:tc>
+                  <a:txBody>
+                    <a:bodyPr/>
+                    <a:lstStyle/>
+                    <a:p>
+                      <a:pPr marL="0" marR="0" indent="0" algn="l" defTabSz="914400" rtl="0" eaLnBrk="1" fontAlgn="auto" latinLnBrk="1" hangingPunct="1">
+                        <a:lnSpc>
+                          <a:spcPct val="100000"/>
+                        </a:lnSpc>
+                        <a:spcBef>
+                          <a:spcPts val="0"/>
+                        </a:spcBef>
+                        <a:spcAft>
+                          <a:spcPts val="0"/>
+                        </a:spcAft>
+                        <a:buClrTx/>
+                        <a:buSzTx/>
+                        <a:buFontTx/>
+                        <a:buNone/>
+                        <a:tabLst/>
+                        <a:defRPr/>
+                      </a:pPr>
+                      <a:endParaRPr lang="en-US" altLang="ko-KR" sz="1000" dirty="0" smtClean="0"/>
+                    </a:p>
+                  </a:txBody>
+                  <a:tcPr anchor="ctr"/>
+                </a:tc>
+                <a:extLst>
+                  <a:ext uri="{0D108BD9-81ED-4DB2-BD59-A6C34878D82A}">
+                    <a16:rowId xmlns:a16="http://schemas.microsoft.com/office/drawing/2014/main" val="4040799981"/>
+                  </a:ext>
+                </a:extLst>
+              </a:tr>
+              <a:tr h="304510">
+                <a:tc>
+                  <a:txBody>
+                    <a:bodyPr/>
+                    <a:lstStyle/>
+                    <a:p>
+                      <a:pPr algn="ctr" latinLnBrk="1"/>
+                      <a:r>
+                        <a:rPr lang="ko-KR" altLang="en-US" sz="1000" dirty="0" err="1" smtClean="0"/>
+                        <a:t>가드박스</a:t>
+                      </a:r>
+                      <a:endParaRPr lang="ko-KR" altLang="en-US" sz="1000" dirty="0"/>
+                    </a:p>
+                  </a:txBody>
+                  <a:tcPr anchor="ctr"/>
+                </a:tc>
+                <a:tc>
+                  <a:txBody>
+                    <a:bodyPr/>
+                    <a:lstStyle/>
+                    <a:p>
+                      <a:pPr algn="ctr" latinLnBrk="1"/>
+                      <a:r>
+                        <a:rPr lang="ko-KR" altLang="en-US" sz="1000" dirty="0" smtClean="0"/>
+                        <a:t>노랑</a:t>
+                      </a:r>
+                      <a:endParaRPr lang="ko-KR" altLang="en-US" sz="1000" dirty="0"/>
+                    </a:p>
+                  </a:txBody>
+                  <a:tcPr anchor="ctr"/>
+                </a:tc>
+                <a:tc>
+                  <a:txBody>
+                    <a:bodyPr/>
+                    <a:lstStyle/>
+                    <a:p>
+                      <a:pPr marL="0" marR="0" indent="0" algn="l" defTabSz="914400" rtl="0" eaLnBrk="1" fontAlgn="auto" latinLnBrk="1" hangingPunct="1">
+                        <a:lnSpc>
+                          <a:spcPct val="100000"/>
+                        </a:lnSpc>
+                        <a:spcBef>
+                          <a:spcPts val="0"/>
+                        </a:spcBef>
+                        <a:spcAft>
+                          <a:spcPts val="0"/>
+                        </a:spcAft>
+                        <a:buClrTx/>
+                        <a:buSzTx/>
+                        <a:buFontTx/>
+                        <a:buNone/>
+                        <a:tabLst/>
+                        <a:defRPr/>
+                      </a:pPr>
+                      <a:r>
+                        <a:rPr lang="ko-KR" altLang="en-US" sz="1000" dirty="0" smtClean="0"/>
+                        <a:t>몬스터의 </a:t>
+                      </a:r>
+                      <a:r>
+                        <a:rPr lang="ko-KR" altLang="en-US" sz="1000" dirty="0" err="1" smtClean="0"/>
+                        <a:t>히트박스와</a:t>
+                      </a:r>
+                      <a:r>
+                        <a:rPr lang="ko-KR" altLang="en-US" sz="1000" dirty="0" smtClean="0"/>
+                        <a:t> 충돌하면 </a:t>
+                      </a:r>
+                      <a:r>
+                        <a:rPr lang="ko-KR" altLang="en-US" sz="1000" dirty="0" err="1" smtClean="0"/>
+                        <a:t>데미지</a:t>
+                      </a:r>
+                      <a:r>
+                        <a:rPr lang="ko-KR" altLang="en-US" sz="1000" baseline="0" dirty="0" smtClean="0"/>
+                        <a:t> 무효화</a:t>
+                      </a:r>
+                      <a:r>
+                        <a:rPr lang="en-US" altLang="ko-KR" sz="1000" baseline="0" dirty="0" smtClean="0"/>
+                        <a:t>.</a:t>
+                      </a:r>
+                    </a:p>
+                  </a:txBody>
+                  <a:tcPr anchor="ctr"/>
+                </a:tc>
+                <a:tc>
+                  <a:txBody>
+                    <a:bodyPr/>
+                    <a:lstStyle/>
+                    <a:p>
+                      <a:pPr marL="0" marR="0" indent="0" algn="l" defTabSz="914400" rtl="0" eaLnBrk="1" fontAlgn="auto" latinLnBrk="1" hangingPunct="1">
+                        <a:lnSpc>
+                          <a:spcPct val="100000"/>
+                        </a:lnSpc>
+                        <a:spcBef>
+                          <a:spcPts val="0"/>
+                        </a:spcBef>
+                        <a:spcAft>
+                          <a:spcPts val="0"/>
+                        </a:spcAft>
+                        <a:buClrTx/>
+                        <a:buSzTx/>
+                        <a:buFontTx/>
+                        <a:buNone/>
+                        <a:tabLst/>
+                        <a:defRPr/>
+                      </a:pPr>
+                      <a:r>
+                        <a:rPr lang="ko-KR" altLang="en-US" sz="1000" dirty="0" smtClean="0"/>
+                        <a:t>방패 장비 장착 후 방어키 </a:t>
+                      </a:r>
+                      <a:r>
+                        <a:rPr lang="ko-KR" altLang="en-US" sz="1000" dirty="0" err="1" smtClean="0"/>
+                        <a:t>입력시</a:t>
+                      </a:r>
+                      <a:r>
+                        <a:rPr lang="ko-KR" altLang="en-US" sz="1000" dirty="0" smtClean="0"/>
+                        <a:t> 발</a:t>
+                      </a:r>
+                      <a:r>
+                        <a:rPr lang="ko-KR" altLang="en-US" sz="1000" dirty="0" smtClean="0"/>
+                        <a:t>생</a:t>
+                      </a:r>
+                      <a:endParaRPr lang="en-US" altLang="ko-KR" sz="1000" dirty="0" smtClean="0"/>
+                    </a:p>
+                  </a:txBody>
+                  <a:tcPr anchor="ctr"/>
+                </a:tc>
+                <a:extLst>
+                  <a:ext uri="{0D108BD9-81ED-4DB2-BD59-A6C34878D82A}">
+                    <a16:rowId xmlns:a16="http://schemas.microsoft.com/office/drawing/2014/main" val="1957660542"/>
+                  </a:ext>
+                </a:extLst>
+              </a:tr>
+              <a:tr h="304510">
+                <a:tc>
+                  <a:txBody>
+                    <a:bodyPr/>
+                    <a:lstStyle/>
+                    <a:p>
+                      <a:pPr algn="ctr" latinLnBrk="1"/>
+                      <a:r>
+                        <a:rPr lang="ko-KR" altLang="en-US" sz="1000" dirty="0" smtClean="0"/>
+                        <a:t>화살</a:t>
+                      </a:r>
+                      <a:r>
+                        <a:rPr lang="en-US" altLang="ko-KR" sz="1000" dirty="0" smtClean="0"/>
+                        <a:t>/</a:t>
+                      </a:r>
+                      <a:r>
+                        <a:rPr lang="ko-KR" altLang="en-US" sz="1000" dirty="0" err="1" smtClean="0"/>
+                        <a:t>표창박스</a:t>
+                      </a:r>
+                      <a:endParaRPr lang="ko-KR" altLang="en-US" sz="1000" dirty="0"/>
+                    </a:p>
+                  </a:txBody>
+                  <a:tcPr anchor="ctr"/>
+                </a:tc>
+                <a:tc>
+                  <a:txBody>
+                    <a:bodyPr/>
+                    <a:lstStyle/>
+                    <a:p>
+                      <a:pPr algn="ctr" latinLnBrk="1"/>
+                      <a:r>
+                        <a:rPr lang="ko-KR" altLang="en-US" sz="1000" dirty="0" smtClean="0"/>
+                        <a:t>보라</a:t>
+                      </a:r>
+                      <a:endParaRPr lang="ko-KR" altLang="en-US" sz="1000" dirty="0"/>
+                    </a:p>
+                  </a:txBody>
+                  <a:tcPr anchor="ctr"/>
+                </a:tc>
+                <a:tc>
+                  <a:txBody>
+                    <a:bodyPr/>
+                    <a:lstStyle/>
+                    <a:p>
+                      <a:pPr marL="0" marR="0" indent="0" algn="l" defTabSz="914400" rtl="0" eaLnBrk="1" fontAlgn="auto" latinLnBrk="1" hangingPunct="1">
+                        <a:lnSpc>
+                          <a:spcPct val="100000"/>
+                        </a:lnSpc>
+                        <a:spcBef>
+                          <a:spcPts val="0"/>
+                        </a:spcBef>
+                        <a:spcAft>
+                          <a:spcPts val="0"/>
+                        </a:spcAft>
+                        <a:buClrTx/>
+                        <a:buSzTx/>
+                        <a:buFontTx/>
+                        <a:buNone/>
+                        <a:tabLst/>
+                        <a:defRPr/>
+                      </a:pPr>
+                      <a:r>
+                        <a:rPr lang="ko-KR" altLang="en-US" sz="1000" baseline="0" dirty="0" smtClean="0"/>
+                        <a:t>활이나 표창을 이용한 </a:t>
+                      </a:r>
+                      <a:r>
+                        <a:rPr lang="ko-KR" altLang="en-US" sz="1000" baseline="0" dirty="0" err="1" smtClean="0"/>
+                        <a:t>공격시</a:t>
+                      </a:r>
+                      <a:r>
+                        <a:rPr lang="ko-KR" altLang="en-US" sz="1000" baseline="0" dirty="0" smtClean="0"/>
+                        <a:t> 화살과 </a:t>
+                      </a:r>
+                      <a:r>
+                        <a:rPr lang="ko-KR" altLang="en-US" sz="1000" baseline="0" dirty="0" err="1" smtClean="0"/>
+                        <a:t>투척물에</a:t>
+                      </a:r>
+                      <a:r>
+                        <a:rPr lang="ko-KR" altLang="en-US" sz="1000" baseline="0" dirty="0" smtClean="0"/>
+                        <a:t> </a:t>
+                      </a:r>
+                      <a:r>
+                        <a:rPr lang="ko-KR" altLang="en-US" sz="1000" baseline="0" dirty="0" err="1" smtClean="0"/>
+                        <a:t>히트박스</a:t>
+                      </a:r>
+                      <a:r>
+                        <a:rPr lang="ko-KR" altLang="en-US" sz="1000" baseline="0" dirty="0" smtClean="0"/>
+                        <a:t> 형성</a:t>
+                      </a:r>
+                      <a:endParaRPr lang="en-US" altLang="ko-KR" sz="1000" baseline="0" dirty="0" smtClean="0"/>
+                    </a:p>
+                    <a:p>
+                      <a:pPr marL="0" marR="0" indent="0" algn="l" defTabSz="914400" rtl="0" eaLnBrk="1" fontAlgn="auto" latinLnBrk="1" hangingPunct="1">
+                        <a:lnSpc>
+                          <a:spcPct val="100000"/>
+                        </a:lnSpc>
+                        <a:spcBef>
+                          <a:spcPts val="0"/>
+                        </a:spcBef>
+                        <a:spcAft>
+                          <a:spcPts val="0"/>
+                        </a:spcAft>
+                        <a:buClrTx/>
+                        <a:buSzTx/>
+                        <a:buFontTx/>
+                        <a:buNone/>
+                        <a:tabLst/>
+                        <a:defRPr/>
+                      </a:pPr>
+                      <a:r>
+                        <a:rPr lang="ko-KR" altLang="en-US" sz="1000" baseline="0" dirty="0" smtClean="0"/>
+                        <a:t>단</a:t>
+                      </a:r>
+                      <a:r>
+                        <a:rPr lang="en-US" altLang="ko-KR" sz="1000" baseline="0" dirty="0" smtClean="0"/>
+                        <a:t>, </a:t>
+                      </a:r>
+                      <a:r>
+                        <a:rPr lang="ko-KR" altLang="en-US" sz="1000" baseline="0" dirty="0" err="1" smtClean="0"/>
+                        <a:t>폭탄류의</a:t>
+                      </a:r>
+                      <a:r>
+                        <a:rPr lang="ko-KR" altLang="en-US" sz="1000" baseline="0" dirty="0" smtClean="0"/>
+                        <a:t> 경우 궤적을 따라가는 과정에서 </a:t>
+                      </a:r>
+                      <a:r>
+                        <a:rPr lang="ko-KR" altLang="en-US" sz="1000" baseline="0" dirty="0" err="1" smtClean="0"/>
+                        <a:t>히트박스가</a:t>
+                      </a:r>
+                      <a:r>
+                        <a:rPr lang="ko-KR" altLang="en-US" sz="1000" baseline="0" dirty="0" smtClean="0"/>
+                        <a:t> 생성되지 않음</a:t>
+                      </a:r>
+                      <a:r>
+                        <a:rPr lang="en-US" altLang="ko-KR" sz="1000" baseline="0" dirty="0" smtClean="0"/>
+                        <a:t>. </a:t>
+                      </a:r>
+                      <a:r>
+                        <a:rPr lang="ko-KR" altLang="en-US" sz="1000" baseline="0" dirty="0" smtClean="0"/>
+                        <a:t>낙하한 지점에서 피해 범위 발생</a:t>
+                      </a:r>
+                      <a:r>
+                        <a:rPr lang="en-US" altLang="ko-KR" sz="1000" baseline="0" dirty="0" smtClean="0"/>
+                        <a:t>.</a:t>
+                      </a:r>
+                    </a:p>
+                  </a:txBody>
+                  <a:tcPr anchor="ctr"/>
+                </a:tc>
+                <a:tc>
+                  <a:txBody>
+                    <a:bodyPr/>
+                    <a:lstStyle/>
+                    <a:p>
+                      <a:pPr marL="0" marR="0" indent="0" algn="l" defTabSz="914400" rtl="0" eaLnBrk="1" fontAlgn="auto" latinLnBrk="1" hangingPunct="1">
+                        <a:lnSpc>
+                          <a:spcPct val="100000"/>
+                        </a:lnSpc>
+                        <a:spcBef>
+                          <a:spcPts val="0"/>
+                        </a:spcBef>
+                        <a:spcAft>
+                          <a:spcPts val="0"/>
+                        </a:spcAft>
+                        <a:buClrTx/>
+                        <a:buSzTx/>
+                        <a:buFontTx/>
+                        <a:buNone/>
+                        <a:tabLst/>
+                        <a:defRPr/>
+                      </a:pPr>
+                      <a:r>
+                        <a:rPr lang="ko-KR" altLang="en-US" sz="1000" dirty="0" smtClean="0"/>
+                        <a:t>활</a:t>
+                      </a:r>
+                      <a:r>
+                        <a:rPr lang="ko-KR" altLang="en-US" sz="1000" baseline="0" dirty="0" smtClean="0"/>
+                        <a:t> 장비 장착 후 </a:t>
+                      </a:r>
+                      <a:r>
+                        <a:rPr lang="ko-KR" altLang="en-US" sz="1000" baseline="0" dirty="0" err="1" smtClean="0"/>
+                        <a:t>공격키</a:t>
+                      </a:r>
+                      <a:r>
+                        <a:rPr lang="ko-KR" altLang="en-US" sz="1000" baseline="0" dirty="0" smtClean="0"/>
+                        <a:t> </a:t>
+                      </a:r>
+                      <a:r>
+                        <a:rPr lang="ko-KR" altLang="en-US" sz="1000" baseline="0" dirty="0" err="1" smtClean="0"/>
+                        <a:t>입력시</a:t>
+                      </a:r>
+                      <a:r>
+                        <a:rPr lang="ko-KR" altLang="en-US" sz="1000" baseline="0" dirty="0" smtClean="0"/>
+                        <a:t> 발생</a:t>
+                      </a:r>
+                      <a:endParaRPr lang="en-US" altLang="ko-KR" sz="1000" baseline="0" dirty="0" smtClean="0"/>
+                    </a:p>
+                    <a:p>
+                      <a:pPr marL="0" marR="0" indent="0" algn="l" defTabSz="914400" rtl="0" eaLnBrk="1" fontAlgn="auto" latinLnBrk="1" hangingPunct="1">
+                        <a:lnSpc>
+                          <a:spcPct val="100000"/>
+                        </a:lnSpc>
+                        <a:spcBef>
+                          <a:spcPts val="0"/>
+                        </a:spcBef>
+                        <a:spcAft>
+                          <a:spcPts val="0"/>
+                        </a:spcAft>
+                        <a:buClrTx/>
+                        <a:buSzTx/>
+                        <a:buFontTx/>
+                        <a:buNone/>
+                        <a:tabLst/>
+                        <a:defRPr/>
+                      </a:pPr>
+                      <a:r>
+                        <a:rPr lang="ko-KR" altLang="en-US" sz="1000" dirty="0" smtClean="0"/>
+                        <a:t>해당 아이템 소지 </a:t>
+                      </a:r>
+                      <a:r>
+                        <a:rPr lang="ko-KR" altLang="en-US" sz="1000" dirty="0" err="1" smtClean="0"/>
+                        <a:t>인벤토리</a:t>
+                      </a:r>
+                      <a:r>
+                        <a:rPr lang="ko-KR" altLang="en-US" sz="1000" dirty="0" smtClean="0"/>
+                        <a:t> 사용시 발생</a:t>
+                      </a:r>
+                      <a:endParaRPr lang="en-US" altLang="ko-KR" sz="1000" dirty="0" smtClean="0"/>
+                    </a:p>
+                  </a:txBody>
+                  <a:tcPr anchor="ctr"/>
+                </a:tc>
+                <a:extLst>
+                  <a:ext uri="{0D108BD9-81ED-4DB2-BD59-A6C34878D82A}">
+                    <a16:rowId xmlns:a16="http://schemas.microsoft.com/office/drawing/2014/main" val="3802852850"/>
+                  </a:ext>
+                </a:extLst>
+              </a:tr>
+            </a:tbl>
+          </a:graphicData>
+        </a:graphic>
+      </p:graphicFrame>
+      <p:sp>
+        <p:nvSpPr>
+          <p:cNvPr id="26" name="제목 1"/>
+          <p:cNvSpPr txBox="1">
+            <a:spLocks/>
+          </p:cNvSpPr>
+          <p:nvPr/>
+        </p:nvSpPr>
+        <p:spPr>
+          <a:xfrm>
+            <a:off x="6081506" y="6301306"/>
+            <a:ext cx="885348" cy="251894"/>
+          </a:xfrm>
+          <a:prstGeom prst="rect">
+            <a:avLst/>
+          </a:prstGeom>
+        </p:spPr>
+        <p:txBody>
+          <a:bodyPr vert="horz" rtlCol="0" anchor="t">
+            <a:noAutofit/>
+          </a:bodyPr>
+          <a:lstStyle>
+            <a:lvl1pPr algn="l" rtl="0" eaLnBrk="1" latinLnBrk="1" hangingPunct="1">
+              <a:spcBef>
+                <a:spcPct val="0"/>
+              </a:spcBef>
+              <a:buNone/>
+              <a:defRPr kumimoji="0" sz="4000" kern="1200">
+                <a:solidFill>
+                  <a:schemeClr val="tx2"/>
+                </a:solidFill>
+                <a:latin typeface="맑은 고딕" panose="020B0503020000020004" pitchFamily="50" charset="-127"/>
+                <a:ea typeface="+mj-ea"/>
+                <a:cs typeface="+mj-cs"/>
+              </a:defRPr>
+            </a:lvl1pPr>
+          </a:lstStyle>
+          <a:p>
+            <a:pPr algn="ctr"/>
+            <a:r>
+              <a:rPr lang="ko-KR" altLang="en-US" sz="1000" dirty="0" smtClean="0"/>
+              <a:t>대기</a:t>
+            </a:r>
+            <a:r>
+              <a:rPr lang="en-US" altLang="ko-KR" sz="1000" dirty="0" smtClean="0"/>
+              <a:t>, </a:t>
+            </a:r>
+            <a:r>
+              <a:rPr lang="ko-KR" altLang="en-US" sz="1000" dirty="0" smtClean="0"/>
+              <a:t>이동</a:t>
+            </a:r>
+            <a:endParaRPr lang="en-US" altLang="ko-KR" sz="1000" dirty="0"/>
+          </a:p>
+        </p:txBody>
+      </p:sp>
+      <p:sp>
+        <p:nvSpPr>
+          <p:cNvPr id="27" name="제목 1"/>
+          <p:cNvSpPr txBox="1">
+            <a:spLocks/>
+          </p:cNvSpPr>
+          <p:nvPr/>
+        </p:nvSpPr>
+        <p:spPr>
+          <a:xfrm>
+            <a:off x="3684601" y="6301306"/>
+            <a:ext cx="473800" cy="251894"/>
+          </a:xfrm>
+          <a:prstGeom prst="rect">
+            <a:avLst/>
+          </a:prstGeom>
+        </p:spPr>
+        <p:txBody>
+          <a:bodyPr vert="horz" rtlCol="0" anchor="t">
+            <a:noAutofit/>
+          </a:bodyPr>
+          <a:lstStyle>
+            <a:lvl1pPr algn="l" rtl="0" eaLnBrk="1" latinLnBrk="1" hangingPunct="1">
+              <a:spcBef>
+                <a:spcPct val="0"/>
+              </a:spcBef>
+              <a:buNone/>
+              <a:defRPr kumimoji="0" sz="4000" kern="1200">
+                <a:solidFill>
+                  <a:schemeClr val="tx2"/>
+                </a:solidFill>
+                <a:latin typeface="맑은 고딕" panose="020B0503020000020004" pitchFamily="50" charset="-127"/>
+                <a:ea typeface="+mj-ea"/>
+                <a:cs typeface="+mj-cs"/>
+              </a:defRPr>
+            </a:lvl1pPr>
+          </a:lstStyle>
+          <a:p>
+            <a:pPr algn="ctr"/>
+            <a:r>
+              <a:rPr lang="ko-KR" altLang="en-US" sz="1000" dirty="0" smtClean="0"/>
+              <a:t>공격</a:t>
+            </a:r>
+            <a:endParaRPr lang="en-US" altLang="ko-KR" sz="1000" dirty="0"/>
+          </a:p>
+        </p:txBody>
+      </p:sp>
+      <p:sp>
+        <p:nvSpPr>
+          <p:cNvPr id="28" name="제목 1"/>
+          <p:cNvSpPr txBox="1">
+            <a:spLocks/>
+          </p:cNvSpPr>
+          <p:nvPr/>
+        </p:nvSpPr>
+        <p:spPr>
+          <a:xfrm>
+            <a:off x="5015208" y="6301306"/>
+            <a:ext cx="473800" cy="251894"/>
+          </a:xfrm>
+          <a:prstGeom prst="rect">
+            <a:avLst/>
+          </a:prstGeom>
+        </p:spPr>
+        <p:txBody>
+          <a:bodyPr vert="horz" rtlCol="0" anchor="t">
+            <a:noAutofit/>
+          </a:bodyPr>
+          <a:lstStyle>
+            <a:lvl1pPr algn="l" rtl="0" eaLnBrk="1" latinLnBrk="1" hangingPunct="1">
+              <a:spcBef>
+                <a:spcPct val="0"/>
+              </a:spcBef>
+              <a:buNone/>
+              <a:defRPr kumimoji="0" sz="4000" kern="1200">
+                <a:solidFill>
+                  <a:schemeClr val="tx2"/>
+                </a:solidFill>
+                <a:latin typeface="맑은 고딕" panose="020B0503020000020004" pitchFamily="50" charset="-127"/>
+                <a:ea typeface="+mj-ea"/>
+                <a:cs typeface="+mj-cs"/>
+              </a:defRPr>
+            </a:lvl1pPr>
+          </a:lstStyle>
+          <a:p>
+            <a:pPr algn="ctr"/>
+            <a:r>
+              <a:rPr lang="ko-KR" altLang="en-US" sz="1000" dirty="0" smtClean="0"/>
+              <a:t>방어</a:t>
+            </a:r>
+            <a:endParaRPr lang="en-US" altLang="ko-KR" sz="1000" dirty="0"/>
+          </a:p>
+        </p:txBody>
+      </p:sp>
+      <p:sp>
+        <p:nvSpPr>
+          <p:cNvPr id="41" name="제목 1"/>
+          <p:cNvSpPr txBox="1">
+            <a:spLocks/>
+          </p:cNvSpPr>
+          <p:nvPr/>
+        </p:nvSpPr>
+        <p:spPr>
+          <a:xfrm>
+            <a:off x="868297" y="4828981"/>
+            <a:ext cx="749242" cy="251894"/>
+          </a:xfrm>
+          <a:prstGeom prst="rect">
+            <a:avLst/>
+          </a:prstGeom>
+        </p:spPr>
+        <p:txBody>
+          <a:bodyPr vert="horz" rtlCol="0" anchor="t">
+            <a:noAutofit/>
+          </a:bodyPr>
+          <a:lstStyle>
+            <a:lvl1pPr algn="l" rtl="0" eaLnBrk="1" latinLnBrk="1" hangingPunct="1">
+              <a:spcBef>
+                <a:spcPct val="0"/>
+              </a:spcBef>
+              <a:buNone/>
+              <a:defRPr kumimoji="0" sz="4000" kern="1200">
+                <a:solidFill>
+                  <a:schemeClr val="tx2"/>
+                </a:solidFill>
+                <a:latin typeface="맑은 고딕" panose="020B0503020000020004" pitchFamily="50" charset="-127"/>
+                <a:ea typeface="+mj-ea"/>
+                <a:cs typeface="+mj-cs"/>
+              </a:defRPr>
+            </a:lvl1pPr>
+          </a:lstStyle>
+          <a:p>
+            <a:pPr algn="ctr"/>
+            <a:r>
+              <a:rPr lang="ko-KR" altLang="en-US" sz="1000" smtClean="0"/>
+              <a:t>캐릭터</a:t>
+            </a:r>
+            <a:endParaRPr lang="en-US" altLang="ko-KR" sz="1000" dirty="0"/>
+          </a:p>
+        </p:txBody>
+      </p:sp>
+      <p:sp>
+        <p:nvSpPr>
+          <p:cNvPr id="42" name="제목 1"/>
+          <p:cNvSpPr txBox="1">
+            <a:spLocks/>
+          </p:cNvSpPr>
+          <p:nvPr/>
+        </p:nvSpPr>
+        <p:spPr>
+          <a:xfrm>
+            <a:off x="9549800" y="4828981"/>
+            <a:ext cx="1946876" cy="589686"/>
+          </a:xfrm>
+          <a:prstGeom prst="rect">
+            <a:avLst/>
+          </a:prstGeom>
+        </p:spPr>
+        <p:txBody>
+          <a:bodyPr vert="horz" rtlCol="0" anchor="t">
+            <a:noAutofit/>
+          </a:bodyPr>
+          <a:lstStyle>
+            <a:lvl1pPr algn="l" rtl="0" eaLnBrk="1" latinLnBrk="1" hangingPunct="1">
+              <a:spcBef>
+                <a:spcPct val="0"/>
+              </a:spcBef>
+              <a:buNone/>
+              <a:defRPr kumimoji="0" sz="4000" kern="1200">
+                <a:solidFill>
+                  <a:schemeClr val="tx2"/>
+                </a:solidFill>
+                <a:latin typeface="맑은 고딕" panose="020B0503020000020004" pitchFamily="50" charset="-127"/>
+                <a:ea typeface="+mj-ea"/>
+                <a:cs typeface="+mj-cs"/>
+              </a:defRPr>
+            </a:lvl1pPr>
+          </a:lstStyle>
+          <a:p>
+            <a:pPr algn="ctr"/>
+            <a:r>
+              <a:rPr lang="ko-KR" altLang="en-US" sz="1000" dirty="0" smtClean="0"/>
+              <a:t>몬스터</a:t>
+            </a:r>
+            <a:endParaRPr lang="en-US" altLang="ko-KR" sz="1000" dirty="0" smtClean="0"/>
+          </a:p>
+          <a:p>
+            <a:pPr algn="ctr"/>
+            <a:endParaRPr lang="en-US" altLang="ko-KR" sz="1000" dirty="0" smtClean="0"/>
+          </a:p>
+          <a:p>
+            <a:pPr algn="ctr"/>
+            <a:r>
+              <a:rPr lang="en-US" altLang="ko-KR" sz="1000" dirty="0" smtClean="0"/>
+              <a:t>(</a:t>
+            </a:r>
+            <a:r>
+              <a:rPr lang="ko-KR" altLang="en-US" sz="1000" dirty="0" smtClean="0"/>
+              <a:t>캐릭터와 </a:t>
+            </a:r>
+            <a:r>
+              <a:rPr lang="ko-KR" altLang="en-US" sz="1000" dirty="0" err="1" smtClean="0"/>
+              <a:t>충돌박스</a:t>
+            </a:r>
+            <a:r>
+              <a:rPr lang="ko-KR" altLang="en-US" sz="1000" dirty="0" smtClean="0"/>
+              <a:t> 구성 동일</a:t>
+            </a:r>
+            <a:r>
+              <a:rPr lang="en-US" altLang="ko-KR" sz="1000" dirty="0" smtClean="0"/>
+              <a:t>)</a:t>
+            </a:r>
+            <a:endParaRPr lang="en-US" altLang="ko-KR" sz="1000" dirty="0"/>
+          </a:p>
+        </p:txBody>
+      </p:sp>
+      <p:sp>
+        <p:nvSpPr>
+          <p:cNvPr id="43" name="제목 1"/>
+          <p:cNvSpPr txBox="1">
+            <a:spLocks/>
+          </p:cNvSpPr>
+          <p:nvPr/>
+        </p:nvSpPr>
+        <p:spPr>
+          <a:xfrm>
+            <a:off x="8786441" y="6286975"/>
+            <a:ext cx="473800" cy="251894"/>
+          </a:xfrm>
+          <a:prstGeom prst="rect">
+            <a:avLst/>
+          </a:prstGeom>
+        </p:spPr>
+        <p:txBody>
+          <a:bodyPr vert="horz" rtlCol="0" anchor="t">
+            <a:noAutofit/>
+          </a:bodyPr>
+          <a:lstStyle>
+            <a:lvl1pPr algn="l" rtl="0" eaLnBrk="1" latinLnBrk="1" hangingPunct="1">
+              <a:spcBef>
+                <a:spcPct val="0"/>
+              </a:spcBef>
+              <a:buNone/>
+              <a:defRPr kumimoji="0" sz="4000" kern="1200">
+                <a:solidFill>
+                  <a:schemeClr val="tx2"/>
+                </a:solidFill>
+                <a:latin typeface="맑은 고딕" panose="020B0503020000020004" pitchFamily="50" charset="-127"/>
+                <a:ea typeface="+mj-ea"/>
+                <a:cs typeface="+mj-cs"/>
+              </a:defRPr>
+            </a:lvl1pPr>
+          </a:lstStyle>
+          <a:p>
+            <a:pPr algn="ctr"/>
+            <a:r>
+              <a:rPr lang="ko-KR" altLang="en-US" sz="1000" dirty="0" smtClean="0"/>
+              <a:t>공격</a:t>
+            </a:r>
+            <a:endParaRPr lang="en-US" altLang="ko-KR" sz="1000" dirty="0"/>
+          </a:p>
+        </p:txBody>
+      </p:sp>
+      <p:pic>
+        <p:nvPicPr>
+          <p:cNvPr id="20" name="그림 19"/>
+          <p:cNvPicPr>
+            <a:picLocks noChangeAspect="1"/>
+          </p:cNvPicPr>
+          <p:nvPr/>
+        </p:nvPicPr>
+        <p:blipFill>
+          <a:blip r:embed="rId3" cstate="print">
+            <a:extLst>
+              <a:ext uri="{28A0092B-C50C-407E-A947-70E740481C1C}">
+                <a14:useLocalDpi xmlns:a14="http://schemas.microsoft.com/office/drawing/2010/main" val="0"/>
+              </a:ext>
+            </a:extLst>
+          </a:blip>
+          <a:stretch>
+            <a:fillRect/>
+          </a:stretch>
+        </p:blipFill>
+        <p:spPr>
+          <a:xfrm>
+            <a:off x="4604067" y="4568467"/>
+            <a:ext cx="1428547" cy="1718508"/>
+          </a:xfrm>
+          <a:prstGeom prst="rect">
+            <a:avLst/>
+          </a:prstGeom>
+        </p:spPr>
+      </p:pic>
+      <p:pic>
+        <p:nvPicPr>
+          <p:cNvPr id="8" name="그림 7"/>
+          <p:cNvPicPr>
+            <a:picLocks noChangeAspect="1"/>
+          </p:cNvPicPr>
+          <p:nvPr/>
+        </p:nvPicPr>
+        <p:blipFill>
+          <a:blip r:embed="rId4" cstate="print">
+            <a:extLst>
+              <a:ext uri="{28A0092B-C50C-407E-A947-70E740481C1C}">
+                <a14:useLocalDpi xmlns:a14="http://schemas.microsoft.com/office/drawing/2010/main" val="0"/>
+              </a:ext>
+            </a:extLst>
+          </a:blip>
+          <a:stretch>
+            <a:fillRect/>
+          </a:stretch>
+        </p:blipFill>
+        <p:spPr>
+          <a:xfrm>
+            <a:off x="1914546" y="4318000"/>
+            <a:ext cx="1409207" cy="1929794"/>
+          </a:xfrm>
+          <a:prstGeom prst="rect">
+            <a:avLst/>
+          </a:prstGeom>
+        </p:spPr>
+      </p:pic>
+      <p:pic>
+        <p:nvPicPr>
+          <p:cNvPr id="9" name="그림 8"/>
+          <p:cNvPicPr>
+            <a:picLocks noChangeAspect="1"/>
+          </p:cNvPicPr>
+          <p:nvPr/>
+        </p:nvPicPr>
+        <p:blipFill>
+          <a:blip r:embed="rId5" cstate="print">
+            <a:extLst>
+              <a:ext uri="{28A0092B-C50C-407E-A947-70E740481C1C}">
+                <a14:useLocalDpi xmlns:a14="http://schemas.microsoft.com/office/drawing/2010/main" val="0"/>
+              </a:ext>
+            </a:extLst>
+          </a:blip>
+          <a:stretch>
+            <a:fillRect/>
+          </a:stretch>
+        </p:blipFill>
+        <p:spPr>
+          <a:xfrm>
+            <a:off x="3239100" y="4568467"/>
+            <a:ext cx="1428547" cy="1718509"/>
+          </a:xfrm>
+          <a:prstGeom prst="rect">
+            <a:avLst/>
+          </a:prstGeom>
+        </p:spPr>
+      </p:pic>
+      <p:sp>
+        <p:nvSpPr>
+          <p:cNvPr id="2" name="직사각형 1"/>
+          <p:cNvSpPr/>
+          <p:nvPr/>
+        </p:nvSpPr>
+        <p:spPr>
+          <a:xfrm>
+            <a:off x="2429492" y="4628380"/>
+            <a:ext cx="331092" cy="386274"/>
+          </a:xfrm>
+          <a:prstGeom prst="rect">
+            <a:avLst/>
+          </a:prstGeom>
+          <a:noFill/>
+        </p:spPr>
+        <p:style>
+          <a:lnRef idx="2">
+            <a:schemeClr val="accent1">
+              <a:shade val="50000"/>
+            </a:schemeClr>
+          </a:lnRef>
+          <a:fillRef idx="1">
+            <a:schemeClr val="accent1"/>
+          </a:fillRef>
+          <a:effectRef idx="0">
+            <a:schemeClr val="accent1"/>
+          </a:effectRef>
+          <a:fontRef idx="minor">
+            <a:schemeClr val="lt1"/>
+          </a:fontRef>
+        </p:style>
+        <p:txBody>
+          <a:bodyPr rtlCol="0" anchor="ctr"/>
+          <a:lstStyle/>
+          <a:p>
+            <a:pPr algn="ctr"/>
+            <a:r>
+              <a:rPr lang="en-US" altLang="ko-KR" dirty="0" smtClean="0"/>
+              <a:t> </a:t>
+            </a:r>
+            <a:endParaRPr lang="ko-KR" altLang="en-US" dirty="0"/>
+          </a:p>
+        </p:txBody>
+      </p:sp>
+      <p:sp>
+        <p:nvSpPr>
+          <p:cNvPr id="10" name="직사각형 9"/>
+          <p:cNvSpPr/>
+          <p:nvPr/>
+        </p:nvSpPr>
+        <p:spPr>
+          <a:xfrm>
+            <a:off x="2419129" y="4902058"/>
+            <a:ext cx="399478" cy="703439"/>
+          </a:xfrm>
+          <a:prstGeom prst="rect">
+            <a:avLst/>
+          </a:prstGeom>
+          <a:noFill/>
+        </p:spPr>
+        <p:style>
+          <a:lnRef idx="2">
+            <a:schemeClr val="accent1">
+              <a:shade val="50000"/>
+            </a:schemeClr>
+          </a:lnRef>
+          <a:fillRef idx="1">
+            <a:schemeClr val="accent1"/>
+          </a:fillRef>
+          <a:effectRef idx="0">
+            <a:schemeClr val="accent1"/>
+          </a:effectRef>
+          <a:fontRef idx="minor">
+            <a:schemeClr val="lt1"/>
+          </a:fontRef>
+        </p:style>
+        <p:txBody>
+          <a:bodyPr rtlCol="0" anchor="ctr"/>
+          <a:lstStyle/>
+          <a:p>
+            <a:pPr algn="ctr"/>
+            <a:r>
+              <a:rPr lang="en-US" altLang="ko-KR" dirty="0" smtClean="0"/>
+              <a:t> </a:t>
+            </a:r>
+            <a:endParaRPr lang="ko-KR" altLang="en-US" dirty="0"/>
+          </a:p>
+        </p:txBody>
+      </p:sp>
+      <p:sp>
+        <p:nvSpPr>
+          <p:cNvPr id="11" name="직사각형 10"/>
+          <p:cNvSpPr/>
+          <p:nvPr/>
+        </p:nvSpPr>
+        <p:spPr>
+          <a:xfrm>
+            <a:off x="2310450" y="5492899"/>
+            <a:ext cx="696462" cy="703439"/>
+          </a:xfrm>
+          <a:prstGeom prst="rect">
+            <a:avLst/>
+          </a:prstGeom>
+          <a:noFill/>
+        </p:spPr>
+        <p:style>
+          <a:lnRef idx="2">
+            <a:schemeClr val="accent1">
+              <a:shade val="50000"/>
+            </a:schemeClr>
+          </a:lnRef>
+          <a:fillRef idx="1">
+            <a:schemeClr val="accent1"/>
+          </a:fillRef>
+          <a:effectRef idx="0">
+            <a:schemeClr val="accent1"/>
+          </a:effectRef>
+          <a:fontRef idx="minor">
+            <a:schemeClr val="lt1"/>
+          </a:fontRef>
+        </p:style>
+        <p:txBody>
+          <a:bodyPr rtlCol="0" anchor="ctr"/>
+          <a:lstStyle/>
+          <a:p>
+            <a:pPr algn="ctr"/>
+            <a:r>
+              <a:rPr lang="en-US" altLang="ko-KR" dirty="0" smtClean="0"/>
+              <a:t> </a:t>
+            </a:r>
+            <a:endParaRPr lang="ko-KR" altLang="en-US" dirty="0"/>
+          </a:p>
+        </p:txBody>
+      </p:sp>
+      <p:sp>
+        <p:nvSpPr>
+          <p:cNvPr id="12" name="직사각형 11"/>
+          <p:cNvSpPr/>
+          <p:nvPr/>
+        </p:nvSpPr>
+        <p:spPr>
+          <a:xfrm>
+            <a:off x="2528415" y="5014655"/>
+            <a:ext cx="197128" cy="659202"/>
+          </a:xfrm>
+          <a:prstGeom prst="rect">
+            <a:avLst/>
+          </a:prstGeom>
+          <a:noFill/>
+          <a:ln>
+            <a:solidFill>
+              <a:schemeClr val="accent6"/>
+            </a:solidFill>
+          </a:ln>
+        </p:spPr>
+        <p:style>
+          <a:lnRef idx="2">
+            <a:schemeClr val="accent1">
+              <a:shade val="50000"/>
+            </a:schemeClr>
+          </a:lnRef>
+          <a:fillRef idx="1">
+            <a:schemeClr val="accent1"/>
+          </a:fillRef>
+          <a:effectRef idx="0">
+            <a:schemeClr val="accent1"/>
+          </a:effectRef>
+          <a:fontRef idx="minor">
+            <a:schemeClr val="lt1"/>
+          </a:fontRef>
+        </p:style>
+        <p:txBody>
+          <a:bodyPr rtlCol="0" anchor="ctr"/>
+          <a:lstStyle/>
+          <a:p>
+            <a:pPr algn="ctr"/>
+            <a:r>
+              <a:rPr lang="en-US" altLang="ko-KR" dirty="0" smtClean="0"/>
+              <a:t> </a:t>
+            </a:r>
+            <a:endParaRPr lang="ko-KR" altLang="en-US" dirty="0"/>
+          </a:p>
+        </p:txBody>
+      </p:sp>
+      <p:sp>
+        <p:nvSpPr>
+          <p:cNvPr id="15" name="직사각형 14"/>
+          <p:cNvSpPr/>
+          <p:nvPr/>
+        </p:nvSpPr>
+        <p:spPr>
+          <a:xfrm>
+            <a:off x="3827309" y="4628380"/>
+            <a:ext cx="331092" cy="386274"/>
+          </a:xfrm>
+          <a:prstGeom prst="rect">
+            <a:avLst/>
+          </a:prstGeom>
+          <a:noFill/>
+        </p:spPr>
+        <p:style>
+          <a:lnRef idx="2">
+            <a:schemeClr val="accent1">
+              <a:shade val="50000"/>
+            </a:schemeClr>
+          </a:lnRef>
+          <a:fillRef idx="1">
+            <a:schemeClr val="accent1"/>
+          </a:fillRef>
+          <a:effectRef idx="0">
+            <a:schemeClr val="accent1"/>
+          </a:effectRef>
+          <a:fontRef idx="minor">
+            <a:schemeClr val="lt1"/>
+          </a:fontRef>
+        </p:style>
+        <p:txBody>
+          <a:bodyPr rtlCol="0" anchor="ctr"/>
+          <a:lstStyle/>
+          <a:p>
+            <a:pPr algn="ctr"/>
+            <a:r>
+              <a:rPr lang="en-US" altLang="ko-KR" dirty="0" smtClean="0"/>
+              <a:t> </a:t>
+            </a:r>
+            <a:endParaRPr lang="ko-KR" altLang="en-US" dirty="0"/>
+          </a:p>
+        </p:txBody>
+      </p:sp>
+      <p:sp>
+        <p:nvSpPr>
+          <p:cNvPr id="16" name="직사각형 15"/>
+          <p:cNvSpPr/>
+          <p:nvPr/>
+        </p:nvSpPr>
+        <p:spPr>
+          <a:xfrm>
+            <a:off x="3627528" y="4902058"/>
+            <a:ext cx="359082" cy="703439"/>
+          </a:xfrm>
+          <a:prstGeom prst="rect">
+            <a:avLst/>
+          </a:prstGeom>
+          <a:noFill/>
+        </p:spPr>
+        <p:style>
+          <a:lnRef idx="2">
+            <a:schemeClr val="accent1">
+              <a:shade val="50000"/>
+            </a:schemeClr>
+          </a:lnRef>
+          <a:fillRef idx="1">
+            <a:schemeClr val="accent1"/>
+          </a:fillRef>
+          <a:effectRef idx="0">
+            <a:schemeClr val="accent1"/>
+          </a:effectRef>
+          <a:fontRef idx="minor">
+            <a:schemeClr val="lt1"/>
+          </a:fontRef>
+        </p:style>
+        <p:txBody>
+          <a:bodyPr rtlCol="0" anchor="ctr"/>
+          <a:lstStyle/>
+          <a:p>
+            <a:pPr algn="ctr"/>
+            <a:r>
+              <a:rPr lang="en-US" altLang="ko-KR" dirty="0" smtClean="0"/>
+              <a:t> </a:t>
+            </a:r>
+            <a:endParaRPr lang="ko-KR" altLang="en-US" dirty="0"/>
+          </a:p>
+        </p:txBody>
+      </p:sp>
+      <p:sp>
+        <p:nvSpPr>
+          <p:cNvPr id="17" name="직사각형 16"/>
+          <p:cNvSpPr/>
+          <p:nvPr/>
+        </p:nvSpPr>
+        <p:spPr>
+          <a:xfrm>
+            <a:off x="3502461" y="5492899"/>
+            <a:ext cx="662185" cy="703439"/>
+          </a:xfrm>
+          <a:prstGeom prst="rect">
+            <a:avLst/>
+          </a:prstGeom>
+          <a:noFill/>
+        </p:spPr>
+        <p:style>
+          <a:lnRef idx="2">
+            <a:schemeClr val="accent1">
+              <a:shade val="50000"/>
+            </a:schemeClr>
+          </a:lnRef>
+          <a:fillRef idx="1">
+            <a:schemeClr val="accent1"/>
+          </a:fillRef>
+          <a:effectRef idx="0">
+            <a:schemeClr val="accent1"/>
+          </a:effectRef>
+          <a:fontRef idx="minor">
+            <a:schemeClr val="lt1"/>
+          </a:fontRef>
+        </p:style>
+        <p:txBody>
+          <a:bodyPr rtlCol="0" anchor="ctr"/>
+          <a:lstStyle/>
+          <a:p>
+            <a:pPr algn="ctr"/>
+            <a:r>
+              <a:rPr lang="en-US" altLang="ko-KR" dirty="0" smtClean="0"/>
+              <a:t> </a:t>
+            </a:r>
+            <a:endParaRPr lang="ko-KR" altLang="en-US" dirty="0"/>
+          </a:p>
+        </p:txBody>
+      </p:sp>
+      <p:sp>
+        <p:nvSpPr>
+          <p:cNvPr id="18" name="직사각형 17"/>
+          <p:cNvSpPr/>
+          <p:nvPr/>
+        </p:nvSpPr>
+        <p:spPr>
+          <a:xfrm>
+            <a:off x="3741584" y="5014655"/>
+            <a:ext cx="197128" cy="659202"/>
+          </a:xfrm>
+          <a:prstGeom prst="rect">
+            <a:avLst/>
+          </a:prstGeom>
+          <a:noFill/>
+          <a:ln>
+            <a:solidFill>
+              <a:schemeClr val="accent6"/>
+            </a:solidFill>
+          </a:ln>
+        </p:spPr>
+        <p:style>
+          <a:lnRef idx="2">
+            <a:schemeClr val="accent1">
+              <a:shade val="50000"/>
+            </a:schemeClr>
+          </a:lnRef>
+          <a:fillRef idx="1">
+            <a:schemeClr val="accent1"/>
+          </a:fillRef>
+          <a:effectRef idx="0">
+            <a:schemeClr val="accent1"/>
+          </a:effectRef>
+          <a:fontRef idx="minor">
+            <a:schemeClr val="lt1"/>
+          </a:fontRef>
+        </p:style>
+        <p:txBody>
+          <a:bodyPr rtlCol="0" anchor="ctr"/>
+          <a:lstStyle/>
+          <a:p>
+            <a:pPr algn="ctr"/>
+            <a:r>
+              <a:rPr lang="en-US" altLang="ko-KR" dirty="0" smtClean="0"/>
+              <a:t> </a:t>
+            </a:r>
+            <a:endParaRPr lang="ko-KR" altLang="en-US" dirty="0"/>
+          </a:p>
+        </p:txBody>
+      </p:sp>
+      <p:sp>
+        <p:nvSpPr>
+          <p:cNvPr id="19" name="직사각형 18"/>
+          <p:cNvSpPr/>
+          <p:nvPr/>
+        </p:nvSpPr>
+        <p:spPr>
+          <a:xfrm>
+            <a:off x="3938712" y="4628380"/>
+            <a:ext cx="540345" cy="703439"/>
+          </a:xfrm>
+          <a:prstGeom prst="rect">
+            <a:avLst/>
+          </a:prstGeom>
+          <a:noFill/>
+          <a:ln>
+            <a:solidFill>
+              <a:srgbClr val="FF0000"/>
+            </a:solidFill>
+          </a:ln>
+        </p:spPr>
+        <p:style>
+          <a:lnRef idx="2">
+            <a:schemeClr val="accent1">
+              <a:shade val="50000"/>
+            </a:schemeClr>
+          </a:lnRef>
+          <a:fillRef idx="1">
+            <a:schemeClr val="accent1"/>
+          </a:fillRef>
+          <a:effectRef idx="0">
+            <a:schemeClr val="accent1"/>
+          </a:effectRef>
+          <a:fontRef idx="minor">
+            <a:schemeClr val="lt1"/>
+          </a:fontRef>
+        </p:style>
+        <p:txBody>
+          <a:bodyPr rtlCol="0" anchor="ctr"/>
+          <a:lstStyle/>
+          <a:p>
+            <a:pPr algn="ctr"/>
+            <a:r>
+              <a:rPr lang="en-US" altLang="ko-KR" dirty="0" smtClean="0"/>
+              <a:t> </a:t>
+            </a:r>
+            <a:endParaRPr lang="ko-KR" altLang="en-US" dirty="0"/>
+          </a:p>
+        </p:txBody>
+      </p:sp>
+      <p:sp>
+        <p:nvSpPr>
+          <p:cNvPr id="21" name="직사각형 20"/>
+          <p:cNvSpPr/>
+          <p:nvPr/>
+        </p:nvSpPr>
+        <p:spPr>
+          <a:xfrm>
+            <a:off x="5192276" y="4701698"/>
+            <a:ext cx="331092" cy="386274"/>
+          </a:xfrm>
+          <a:prstGeom prst="rect">
+            <a:avLst/>
+          </a:prstGeom>
+          <a:noFill/>
+        </p:spPr>
+        <p:style>
+          <a:lnRef idx="2">
+            <a:schemeClr val="accent1">
+              <a:shade val="50000"/>
+            </a:schemeClr>
+          </a:lnRef>
+          <a:fillRef idx="1">
+            <a:schemeClr val="accent1"/>
+          </a:fillRef>
+          <a:effectRef idx="0">
+            <a:schemeClr val="accent1"/>
+          </a:effectRef>
+          <a:fontRef idx="minor">
+            <a:schemeClr val="lt1"/>
+          </a:fontRef>
+        </p:style>
+        <p:txBody>
+          <a:bodyPr rtlCol="0" anchor="ctr"/>
+          <a:lstStyle/>
+          <a:p>
+            <a:pPr algn="ctr"/>
+            <a:r>
+              <a:rPr lang="en-US" altLang="ko-KR" dirty="0" smtClean="0"/>
+              <a:t> </a:t>
+            </a:r>
+            <a:endParaRPr lang="ko-KR" altLang="en-US" dirty="0"/>
+          </a:p>
+        </p:txBody>
+      </p:sp>
+      <p:sp>
+        <p:nvSpPr>
+          <p:cNvPr id="22" name="직사각형 21"/>
+          <p:cNvSpPr/>
+          <p:nvPr/>
+        </p:nvSpPr>
+        <p:spPr>
+          <a:xfrm>
+            <a:off x="5015208" y="4902058"/>
+            <a:ext cx="336369" cy="703439"/>
+          </a:xfrm>
+          <a:prstGeom prst="rect">
+            <a:avLst/>
+          </a:prstGeom>
+          <a:noFill/>
+        </p:spPr>
+        <p:style>
+          <a:lnRef idx="2">
+            <a:schemeClr val="accent1">
+              <a:shade val="50000"/>
+            </a:schemeClr>
+          </a:lnRef>
+          <a:fillRef idx="1">
+            <a:schemeClr val="accent1"/>
+          </a:fillRef>
+          <a:effectRef idx="0">
+            <a:schemeClr val="accent1"/>
+          </a:effectRef>
+          <a:fontRef idx="minor">
+            <a:schemeClr val="lt1"/>
+          </a:fontRef>
+        </p:style>
+        <p:txBody>
+          <a:bodyPr rtlCol="0" anchor="ctr"/>
+          <a:lstStyle/>
+          <a:p>
+            <a:pPr algn="ctr"/>
+            <a:r>
+              <a:rPr lang="en-US" altLang="ko-KR" dirty="0" smtClean="0"/>
+              <a:t> </a:t>
+            </a:r>
+            <a:endParaRPr lang="ko-KR" altLang="en-US" dirty="0"/>
+          </a:p>
+        </p:txBody>
+      </p:sp>
+      <p:sp>
+        <p:nvSpPr>
+          <p:cNvPr id="23" name="직사각형 22"/>
+          <p:cNvSpPr/>
+          <p:nvPr/>
+        </p:nvSpPr>
+        <p:spPr>
+          <a:xfrm>
+            <a:off x="4867428" y="5492899"/>
+            <a:ext cx="662185" cy="703439"/>
+          </a:xfrm>
+          <a:prstGeom prst="rect">
+            <a:avLst/>
+          </a:prstGeom>
+          <a:noFill/>
+        </p:spPr>
+        <p:style>
+          <a:lnRef idx="2">
+            <a:schemeClr val="accent1">
+              <a:shade val="50000"/>
+            </a:schemeClr>
+          </a:lnRef>
+          <a:fillRef idx="1">
+            <a:schemeClr val="accent1"/>
+          </a:fillRef>
+          <a:effectRef idx="0">
+            <a:schemeClr val="accent1"/>
+          </a:effectRef>
+          <a:fontRef idx="minor">
+            <a:schemeClr val="lt1"/>
+          </a:fontRef>
+        </p:style>
+        <p:txBody>
+          <a:bodyPr rtlCol="0" anchor="ctr"/>
+          <a:lstStyle/>
+          <a:p>
+            <a:pPr algn="ctr"/>
+            <a:r>
+              <a:rPr lang="en-US" altLang="ko-KR" dirty="0" smtClean="0"/>
+              <a:t> </a:t>
+            </a:r>
+            <a:endParaRPr lang="ko-KR" altLang="en-US" dirty="0"/>
+          </a:p>
+        </p:txBody>
+      </p:sp>
+      <p:sp>
+        <p:nvSpPr>
+          <p:cNvPr id="24" name="직사각형 23"/>
+          <p:cNvSpPr/>
+          <p:nvPr/>
+        </p:nvSpPr>
+        <p:spPr>
+          <a:xfrm>
+            <a:off x="5106551" y="5014655"/>
+            <a:ext cx="197128" cy="659202"/>
+          </a:xfrm>
+          <a:prstGeom prst="rect">
+            <a:avLst/>
+          </a:prstGeom>
+          <a:noFill/>
+          <a:ln>
+            <a:solidFill>
+              <a:schemeClr val="accent6"/>
+            </a:solidFill>
+          </a:ln>
+        </p:spPr>
+        <p:style>
+          <a:lnRef idx="2">
+            <a:schemeClr val="accent1">
+              <a:shade val="50000"/>
+            </a:schemeClr>
+          </a:lnRef>
+          <a:fillRef idx="1">
+            <a:schemeClr val="accent1"/>
+          </a:fillRef>
+          <a:effectRef idx="0">
+            <a:schemeClr val="accent1"/>
+          </a:effectRef>
+          <a:fontRef idx="minor">
+            <a:schemeClr val="lt1"/>
+          </a:fontRef>
+        </p:style>
+        <p:txBody>
+          <a:bodyPr rtlCol="0" anchor="ctr"/>
+          <a:lstStyle/>
+          <a:p>
+            <a:pPr algn="ctr"/>
+            <a:r>
+              <a:rPr lang="en-US" altLang="ko-KR" dirty="0" smtClean="0"/>
+              <a:t> </a:t>
+            </a:r>
+            <a:endParaRPr lang="ko-KR" altLang="en-US" dirty="0"/>
+          </a:p>
+        </p:txBody>
+      </p:sp>
+      <p:sp>
+        <p:nvSpPr>
+          <p:cNvPr id="25" name="직사각형 24"/>
+          <p:cNvSpPr/>
+          <p:nvPr/>
+        </p:nvSpPr>
+        <p:spPr>
+          <a:xfrm>
+            <a:off x="5437303" y="4701698"/>
+            <a:ext cx="324903" cy="1019763"/>
+          </a:xfrm>
+          <a:prstGeom prst="rect">
+            <a:avLst/>
+          </a:prstGeom>
+          <a:noFill/>
+          <a:ln>
+            <a:solidFill>
+              <a:srgbClr val="FFC000"/>
+            </a:solidFill>
+          </a:ln>
+        </p:spPr>
+        <p:style>
+          <a:lnRef idx="2">
+            <a:schemeClr val="accent1">
+              <a:shade val="50000"/>
+            </a:schemeClr>
+          </a:lnRef>
+          <a:fillRef idx="1">
+            <a:schemeClr val="accent1"/>
+          </a:fillRef>
+          <a:effectRef idx="0">
+            <a:schemeClr val="accent1"/>
+          </a:effectRef>
+          <a:fontRef idx="minor">
+            <a:schemeClr val="lt1"/>
+          </a:fontRef>
+        </p:style>
+        <p:txBody>
+          <a:bodyPr rtlCol="0" anchor="ctr"/>
+          <a:lstStyle/>
+          <a:p>
+            <a:pPr algn="ctr"/>
+            <a:r>
+              <a:rPr lang="en-US" altLang="ko-KR" dirty="0" smtClean="0"/>
+              <a:t> </a:t>
+            </a:r>
+            <a:endParaRPr lang="ko-KR" altLang="en-US" dirty="0"/>
+          </a:p>
+        </p:txBody>
+      </p:sp>
+      <p:pic>
+        <p:nvPicPr>
+          <p:cNvPr id="29" name="그림 28"/>
+          <p:cNvPicPr>
+            <a:picLocks noChangeAspect="1"/>
+          </p:cNvPicPr>
+          <p:nvPr/>
+        </p:nvPicPr>
+        <p:blipFill>
+          <a:blip r:embed="rId6" cstate="print">
+            <a:extLst>
+              <a:ext uri="{28A0092B-C50C-407E-A947-70E740481C1C}">
+                <a14:useLocalDpi xmlns:a14="http://schemas.microsoft.com/office/drawing/2010/main" val="0"/>
+              </a:ext>
+            </a:extLst>
+          </a:blip>
+          <a:stretch>
+            <a:fillRect/>
+          </a:stretch>
+        </p:blipFill>
+        <p:spPr>
+          <a:xfrm>
+            <a:off x="8299654" y="4568467"/>
+            <a:ext cx="1428546" cy="1718508"/>
+          </a:xfrm>
+          <a:prstGeom prst="rect">
+            <a:avLst/>
+          </a:prstGeom>
+        </p:spPr>
+      </p:pic>
+      <p:sp>
+        <p:nvSpPr>
+          <p:cNvPr id="37" name="직사각형 36"/>
+          <p:cNvSpPr/>
+          <p:nvPr/>
+        </p:nvSpPr>
+        <p:spPr>
+          <a:xfrm>
+            <a:off x="8786441" y="4628380"/>
+            <a:ext cx="331092" cy="386274"/>
+          </a:xfrm>
+          <a:prstGeom prst="rect">
+            <a:avLst/>
+          </a:prstGeom>
+          <a:noFill/>
+        </p:spPr>
+        <p:style>
+          <a:lnRef idx="2">
+            <a:schemeClr val="accent1">
+              <a:shade val="50000"/>
+            </a:schemeClr>
+          </a:lnRef>
+          <a:fillRef idx="1">
+            <a:schemeClr val="accent1"/>
+          </a:fillRef>
+          <a:effectRef idx="0">
+            <a:schemeClr val="accent1"/>
+          </a:effectRef>
+          <a:fontRef idx="minor">
+            <a:schemeClr val="lt1"/>
+          </a:fontRef>
+        </p:style>
+        <p:txBody>
+          <a:bodyPr rtlCol="0" anchor="ctr"/>
+          <a:lstStyle/>
+          <a:p>
+            <a:pPr algn="ctr"/>
+            <a:r>
+              <a:rPr lang="en-US" altLang="ko-KR" dirty="0" smtClean="0"/>
+              <a:t> </a:t>
+            </a:r>
+            <a:endParaRPr lang="ko-KR" altLang="en-US" dirty="0"/>
+          </a:p>
+        </p:txBody>
+      </p:sp>
+      <p:sp>
+        <p:nvSpPr>
+          <p:cNvPr id="38" name="직사각형 37"/>
+          <p:cNvSpPr/>
+          <p:nvPr/>
+        </p:nvSpPr>
+        <p:spPr>
+          <a:xfrm>
+            <a:off x="8964984" y="4902058"/>
+            <a:ext cx="331092" cy="703439"/>
+          </a:xfrm>
+          <a:prstGeom prst="rect">
+            <a:avLst/>
+          </a:prstGeom>
+          <a:noFill/>
+        </p:spPr>
+        <p:style>
+          <a:lnRef idx="2">
+            <a:schemeClr val="accent1">
+              <a:shade val="50000"/>
+            </a:schemeClr>
+          </a:lnRef>
+          <a:fillRef idx="1">
+            <a:schemeClr val="accent1"/>
+          </a:fillRef>
+          <a:effectRef idx="0">
+            <a:schemeClr val="accent1"/>
+          </a:effectRef>
+          <a:fontRef idx="minor">
+            <a:schemeClr val="lt1"/>
+          </a:fontRef>
+        </p:style>
+        <p:txBody>
+          <a:bodyPr rtlCol="0" anchor="ctr"/>
+          <a:lstStyle/>
+          <a:p>
+            <a:pPr algn="ctr"/>
+            <a:r>
+              <a:rPr lang="en-US" altLang="ko-KR" dirty="0" smtClean="0"/>
+              <a:t> </a:t>
+            </a:r>
+            <a:endParaRPr lang="ko-KR" altLang="en-US" dirty="0"/>
+          </a:p>
+        </p:txBody>
+      </p:sp>
+      <p:sp>
+        <p:nvSpPr>
+          <p:cNvPr id="39" name="직사각형 38"/>
+          <p:cNvSpPr/>
+          <p:nvPr/>
+        </p:nvSpPr>
+        <p:spPr>
+          <a:xfrm>
+            <a:off x="8771393" y="5492899"/>
+            <a:ext cx="662185" cy="703439"/>
+          </a:xfrm>
+          <a:prstGeom prst="rect">
+            <a:avLst/>
+          </a:prstGeom>
+          <a:noFill/>
+        </p:spPr>
+        <p:style>
+          <a:lnRef idx="2">
+            <a:schemeClr val="accent1">
+              <a:shade val="50000"/>
+            </a:schemeClr>
+          </a:lnRef>
+          <a:fillRef idx="1">
+            <a:schemeClr val="accent1"/>
+          </a:fillRef>
+          <a:effectRef idx="0">
+            <a:schemeClr val="accent1"/>
+          </a:effectRef>
+          <a:fontRef idx="minor">
+            <a:schemeClr val="lt1"/>
+          </a:fontRef>
+        </p:style>
+        <p:txBody>
+          <a:bodyPr rtlCol="0" anchor="ctr"/>
+          <a:lstStyle/>
+          <a:p>
+            <a:pPr algn="ctr"/>
+            <a:r>
+              <a:rPr lang="en-US" altLang="ko-KR" dirty="0" smtClean="0"/>
+              <a:t> </a:t>
+            </a:r>
+            <a:endParaRPr lang="ko-KR" altLang="en-US" dirty="0"/>
+          </a:p>
+        </p:txBody>
+      </p:sp>
+      <p:sp>
+        <p:nvSpPr>
+          <p:cNvPr id="40" name="직사각형 39"/>
+          <p:cNvSpPr/>
+          <p:nvPr/>
+        </p:nvSpPr>
+        <p:spPr>
+          <a:xfrm>
+            <a:off x="8420663" y="4628380"/>
+            <a:ext cx="406819" cy="481395"/>
+          </a:xfrm>
+          <a:prstGeom prst="rect">
+            <a:avLst/>
+          </a:prstGeom>
+          <a:noFill/>
+          <a:ln>
+            <a:solidFill>
+              <a:srgbClr val="FF0000"/>
+            </a:solidFill>
+          </a:ln>
+        </p:spPr>
+        <p:style>
+          <a:lnRef idx="2">
+            <a:schemeClr val="accent1">
+              <a:shade val="50000"/>
+            </a:schemeClr>
+          </a:lnRef>
+          <a:fillRef idx="1">
+            <a:schemeClr val="accent1"/>
+          </a:fillRef>
+          <a:effectRef idx="0">
+            <a:schemeClr val="accent1"/>
+          </a:effectRef>
+          <a:fontRef idx="minor">
+            <a:schemeClr val="lt1"/>
+          </a:fontRef>
+        </p:style>
+        <p:txBody>
+          <a:bodyPr rtlCol="0" anchor="ctr"/>
+          <a:lstStyle/>
+          <a:p>
+            <a:pPr algn="ctr"/>
+            <a:r>
+              <a:rPr lang="en-US" altLang="ko-KR" dirty="0" smtClean="0"/>
+              <a:t> </a:t>
+            </a:r>
+            <a:endParaRPr lang="ko-KR" altLang="en-US" dirty="0"/>
+          </a:p>
+        </p:txBody>
+      </p:sp>
+      <p:pic>
+        <p:nvPicPr>
+          <p:cNvPr id="46" name="그림 45"/>
+          <p:cNvPicPr>
+            <a:picLocks noChangeAspect="1"/>
+          </p:cNvPicPr>
+          <p:nvPr/>
+        </p:nvPicPr>
+        <p:blipFill>
+          <a:blip r:embed="rId7" cstate="print">
+            <a:extLst>
+              <a:ext uri="{28A0092B-C50C-407E-A947-70E740481C1C}">
+                <a14:useLocalDpi xmlns:a14="http://schemas.microsoft.com/office/drawing/2010/main" val="0"/>
+              </a:ext>
+            </a:extLst>
+          </a:blip>
+          <a:stretch>
+            <a:fillRect/>
+          </a:stretch>
+        </p:blipFill>
+        <p:spPr>
+          <a:xfrm>
+            <a:off x="5873554" y="4568467"/>
+            <a:ext cx="1428548" cy="1718509"/>
+          </a:xfrm>
+          <a:prstGeom prst="rect">
+            <a:avLst/>
+          </a:prstGeom>
+        </p:spPr>
+      </p:pic>
+      <p:sp>
+        <p:nvSpPr>
+          <p:cNvPr id="47" name="직사각형 46"/>
+          <p:cNvSpPr/>
+          <p:nvPr/>
+        </p:nvSpPr>
+        <p:spPr>
+          <a:xfrm>
+            <a:off x="6462049" y="4628380"/>
+            <a:ext cx="331092" cy="386274"/>
+          </a:xfrm>
+          <a:prstGeom prst="rect">
+            <a:avLst/>
+          </a:prstGeom>
+          <a:noFill/>
+        </p:spPr>
+        <p:style>
+          <a:lnRef idx="2">
+            <a:schemeClr val="accent1">
+              <a:shade val="50000"/>
+            </a:schemeClr>
+          </a:lnRef>
+          <a:fillRef idx="1">
+            <a:schemeClr val="accent1"/>
+          </a:fillRef>
+          <a:effectRef idx="0">
+            <a:schemeClr val="accent1"/>
+          </a:effectRef>
+          <a:fontRef idx="minor">
+            <a:schemeClr val="lt1"/>
+          </a:fontRef>
+        </p:style>
+        <p:txBody>
+          <a:bodyPr rtlCol="0" anchor="ctr"/>
+          <a:lstStyle/>
+          <a:p>
+            <a:pPr algn="ctr"/>
+            <a:r>
+              <a:rPr lang="en-US" altLang="ko-KR" dirty="0" smtClean="0"/>
+              <a:t> </a:t>
+            </a:r>
+            <a:endParaRPr lang="ko-KR" altLang="en-US" dirty="0"/>
+          </a:p>
+        </p:txBody>
+      </p:sp>
+      <p:sp>
+        <p:nvSpPr>
+          <p:cNvPr id="48" name="직사각형 47"/>
+          <p:cNvSpPr/>
+          <p:nvPr/>
+        </p:nvSpPr>
+        <p:spPr>
+          <a:xfrm>
+            <a:off x="6290257" y="4902058"/>
+            <a:ext cx="331092" cy="703439"/>
+          </a:xfrm>
+          <a:prstGeom prst="rect">
+            <a:avLst/>
+          </a:prstGeom>
+          <a:noFill/>
+        </p:spPr>
+        <p:style>
+          <a:lnRef idx="2">
+            <a:schemeClr val="accent1">
+              <a:shade val="50000"/>
+            </a:schemeClr>
+          </a:lnRef>
+          <a:fillRef idx="1">
+            <a:schemeClr val="accent1"/>
+          </a:fillRef>
+          <a:effectRef idx="0">
+            <a:schemeClr val="accent1"/>
+          </a:effectRef>
+          <a:fontRef idx="minor">
+            <a:schemeClr val="lt1"/>
+          </a:fontRef>
+        </p:style>
+        <p:txBody>
+          <a:bodyPr rtlCol="0" anchor="ctr"/>
+          <a:lstStyle/>
+          <a:p>
+            <a:pPr algn="ctr"/>
+            <a:r>
+              <a:rPr lang="en-US" altLang="ko-KR" dirty="0" smtClean="0"/>
+              <a:t> </a:t>
+            </a:r>
+            <a:endParaRPr lang="ko-KR" altLang="en-US" dirty="0"/>
+          </a:p>
+        </p:txBody>
+      </p:sp>
+      <p:sp>
+        <p:nvSpPr>
+          <p:cNvPr id="49" name="직사각형 48"/>
+          <p:cNvSpPr/>
+          <p:nvPr/>
+        </p:nvSpPr>
+        <p:spPr>
+          <a:xfrm>
+            <a:off x="6137201" y="5492899"/>
+            <a:ext cx="662185" cy="703439"/>
+          </a:xfrm>
+          <a:prstGeom prst="rect">
+            <a:avLst/>
+          </a:prstGeom>
+          <a:noFill/>
+        </p:spPr>
+        <p:style>
+          <a:lnRef idx="2">
+            <a:schemeClr val="accent1">
+              <a:shade val="50000"/>
+            </a:schemeClr>
+          </a:lnRef>
+          <a:fillRef idx="1">
+            <a:schemeClr val="accent1"/>
+          </a:fillRef>
+          <a:effectRef idx="0">
+            <a:schemeClr val="accent1"/>
+          </a:effectRef>
+          <a:fontRef idx="minor">
+            <a:schemeClr val="lt1"/>
+          </a:fontRef>
+        </p:style>
+        <p:txBody>
+          <a:bodyPr rtlCol="0" anchor="ctr"/>
+          <a:lstStyle/>
+          <a:p>
+            <a:pPr algn="ctr"/>
+            <a:r>
+              <a:rPr lang="en-US" altLang="ko-KR" dirty="0" smtClean="0"/>
+              <a:t> </a:t>
+            </a:r>
+            <a:endParaRPr lang="ko-KR" altLang="en-US" dirty="0"/>
+          </a:p>
+        </p:txBody>
+      </p:sp>
+      <p:sp>
+        <p:nvSpPr>
+          <p:cNvPr id="50" name="직사각형 49"/>
+          <p:cNvSpPr/>
+          <p:nvPr/>
+        </p:nvSpPr>
+        <p:spPr>
+          <a:xfrm>
+            <a:off x="6376324" y="5014655"/>
+            <a:ext cx="197128" cy="659202"/>
+          </a:xfrm>
+          <a:prstGeom prst="rect">
+            <a:avLst/>
+          </a:prstGeom>
+          <a:noFill/>
+          <a:ln>
+            <a:solidFill>
+              <a:schemeClr val="accent6"/>
+            </a:solidFill>
+          </a:ln>
+        </p:spPr>
+        <p:style>
+          <a:lnRef idx="2">
+            <a:schemeClr val="accent1">
+              <a:shade val="50000"/>
+            </a:schemeClr>
+          </a:lnRef>
+          <a:fillRef idx="1">
+            <a:schemeClr val="accent1"/>
+          </a:fillRef>
+          <a:effectRef idx="0">
+            <a:schemeClr val="accent1"/>
+          </a:effectRef>
+          <a:fontRef idx="minor">
+            <a:schemeClr val="lt1"/>
+          </a:fontRef>
+        </p:style>
+        <p:txBody>
+          <a:bodyPr rtlCol="0" anchor="ctr"/>
+          <a:lstStyle/>
+          <a:p>
+            <a:pPr algn="ctr"/>
+            <a:r>
+              <a:rPr lang="en-US" altLang="ko-KR" dirty="0" smtClean="0"/>
+              <a:t> </a:t>
+            </a:r>
+            <a:endParaRPr lang="ko-KR" altLang="en-US" dirty="0"/>
+          </a:p>
+        </p:txBody>
+      </p:sp>
+      <p:sp>
+        <p:nvSpPr>
+          <p:cNvPr id="53" name="제목 1"/>
+          <p:cNvSpPr txBox="1">
+            <a:spLocks/>
+          </p:cNvSpPr>
+          <p:nvPr/>
+        </p:nvSpPr>
+        <p:spPr>
+          <a:xfrm>
+            <a:off x="2058494" y="6301306"/>
+            <a:ext cx="1195020" cy="251894"/>
+          </a:xfrm>
+          <a:prstGeom prst="rect">
+            <a:avLst/>
+          </a:prstGeom>
+        </p:spPr>
+        <p:txBody>
+          <a:bodyPr vert="horz" rtlCol="0" anchor="t">
+            <a:noAutofit/>
+          </a:bodyPr>
+          <a:lstStyle>
+            <a:lvl1pPr algn="l" rtl="0" eaLnBrk="1" latinLnBrk="1" hangingPunct="1">
+              <a:spcBef>
+                <a:spcPct val="0"/>
+              </a:spcBef>
+              <a:buNone/>
+              <a:defRPr kumimoji="0" sz="4000" kern="1200">
+                <a:solidFill>
+                  <a:schemeClr val="tx2"/>
+                </a:solidFill>
+                <a:latin typeface="맑은 고딕" panose="020B0503020000020004" pitchFamily="50" charset="-127"/>
+                <a:ea typeface="+mj-ea"/>
+                <a:cs typeface="+mj-cs"/>
+              </a:defRPr>
+            </a:lvl1pPr>
+          </a:lstStyle>
+          <a:p>
+            <a:pPr algn="ctr"/>
+            <a:r>
+              <a:rPr lang="ko-KR" altLang="en-US" sz="1000" dirty="0" smtClean="0"/>
+              <a:t>원거리 공격</a:t>
+            </a:r>
+            <a:endParaRPr lang="en-US" altLang="ko-KR" sz="1000" dirty="0"/>
+          </a:p>
+        </p:txBody>
+      </p:sp>
+      <p:pic>
+        <p:nvPicPr>
+          <p:cNvPr id="55" name="그림 54"/>
+          <p:cNvPicPr>
+            <a:picLocks noChangeAspect="1"/>
+          </p:cNvPicPr>
+          <p:nvPr/>
+        </p:nvPicPr>
+        <p:blipFill>
+          <a:blip r:embed="rId8" cstate="print">
+            <a:extLst>
+              <a:ext uri="{28A0092B-C50C-407E-A947-70E740481C1C}">
+                <a14:useLocalDpi xmlns:a14="http://schemas.microsoft.com/office/drawing/2010/main" val="0"/>
+              </a:ext>
+            </a:extLst>
+          </a:blip>
+          <a:stretch>
+            <a:fillRect/>
+          </a:stretch>
+        </p:blipFill>
+        <p:spPr>
+          <a:xfrm>
+            <a:off x="4622919" y="3947235"/>
+            <a:ext cx="1409207" cy="308730"/>
+          </a:xfrm>
+          <a:prstGeom prst="rect">
+            <a:avLst/>
+          </a:prstGeom>
+        </p:spPr>
+      </p:pic>
+      <p:sp>
+        <p:nvSpPr>
+          <p:cNvPr id="56" name="직사각형 55"/>
+          <p:cNvSpPr/>
+          <p:nvPr/>
+        </p:nvSpPr>
+        <p:spPr>
+          <a:xfrm>
+            <a:off x="4667647" y="3962543"/>
+            <a:ext cx="1267641" cy="263141"/>
+          </a:xfrm>
+          <a:prstGeom prst="rect">
+            <a:avLst/>
+          </a:prstGeom>
+          <a:noFill/>
+          <a:ln>
+            <a:solidFill>
+              <a:srgbClr val="7030A0"/>
+            </a:solidFill>
+          </a:ln>
+        </p:spPr>
+        <p:style>
+          <a:lnRef idx="2">
+            <a:schemeClr val="accent1">
+              <a:shade val="50000"/>
+            </a:schemeClr>
+          </a:lnRef>
+          <a:fillRef idx="1">
+            <a:schemeClr val="accent1"/>
+          </a:fillRef>
+          <a:effectRef idx="0">
+            <a:schemeClr val="accent1"/>
+          </a:effectRef>
+          <a:fontRef idx="minor">
+            <a:schemeClr val="lt1"/>
+          </a:fontRef>
+        </p:style>
+        <p:txBody>
+          <a:bodyPr rtlCol="0" anchor="ctr"/>
+          <a:lstStyle/>
+          <a:p>
+            <a:pPr algn="ctr"/>
+            <a:r>
+              <a:rPr lang="en-US" altLang="ko-KR" dirty="0" smtClean="0"/>
+              <a:t> </a:t>
+            </a:r>
+            <a:endParaRPr lang="ko-KR" altLang="en-US" dirty="0"/>
+          </a:p>
+        </p:txBody>
+      </p:sp>
+      <p:sp>
+        <p:nvSpPr>
+          <p:cNvPr id="57" name="제목 1"/>
+          <p:cNvSpPr txBox="1">
+            <a:spLocks/>
+          </p:cNvSpPr>
+          <p:nvPr/>
+        </p:nvSpPr>
+        <p:spPr>
+          <a:xfrm>
+            <a:off x="4042172" y="3973790"/>
+            <a:ext cx="503396" cy="251894"/>
+          </a:xfrm>
+          <a:prstGeom prst="rect">
+            <a:avLst/>
+          </a:prstGeom>
+        </p:spPr>
+        <p:txBody>
+          <a:bodyPr vert="horz" rtlCol="0" anchor="t">
+            <a:noAutofit/>
+          </a:bodyPr>
+          <a:lstStyle>
+            <a:lvl1pPr algn="l" rtl="0" eaLnBrk="1" latinLnBrk="1" hangingPunct="1">
+              <a:spcBef>
+                <a:spcPct val="0"/>
+              </a:spcBef>
+              <a:buNone/>
+              <a:defRPr kumimoji="0" sz="4000" kern="1200">
+                <a:solidFill>
+                  <a:schemeClr val="tx2"/>
+                </a:solidFill>
+                <a:latin typeface="맑은 고딕" panose="020B0503020000020004" pitchFamily="50" charset="-127"/>
+                <a:ea typeface="+mj-ea"/>
+                <a:cs typeface="+mj-cs"/>
+              </a:defRPr>
+            </a:lvl1pPr>
+          </a:lstStyle>
+          <a:p>
+            <a:pPr algn="ctr"/>
+            <a:r>
+              <a:rPr lang="ko-KR" altLang="en-US" sz="1000" smtClean="0"/>
+              <a:t>화살</a:t>
+            </a:r>
+            <a:endParaRPr lang="en-US" altLang="ko-KR" sz="1000" dirty="0"/>
+          </a:p>
+        </p:txBody>
+      </p:sp>
+      <p:sp>
+        <p:nvSpPr>
+          <p:cNvPr id="58" name="직사각형 57"/>
+          <p:cNvSpPr/>
+          <p:nvPr/>
+        </p:nvSpPr>
+        <p:spPr>
+          <a:xfrm>
+            <a:off x="9025116" y="5014655"/>
+            <a:ext cx="197128" cy="659202"/>
+          </a:xfrm>
+          <a:prstGeom prst="rect">
+            <a:avLst/>
+          </a:prstGeom>
+          <a:noFill/>
+          <a:ln>
+            <a:solidFill>
+              <a:schemeClr val="accent6"/>
+            </a:solidFill>
+          </a:ln>
+        </p:spPr>
+        <p:style>
+          <a:lnRef idx="2">
+            <a:schemeClr val="accent1">
+              <a:shade val="50000"/>
+            </a:schemeClr>
+          </a:lnRef>
+          <a:fillRef idx="1">
+            <a:schemeClr val="accent1"/>
+          </a:fillRef>
+          <a:effectRef idx="0">
+            <a:schemeClr val="accent1"/>
+          </a:effectRef>
+          <a:fontRef idx="minor">
+            <a:schemeClr val="lt1"/>
+          </a:fontRef>
+        </p:style>
+        <p:txBody>
+          <a:bodyPr rtlCol="0" anchor="ctr"/>
+          <a:lstStyle/>
+          <a:p>
+            <a:pPr algn="ctr"/>
+            <a:r>
+              <a:rPr lang="en-US" altLang="ko-KR" dirty="0" smtClean="0"/>
+              <a:t> </a:t>
+            </a:r>
+            <a:endParaRPr lang="ko-KR" altLang="en-US" dirty="0"/>
           </a:p>
         </p:txBody>
       </p:sp>
@@ -9899,7 +12511,7 @@
           <p:nvPr>
             <p:extLst>
               <p:ext uri="{D42A27DB-BD31-4B8C-83A1-F6EECF244321}">
-                <p14:modId xmlns:p14="http://schemas.microsoft.com/office/powerpoint/2010/main" val="1430958796"/>
+                <p14:modId xmlns:p14="http://schemas.microsoft.com/office/powerpoint/2010/main" val="2974354523"/>
               </p:ext>
             </p:extLst>
           </p:nvPr>
@@ -9918,21 +12530,21 @@
                 <a:gridCol w="1029971">
                   <a:extLst>
                     <a:ext uri="{9D8B030D-6E8A-4147-A177-3AD203B41FA5}">
-                      <a16:colId xmlns:a16="http://schemas.microsoft.com/office/drawing/2014/main" xmlns="" val="20000"/>
+                      <a16:colId xmlns:a16="http://schemas.microsoft.com/office/drawing/2014/main" val="20000"/>
                     </a:ext>
                   </a:extLst>
                 </a:gridCol>
                 <a:gridCol w="1403131">
                   <a:extLst>
                     <a:ext uri="{9D8B030D-6E8A-4147-A177-3AD203B41FA5}">
-                      <a16:colId xmlns:a16="http://schemas.microsoft.com/office/drawing/2014/main" xmlns="" val="20001"/>
+                      <a16:colId xmlns:a16="http://schemas.microsoft.com/office/drawing/2014/main" val="20001"/>
                     </a:ext>
                   </a:extLst>
                 </a:gridCol>
                 <a:gridCol w="2939172">
                   <a:extLst>
                     <a:ext uri="{9D8B030D-6E8A-4147-A177-3AD203B41FA5}">
-                      <a16:colId xmlns:a16="http://schemas.microsoft.com/office/drawing/2014/main" xmlns="" val="20002"/>
+                      <a16:colId xmlns:a16="http://schemas.microsoft.com/office/drawing/2014/main" val="20002"/>
                     </a:ext>
                   </a:extLst>
                 </a:gridCol>
@@ -10003,7 +12615,7 @@
                 </a:tc>
                 <a:extLst>
                   <a:ext uri="{0D108BD9-81ED-4DB2-BD59-A6C34878D82A}">
-                    <a16:rowId xmlns:a16="http://schemas.microsoft.com/office/drawing/2014/main" xmlns="" val="10000"/>
+                    <a16:rowId xmlns:a16="http://schemas.microsoft.com/office/drawing/2014/main" val="10000"/>
                   </a:ext>
                 </a:extLst>
               </a:tr>
@@ -10093,7 +12705,7 @@
                 </a:tc>
                 <a:extLst>
                   <a:ext uri="{0D108BD9-81ED-4DB2-BD59-A6C34878D82A}">
-                    <a16:rowId xmlns:a16="http://schemas.microsoft.com/office/drawing/2014/main" xmlns="" val="10001"/>
+                    <a16:rowId xmlns:a16="http://schemas.microsoft.com/office/drawing/2014/main" val="10001"/>
                   </a:ext>
                 </a:extLst>
               </a:tr>
@@ -10163,7 +12775,7 @@
                 </a:tc>
                 <a:extLst>
                   <a:ext uri="{0D108BD9-81ED-4DB2-BD59-A6C34878D82A}">
-                    <a16:rowId xmlns:a16="http://schemas.microsoft.com/office/drawing/2014/main" xmlns="" val="10002"/>
+                    <a16:rowId xmlns:a16="http://schemas.microsoft.com/office/drawing/2014/main" val="10002"/>
                   </a:ext>
                 </a:extLst>
               </a:tr>
@@ -10245,8 +12857,16 @@
                         <a:t>(</a:t>
                       </a:r>
                       <a:r>
+                        <a:rPr lang="ko-KR" altLang="en-US" sz="1200" dirty="0" err="1" smtClean="0"/>
+                        <a:t>응용공격</a:t>
+                      </a:r>
+                      <a:r>
                         <a:rPr lang="ko-KR" altLang="en-US" sz="1200" dirty="0" smtClean="0"/>
-                        <a:t>응용전투 참조</a:t>
+                        <a:t> </a:t>
+                      </a:r>
+                      <a:r>
+                        <a:rPr lang="ko-KR" altLang="en-US" sz="1200" dirty="0" smtClean="0"/>
+                        <a:t>참조</a:t>
                       </a:r>
                       <a:r>
                         <a:rPr lang="en-US" altLang="ko-KR" sz="1200" dirty="0" smtClean="0"/>
@@ -10265,7 +12885,7 @@
                 </a:tc>
                 <a:extLst>
                   <a:ext uri="{0D108BD9-81ED-4DB2-BD59-A6C34878D82A}">
-                    <a16:rowId xmlns:a16="http://schemas.microsoft.com/office/drawing/2014/main" xmlns="" val="10003"/>
+                    <a16:rowId xmlns:a16="http://schemas.microsoft.com/office/drawing/2014/main" val="10003"/>
                   </a:ext>
                 </a:extLst>
               </a:tr>
@@ -10900,6 +13520,508 @@
           </a:p>
         </p:txBody>
       </p:sp>
+      <p:pic>
+        <p:nvPicPr>
+          <p:cNvPr id="5" name="그림 4"/>
+          <p:cNvPicPr>
+            <a:picLocks noChangeAspect="1"/>
+          </p:cNvPicPr>
+          <p:nvPr/>
+        </p:nvPicPr>
+        <p:blipFill>
+          <a:blip r:embed="rId3" cstate="print">
+            <a:extLst>
+              <a:ext uri="{28A0092B-C50C-407E-A947-70E740481C1C}">
+                <a14:useLocalDpi xmlns:a14="http://schemas.microsoft.com/office/drawing/2010/main" val="0"/>
+              </a:ext>
+            </a:extLst>
+          </a:blip>
+          <a:stretch>
+            <a:fillRect/>
+          </a:stretch>
+        </p:blipFill>
+        <p:spPr>
+          <a:xfrm>
+            <a:off x="7288283" y="4082668"/>
+            <a:ext cx="1219047" cy="1466485"/>
+          </a:xfrm>
+          <a:prstGeom prst="rect">
+            <a:avLst/>
+          </a:prstGeom>
+        </p:spPr>
+      </p:pic>
+      <p:pic>
+        <p:nvPicPr>
+          <p:cNvPr id="7" name="그림 6"/>
+          <p:cNvPicPr>
+            <a:picLocks noChangeAspect="1"/>
+          </p:cNvPicPr>
+          <p:nvPr/>
+        </p:nvPicPr>
+        <p:blipFill>
+          <a:blip r:embed="rId4" cstate="print">
+            <a:extLst>
+              <a:ext uri="{28A0092B-C50C-407E-A947-70E740481C1C}">
+                <a14:useLocalDpi xmlns:a14="http://schemas.microsoft.com/office/drawing/2010/main" val="0"/>
+              </a:ext>
+            </a:extLst>
+          </a:blip>
+          <a:stretch>
+            <a:fillRect/>
+          </a:stretch>
+        </p:blipFill>
+        <p:spPr>
+          <a:xfrm>
+            <a:off x="9521328" y="4082668"/>
+            <a:ext cx="1219046" cy="1466485"/>
+          </a:xfrm>
+          <a:prstGeom prst="rect">
+            <a:avLst/>
+          </a:prstGeom>
+        </p:spPr>
+      </p:pic>
+      <p:pic>
+        <p:nvPicPr>
+          <p:cNvPr id="8" name="그림 7"/>
+          <p:cNvPicPr>
+            <a:picLocks noChangeAspect="1"/>
+          </p:cNvPicPr>
+          <p:nvPr/>
+        </p:nvPicPr>
+        <p:blipFill>
+          <a:blip r:embed="rId3" cstate="print">
+            <a:extLst>
+              <a:ext uri="{28A0092B-C50C-407E-A947-70E740481C1C}">
+                <a14:useLocalDpi xmlns:a14="http://schemas.microsoft.com/office/drawing/2010/main" val="0"/>
+              </a:ext>
+            </a:extLst>
+          </a:blip>
+          <a:stretch>
+            <a:fillRect/>
+          </a:stretch>
+        </p:blipFill>
+        <p:spPr>
+          <a:xfrm>
+            <a:off x="7288283" y="1777221"/>
+            <a:ext cx="1219047" cy="1466485"/>
+          </a:xfrm>
+          <a:prstGeom prst="rect">
+            <a:avLst/>
+          </a:prstGeom>
+        </p:spPr>
+      </p:pic>
+      <p:sp>
+        <p:nvSpPr>
+          <p:cNvPr id="9" name="제목 1"/>
+          <p:cNvSpPr txBox="1">
+            <a:spLocks/>
+          </p:cNvSpPr>
+          <p:nvPr/>
+        </p:nvSpPr>
+        <p:spPr>
+          <a:xfrm>
+            <a:off x="7403843" y="3376866"/>
+            <a:ext cx="907451" cy="338319"/>
+          </a:xfrm>
+          <a:prstGeom prst="rect">
+            <a:avLst/>
+          </a:prstGeom>
+        </p:spPr>
+        <p:txBody>
+          <a:bodyPr vert="horz" rtlCol="0" anchor="t">
+            <a:noAutofit/>
+          </a:bodyPr>
+          <a:lstStyle>
+            <a:lvl1pPr algn="l" rtl="0" eaLnBrk="1" latinLnBrk="1" hangingPunct="1">
+              <a:spcBef>
+                <a:spcPct val="0"/>
+              </a:spcBef>
+              <a:buNone/>
+              <a:defRPr kumimoji="0" sz="4000" kern="1200">
+                <a:solidFill>
+                  <a:schemeClr val="tx2"/>
+                </a:solidFill>
+                <a:latin typeface="맑은 고딕" panose="020B0503020000020004" pitchFamily="50" charset="-127"/>
+                <a:ea typeface="+mj-ea"/>
+                <a:cs typeface="+mj-cs"/>
+              </a:defRPr>
+            </a:lvl1pPr>
+          </a:lstStyle>
+          <a:p>
+            <a:r>
+              <a:rPr lang="ko-KR" altLang="en-US" sz="1000" dirty="0" err="1" smtClean="0"/>
+              <a:t>공격키</a:t>
+            </a:r>
+            <a:r>
+              <a:rPr lang="ko-KR" altLang="en-US" sz="1000" dirty="0" smtClean="0"/>
+              <a:t> </a:t>
+            </a:r>
+            <a:r>
+              <a:rPr lang="en-US" altLang="ko-KR" sz="1000" dirty="0" smtClean="0"/>
+              <a:t>1</a:t>
+            </a:r>
+            <a:r>
+              <a:rPr lang="ko-KR" altLang="en-US" sz="1000" dirty="0" smtClean="0"/>
+              <a:t>회</a:t>
+            </a:r>
+            <a:endParaRPr lang="en-US" altLang="ko-KR" sz="1000" dirty="0" smtClean="0"/>
+          </a:p>
+        </p:txBody>
+      </p:sp>
+      <p:sp>
+        <p:nvSpPr>
+          <p:cNvPr id="10" name="제목 1"/>
+          <p:cNvSpPr txBox="1">
+            <a:spLocks/>
+          </p:cNvSpPr>
+          <p:nvPr/>
+        </p:nvSpPr>
+        <p:spPr>
+          <a:xfrm>
+            <a:off x="7403843" y="5747476"/>
+            <a:ext cx="1119117" cy="338319"/>
+          </a:xfrm>
+          <a:prstGeom prst="rect">
+            <a:avLst/>
+          </a:prstGeom>
+        </p:spPr>
+        <p:txBody>
+          <a:bodyPr vert="horz" rtlCol="0" anchor="t">
+            <a:noAutofit/>
+          </a:bodyPr>
+          <a:lstStyle>
+            <a:lvl1pPr algn="l" rtl="0" eaLnBrk="1" latinLnBrk="1" hangingPunct="1">
+              <a:spcBef>
+                <a:spcPct val="0"/>
+              </a:spcBef>
+              <a:buNone/>
+              <a:defRPr kumimoji="0" sz="4000" kern="1200">
+                <a:solidFill>
+                  <a:schemeClr val="tx2"/>
+                </a:solidFill>
+                <a:latin typeface="맑은 고딕" panose="020B0503020000020004" pitchFamily="50" charset="-127"/>
+                <a:ea typeface="+mj-ea"/>
+                <a:cs typeface="+mj-cs"/>
+              </a:defRPr>
+            </a:lvl1pPr>
+          </a:lstStyle>
+          <a:p>
+            <a:r>
+              <a:rPr lang="ko-KR" altLang="en-US" sz="1000" dirty="0" err="1" smtClean="0"/>
+              <a:t>공격키</a:t>
+            </a:r>
+            <a:r>
+              <a:rPr lang="ko-KR" altLang="en-US" sz="1000" dirty="0" smtClean="0"/>
+              <a:t> </a:t>
+            </a:r>
+            <a:r>
+              <a:rPr lang="en-US" altLang="ko-KR" sz="1000" dirty="0" smtClean="0"/>
+              <a:t>1</a:t>
+            </a:r>
+            <a:r>
+              <a:rPr lang="ko-KR" altLang="en-US" sz="1000" dirty="0" smtClean="0"/>
+              <a:t>회</a:t>
+            </a:r>
+            <a:endParaRPr lang="en-US" altLang="ko-KR" sz="1000" dirty="0" smtClean="0"/>
+          </a:p>
+        </p:txBody>
+      </p:sp>
+      <p:sp>
+        <p:nvSpPr>
+          <p:cNvPr id="11" name="제목 1"/>
+          <p:cNvSpPr txBox="1">
+            <a:spLocks/>
+          </p:cNvSpPr>
+          <p:nvPr/>
+        </p:nvSpPr>
+        <p:spPr>
+          <a:xfrm>
+            <a:off x="5738537" y="2341303"/>
+            <a:ext cx="1120788" cy="338319"/>
+          </a:xfrm>
+          <a:prstGeom prst="rect">
+            <a:avLst/>
+          </a:prstGeom>
+        </p:spPr>
+        <p:txBody>
+          <a:bodyPr vert="horz" rtlCol="0" anchor="t">
+            <a:noAutofit/>
+          </a:bodyPr>
+          <a:lstStyle>
+            <a:lvl1pPr algn="l" rtl="0" eaLnBrk="1" latinLnBrk="1" hangingPunct="1">
+              <a:spcBef>
+                <a:spcPct val="0"/>
+              </a:spcBef>
+              <a:buNone/>
+              <a:defRPr kumimoji="0" sz="4000" kern="1200">
+                <a:solidFill>
+                  <a:schemeClr val="tx2"/>
+                </a:solidFill>
+                <a:latin typeface="맑은 고딕" panose="020B0503020000020004" pitchFamily="50" charset="-127"/>
+                <a:ea typeface="+mj-ea"/>
+                <a:cs typeface="+mj-cs"/>
+              </a:defRPr>
+            </a:lvl1pPr>
+          </a:lstStyle>
+          <a:p>
+            <a:pPr algn="r"/>
+            <a:r>
+              <a:rPr lang="ko-KR" altLang="en-US" sz="1200" dirty="0" smtClean="0"/>
+              <a:t>일반 공격</a:t>
+            </a:r>
+            <a:endParaRPr lang="en-US" altLang="ko-KR" sz="1200" dirty="0" smtClean="0"/>
+          </a:p>
+        </p:txBody>
+      </p:sp>
+      <p:sp>
+        <p:nvSpPr>
+          <p:cNvPr id="12" name="제목 1"/>
+          <p:cNvSpPr txBox="1">
+            <a:spLocks/>
+          </p:cNvSpPr>
+          <p:nvPr/>
+        </p:nvSpPr>
+        <p:spPr>
+          <a:xfrm>
+            <a:off x="5738537" y="4646750"/>
+            <a:ext cx="1120788" cy="338319"/>
+          </a:xfrm>
+          <a:prstGeom prst="rect">
+            <a:avLst/>
+          </a:prstGeom>
+        </p:spPr>
+        <p:txBody>
+          <a:bodyPr vert="horz" rtlCol="0" anchor="t">
+            <a:noAutofit/>
+          </a:bodyPr>
+          <a:lstStyle>
+            <a:lvl1pPr algn="l" rtl="0" eaLnBrk="1" latinLnBrk="1" hangingPunct="1">
+              <a:spcBef>
+                <a:spcPct val="0"/>
+              </a:spcBef>
+              <a:buNone/>
+              <a:defRPr kumimoji="0" sz="4000" kern="1200">
+                <a:solidFill>
+                  <a:schemeClr val="tx2"/>
+                </a:solidFill>
+                <a:latin typeface="맑은 고딕" panose="020B0503020000020004" pitchFamily="50" charset="-127"/>
+                <a:ea typeface="+mj-ea"/>
+                <a:cs typeface="+mj-cs"/>
+              </a:defRPr>
+            </a:lvl1pPr>
+          </a:lstStyle>
+          <a:p>
+            <a:pPr algn="r"/>
+            <a:r>
+              <a:rPr lang="ko-KR" altLang="en-US" sz="1200" dirty="0" smtClean="0"/>
+              <a:t>연계 공격</a:t>
+            </a:r>
+            <a:endParaRPr lang="en-US" altLang="ko-KR" sz="1200" dirty="0" smtClean="0"/>
+          </a:p>
+        </p:txBody>
+      </p:sp>
+      <p:sp>
+        <p:nvSpPr>
+          <p:cNvPr id="13" name="제목 1"/>
+          <p:cNvSpPr txBox="1">
+            <a:spLocks/>
+          </p:cNvSpPr>
+          <p:nvPr/>
+        </p:nvSpPr>
+        <p:spPr>
+          <a:xfrm>
+            <a:off x="9154485" y="5747476"/>
+            <a:ext cx="2083411" cy="627924"/>
+          </a:xfrm>
+          <a:prstGeom prst="rect">
+            <a:avLst/>
+          </a:prstGeom>
+        </p:spPr>
+        <p:txBody>
+          <a:bodyPr vert="horz" rtlCol="0" anchor="t">
+            <a:noAutofit/>
+          </a:bodyPr>
+          <a:lstStyle>
+            <a:lvl1pPr algn="l" rtl="0" eaLnBrk="1" latinLnBrk="1" hangingPunct="1">
+              <a:spcBef>
+                <a:spcPct val="0"/>
+              </a:spcBef>
+              <a:buNone/>
+              <a:defRPr kumimoji="0" sz="4000" kern="1200">
+                <a:solidFill>
+                  <a:schemeClr val="tx2"/>
+                </a:solidFill>
+                <a:latin typeface="맑은 고딕" panose="020B0503020000020004" pitchFamily="50" charset="-127"/>
+                <a:ea typeface="+mj-ea"/>
+                <a:cs typeface="+mj-cs"/>
+              </a:defRPr>
+            </a:lvl1pPr>
+          </a:lstStyle>
+          <a:p>
+            <a:r>
+              <a:rPr lang="ko-KR" altLang="en-US" sz="1050" dirty="0" smtClean="0"/>
+              <a:t>연달아 </a:t>
+            </a:r>
+            <a:r>
+              <a:rPr lang="ko-KR" altLang="en-US" sz="1050" dirty="0" err="1" smtClean="0"/>
+              <a:t>공격키</a:t>
+            </a:r>
+            <a:r>
+              <a:rPr lang="ko-KR" altLang="en-US" sz="1050" dirty="0" smtClean="0"/>
+              <a:t> </a:t>
+            </a:r>
+            <a:r>
+              <a:rPr lang="en-US" altLang="ko-KR" sz="1050" dirty="0" smtClean="0"/>
+              <a:t>1</a:t>
+            </a:r>
+            <a:r>
+              <a:rPr lang="ko-KR" altLang="en-US" sz="1050" dirty="0" smtClean="0"/>
+              <a:t>회 추가</a:t>
+            </a:r>
+            <a:r>
+              <a:rPr lang="en-US" altLang="ko-KR" sz="1050" dirty="0"/>
+              <a:t> </a:t>
+            </a:r>
+            <a:r>
+              <a:rPr lang="ko-KR" altLang="en-US" sz="1050" dirty="0" smtClean="0"/>
+              <a:t>입력</a:t>
+            </a:r>
+            <a:endParaRPr lang="en-US" altLang="ko-KR" sz="1050" dirty="0" smtClean="0"/>
+          </a:p>
+        </p:txBody>
+      </p:sp>
+      <p:sp>
+        <p:nvSpPr>
+          <p:cNvPr id="2" name="오른쪽 화살표 1"/>
+          <p:cNvSpPr/>
+          <p:nvPr/>
+        </p:nvSpPr>
+        <p:spPr>
+          <a:xfrm>
+            <a:off x="8863841" y="4449287"/>
+            <a:ext cx="513553" cy="733244"/>
+          </a:xfrm>
+          <a:prstGeom prst="rightArrow">
+            <a:avLst/>
+          </a:prstGeom>
+        </p:spPr>
+        <p:style>
+          <a:lnRef idx="2">
+            <a:schemeClr val="accent1">
+              <a:shade val="50000"/>
+            </a:schemeClr>
+          </a:lnRef>
+          <a:fillRef idx="1">
+            <a:schemeClr val="accent1"/>
+          </a:fillRef>
+          <a:effectRef idx="0">
+            <a:schemeClr val="accent1"/>
+          </a:effectRef>
+          <a:fontRef idx="minor">
+            <a:schemeClr val="lt1"/>
+          </a:fontRef>
+        </p:style>
+        <p:txBody>
+          <a:bodyPr rtlCol="0" anchor="ctr"/>
+          <a:lstStyle/>
+          <a:p>
+            <a:pPr algn="ctr"/>
+            <a:endParaRPr lang="ko-KR" altLang="en-US"/>
+          </a:p>
+        </p:txBody>
+      </p:sp>
+      <p:sp>
+        <p:nvSpPr>
+          <p:cNvPr id="15" name="제목 1"/>
+          <p:cNvSpPr txBox="1">
+            <a:spLocks/>
+          </p:cNvSpPr>
+          <p:nvPr/>
+        </p:nvSpPr>
+        <p:spPr>
+          <a:xfrm>
+            <a:off x="7403843" y="6206240"/>
+            <a:ext cx="1119117" cy="338319"/>
+          </a:xfrm>
+          <a:prstGeom prst="rect">
+            <a:avLst/>
+          </a:prstGeom>
+        </p:spPr>
+        <p:txBody>
+          <a:bodyPr vert="horz" rtlCol="0" anchor="t">
+            <a:noAutofit/>
+          </a:bodyPr>
+          <a:lstStyle>
+            <a:lvl1pPr algn="l" rtl="0" eaLnBrk="1" latinLnBrk="1" hangingPunct="1">
+              <a:spcBef>
+                <a:spcPct val="0"/>
+              </a:spcBef>
+              <a:buNone/>
+              <a:defRPr kumimoji="0" sz="4000" kern="1200">
+                <a:solidFill>
+                  <a:schemeClr val="tx2"/>
+                </a:solidFill>
+                <a:latin typeface="맑은 고딕" panose="020B0503020000020004" pitchFamily="50" charset="-127"/>
+                <a:ea typeface="+mj-ea"/>
+                <a:cs typeface="+mj-cs"/>
+              </a:defRPr>
+            </a:lvl1pPr>
+          </a:lstStyle>
+          <a:p>
+            <a:r>
+              <a:rPr lang="ko-KR" altLang="en-US" sz="1000" dirty="0" err="1" smtClean="0"/>
+              <a:t>일반공격</a:t>
+            </a:r>
+            <a:endParaRPr lang="en-US" altLang="ko-KR" sz="1000" dirty="0" smtClean="0"/>
+          </a:p>
+        </p:txBody>
+      </p:sp>
+      <p:sp>
+        <p:nvSpPr>
+          <p:cNvPr id="16" name="제목 1"/>
+          <p:cNvSpPr txBox="1">
+            <a:spLocks/>
+          </p:cNvSpPr>
+          <p:nvPr/>
+        </p:nvSpPr>
+        <p:spPr>
+          <a:xfrm>
+            <a:off x="9781283" y="6206240"/>
+            <a:ext cx="1119117" cy="338319"/>
+          </a:xfrm>
+          <a:prstGeom prst="rect">
+            <a:avLst/>
+          </a:prstGeom>
+        </p:spPr>
+        <p:txBody>
+          <a:bodyPr vert="horz" rtlCol="0" anchor="t">
+            <a:noAutofit/>
+          </a:bodyPr>
+          <a:lstStyle>
+            <a:lvl1pPr algn="l" rtl="0" eaLnBrk="1" latinLnBrk="1" hangingPunct="1">
+              <a:spcBef>
+                <a:spcPct val="0"/>
+              </a:spcBef>
+              <a:buNone/>
+              <a:defRPr kumimoji="0" sz="4000" kern="1200">
+                <a:solidFill>
+                  <a:schemeClr val="tx2"/>
+                </a:solidFill>
+                <a:latin typeface="맑은 고딕" panose="020B0503020000020004" pitchFamily="50" charset="-127"/>
+                <a:ea typeface="+mj-ea"/>
+                <a:cs typeface="+mj-cs"/>
+              </a:defRPr>
+            </a:lvl1pPr>
+          </a:lstStyle>
+          <a:p>
+            <a:r>
+              <a:rPr lang="ko-KR" altLang="en-US" sz="1000" dirty="0" err="1" smtClean="0"/>
+              <a:t>연계공격</a:t>
+            </a:r>
+            <a:endParaRPr lang="en-US" altLang="ko-KR" sz="1000" dirty="0" smtClean="0"/>
+          </a:p>
+        </p:txBody>
+      </p:sp>
     </p:spTree>
     <p:extLst>
       <p:ext uri="{BB962C8B-B14F-4D97-AF65-F5344CB8AC3E}">
@@ -11122,11 +14244,7 @@
             </a:r>
             <a:r>
               <a:rPr lang="ko-KR" altLang="en-US" sz="2000" dirty="0" smtClean="0"/>
-              <a:t>응용 </a:t>
-            </a:r>
-            <a:r>
-              <a:rPr lang="ko-KR" altLang="en-US" sz="2000" dirty="0" smtClean="0"/>
-              <a:t>공격</a:t>
+              <a:t>응용 공격</a:t>
             </a:r>
             <a:endParaRPr lang="ko-KR" altLang="en-US" sz="2000" dirty="0"/>
           </a:p>
@@ -11212,21 +14330,26 @@
             </a:r>
             <a:r>
               <a:rPr lang="ko-KR" altLang="ko-KR" sz="1400" dirty="0"/>
-              <a:t> 사거리 안에 들어오는 경우에만 피해를 입는다</a:t>
+              <a:t> 사거리 안에 들어오는 경우에만 피해를 </a:t>
+            </a:r>
+            <a:r>
+              <a:rPr lang="ko-KR" altLang="ko-KR" sz="1400" dirty="0" smtClean="0"/>
+              <a:t>입</a:t>
+            </a:r>
+            <a:r>
+              <a:rPr lang="ko-KR" altLang="en-US" sz="1400" dirty="0" smtClean="0"/>
+              <a:t>음</a:t>
             </a:r>
             <a:r>
               <a:rPr lang="en-US" altLang="ko-KR" sz="1400" dirty="0" smtClean="0"/>
               <a:t>.</a:t>
             </a:r>
-          </a:p>
-          <a:p>
-            <a:r>
-              <a:rPr lang="ko-KR" altLang="en-US" sz="1400" dirty="0" err="1" smtClean="0"/>
-              <a:t>몬스터가</a:t>
-            </a:r>
+            <a:endParaRPr lang="en-US" altLang="ko-KR" sz="1400" dirty="0" smtClean="0"/>
+          </a:p>
+          <a:p>
             <a:r>
               <a:rPr lang="ko-KR" altLang="en-US" sz="1400" dirty="0" smtClean="0"/>
-              <a:t> </a:t>
+              <a:t>몬스터가 </a:t>
             </a:r>
             <a:r>
               <a:rPr lang="ko-KR" altLang="ko-KR" sz="1400" dirty="0" smtClean="0"/>
@@ -11234,10 +14357,18 @@
             </a:r>
             <a:r>
               <a:rPr lang="ko-KR" altLang="ko-KR" sz="1400" dirty="0"/>
-              <a:t>바깥으로 나가 있으면 피해 없음</a:t>
-            </a:r>
-            <a:r>
-              <a:rPr lang="en-US" altLang="ko-KR" sz="1400" dirty="0"/>
+              <a:t>바깥으로 나가 있으면 피해 </a:t>
+            </a:r>
+            <a:r>
+              <a:rPr lang="ko-KR" altLang="ko-KR" sz="1400" dirty="0" smtClean="0"/>
+              <a:t>없</a:t>
+            </a:r>
+            <a:r>
+              <a:rPr lang="ko-KR" altLang="en-US" sz="1400" dirty="0" smtClean="0"/>
+              <a:t>음</a:t>
+            </a:r>
+            <a:r>
+              <a:rPr lang="en-US" altLang="ko-KR" sz="1400" dirty="0" smtClean="0"/>
               <a:t>.</a:t>
             </a:r>
             <a:endParaRPr lang="ko-KR" altLang="ko-KR" sz="1400" dirty="0"/>
@@ -11283,6 +14414,10 @@
           </a:lstStyle>
           <a:p>
             <a:r>
+              <a:rPr lang="ko-KR" altLang="en-US" sz="1400" dirty="0" smtClean="0"/>
+              <a:t>폭탄과 같은 </a:t>
+            </a:r>
+            <a:r>
               <a:rPr lang="ko-KR" altLang="ko-KR" sz="1400" dirty="0" err="1" smtClean="0"/>
               <a:t>투척형</a:t>
             </a:r>
@@ -11292,16 +14427,40 @@
             </a:r>
             <a:r>
               <a:rPr lang="ko-KR" altLang="ko-KR" sz="1400" dirty="0"/>
-              <a:t>무기는 낙하지점을 중심으로 피해범위가 </a:t>
+              <a:t>무기는 낙하지점을 중심으로 </a:t>
+            </a:r>
+            <a:r>
+              <a:rPr lang="ko-KR" altLang="ko-KR" sz="1400" dirty="0" err="1"/>
+              <a:t>피해범위가</a:t>
+            </a:r>
+            <a:r>
+              <a:rPr lang="ko-KR" altLang="ko-KR" sz="1400" dirty="0"/>
+              <a:t> </a:t>
             </a:r>
             <a:r>
               <a:rPr lang="ko-KR" altLang="ko-KR" sz="1400" dirty="0" smtClean="0"/>
               <a:t>발생</a:t>
             </a:r>
+            <a:endParaRPr lang="en-US" altLang="ko-KR" sz="1400" dirty="0" smtClean="0"/>
+          </a:p>
+          <a:p>
+            <a:r>
+              <a:rPr lang="ko-KR" altLang="en-US" sz="1400" dirty="0" smtClean="0"/>
+              <a:t>궤적 이동 중 </a:t>
+            </a:r>
+            <a:r>
+              <a:rPr lang="ko-KR" altLang="en-US" sz="1400" dirty="0" err="1" smtClean="0"/>
+              <a:t>데미지는</a:t>
+            </a:r>
+            <a:r>
+              <a:rPr lang="ko-KR" altLang="en-US" sz="1400" dirty="0" smtClean="0"/>
+              <a:t> 발생되지 않음</a:t>
+            </a:r>
             <a:r>
               <a:rPr lang="en-US" altLang="ko-KR" sz="1400" dirty="0" smtClean="0"/>
               <a:t>.</a:t>
             </a:r>
+            <a:endParaRPr lang="en-US" altLang="ko-KR" sz="1400" dirty="0" smtClean="0"/>
           </a:p>
           <a:p>
             <a:endParaRPr lang="ko-KR" altLang="ko-KR" sz="1400" dirty="0"/>
@@ -12641,21 +15800,21 @@
                 <a:gridCol w="1324931">
                   <a:extLst>
                     <a:ext uri="{9D8B030D-6E8A-4147-A177-3AD203B41FA5}">
-                      <a16:colId xmlns:a16="http://schemas.microsoft.com/office/drawing/2014/main" xmlns="" val="20000"/>
+                      <a16:colId xmlns:a16="http://schemas.microsoft.com/office/drawing/2014/main" val="20000"/>
                     </a:ext>
                   </a:extLst>
                 </a:gridCol>
                 <a:gridCol w="997527">
                   <a:extLst>
                     <a:ext uri="{9D8B030D-6E8A-4147-A177-3AD203B41FA5}">
-                      <a16:colId xmlns:a16="http://schemas.microsoft.com/office/drawing/2014/main" xmlns="" val="20001"/>
+                      <a16:colId xmlns:a16="http://schemas.microsoft.com/office/drawing/2014/main" val="20001"/>
                     </a:ext>
                   </a:extLst>
                 </a:gridCol>
                 <a:gridCol w="8454217">
                   <a:extLst>
                     <a:ext uri="{9D8B030D-6E8A-4147-A177-3AD203B41FA5}">
-                      <a16:colId xmlns:a16="http://schemas.microsoft.com/office/drawing/2014/main" xmlns="" val="20002"/>
+                      <a16:colId xmlns:a16="http://schemas.microsoft.com/office/drawing/2014/main" val="20002"/>
                     </a:ext>
                   </a:extLst>
                 </a:gridCol>
@@ -12756,7 +15915,7 @@
                 </a:tc>
                 <a:extLst>
                   <a:ext uri="{0D108BD9-81ED-4DB2-BD59-A6C34878D82A}">
-                    <a16:rowId xmlns:a16="http://schemas.microsoft.com/office/drawing/2014/main" xmlns="" val="10000"/>
+                    <a16:rowId xmlns:a16="http://schemas.microsoft.com/office/drawing/2014/main" val="10000"/>
                   </a:ext>
                 </a:extLst>
               </a:tr>
@@ -13042,7 +16201,7 @@
                 </a:tc>
                 <a:extLst>
                   <a:ext uri="{0D108BD9-81ED-4DB2-BD59-A6C34878D82A}">
-                    <a16:rowId xmlns:a16="http://schemas.microsoft.com/office/drawing/2014/main" xmlns="" val="10001"/>
+                    <a16:rowId xmlns:a16="http://schemas.microsoft.com/office/drawing/2014/main" val="10001"/>
                   </a:ext>
                 </a:extLst>
               </a:tr>
@@ -13234,7 +16393,7 @@
                 </a:tc>
                 <a:extLst>
                   <a:ext uri="{0D108BD9-81ED-4DB2-BD59-A6C34878D82A}">
-                    <a16:rowId xmlns:a16="http://schemas.microsoft.com/office/drawing/2014/main" xmlns="" val="10002"/>
+                    <a16:rowId xmlns:a16="http://schemas.microsoft.com/office/drawing/2014/main" val="10002"/>
                   </a:ext>
                 </a:extLst>
               </a:tr>
@@ -13457,7 +16616,7 @@
                 </a:tc>
                 <a:extLst>
                   <a:ext uri="{0D108BD9-81ED-4DB2-BD59-A6C34878D82A}">
-                    <a16:rowId xmlns:a16="http://schemas.microsoft.com/office/drawing/2014/main" xmlns="" val="10003"/>
+                    <a16:rowId xmlns:a16="http://schemas.microsoft.com/office/drawing/2014/main" val="10003"/>
                   </a:ext>
                 </a:extLst>
               </a:tr>
@@ -13652,7 +16811,7 @@
                 </a:tc>
                 <a:extLst>
                   <a:ext uri="{0D108BD9-81ED-4DB2-BD59-A6C34878D82A}">
-                    <a16:rowId xmlns:a16="http://schemas.microsoft.com/office/drawing/2014/main" xmlns="" val="10004"/>
+                    <a16:rowId xmlns:a16="http://schemas.microsoft.com/office/drawing/2014/main" val="10004"/>
                   </a:ext>
                 </a:extLst>
               </a:tr>
@@ -13886,7 +17045,7 @@
                 </a:tc>
                 <a:extLst>
                   <a:ext uri="{0D108BD9-81ED-4DB2-BD59-A6C34878D82A}">
-                    <a16:rowId xmlns:a16="http://schemas.microsoft.com/office/drawing/2014/main" xmlns="" val="10005"/>
+                    <a16:rowId xmlns:a16="http://schemas.microsoft.com/office/drawing/2014/main" val="10005"/>
                   </a:ext>
                 </a:extLst>
               </a:tr>
@@ -14232,7 +17391,7 @@
                 </a:tc>
                 <a:extLst>
                   <a:ext uri="{0D108BD9-81ED-4DB2-BD59-A6C34878D82A}">
-                    <a16:rowId xmlns:a16="http://schemas.microsoft.com/office/drawing/2014/main" xmlns="" val="10006"/>
+                    <a16:rowId xmlns:a16="http://schemas.microsoft.com/office/drawing/2014/main" val="10006"/>
                   </a:ext>
                 </a:extLst>
               </a:tr>
@@ -14544,28 +17703,28 @@
                 <a:gridCol w="2218411">
                   <a:extLst>
                     <a:ext uri="{9D8B030D-6E8A-4147-A177-3AD203B41FA5}">
-                      <a16:colId xmlns:a16="http://schemas.microsoft.com/office/drawing/2014/main" xmlns="" val="20000"/>
+                      <a16:colId xmlns:a16="http://schemas.microsoft.com/office/drawing/2014/main" val="20000"/>
                     </a:ext>
                   </a:extLst>
                 </a:gridCol>
                 <a:gridCol w="1717351">
                   <a:extLst>
                     <a:ext uri="{9D8B030D-6E8A-4147-A177-3AD203B41FA5}">
-                      <a16:colId xmlns:a16="http://schemas.microsoft.com/office/drawing/2014/main" xmlns="" val="20001"/>
+                      <a16:colId xmlns:a16="http://schemas.microsoft.com/office/drawing/2014/main" val="20001"/>
                     </a:ext>
                   </a:extLst>
                 </a:gridCol>
                 <a:gridCol w="4866610">
                   <a:extLst>
                     <a:ext uri="{9D8B030D-6E8A-4147-A177-3AD203B41FA5}">
-                      <a16:colId xmlns:a16="http://schemas.microsoft.com/office/drawing/2014/main" xmlns="" val="20002"/>
+                      <a16:colId xmlns:a16="http://schemas.microsoft.com/office/drawing/2014/main" val="20002"/>
                     </a:ext>
                   </a:extLst>
                 </a:gridCol>
                 <a:gridCol w="1974304">
                   <a:extLst>
                     <a:ext uri="{9D8B030D-6E8A-4147-A177-3AD203B41FA5}">
-                      <a16:colId xmlns:a16="http://schemas.microsoft.com/office/drawing/2014/main" xmlns="" val="20003"/>
+                      <a16:colId xmlns:a16="http://schemas.microsoft.com/office/drawing/2014/main" val="20003"/>
                     </a:ext>
                   </a:extLst>
                 </a:gridCol>
@@ -14729,7 +17888,7 @@
                 </a:tc>
                 <a:extLst>
                   <a:ext uri="{0D108BD9-81ED-4DB2-BD59-A6C34878D82A}">
-                    <a16:rowId xmlns:a16="http://schemas.microsoft.com/office/drawing/2014/main" xmlns="" val="10000"/>
+                    <a16:rowId xmlns:a16="http://schemas.microsoft.com/office/drawing/2014/main" val="10000"/>
                   </a:ext>
                 </a:extLst>
               </a:tr>
@@ -14925,7 +18084,7 @@
                 </a:tc>
                 <a:extLst>
                   <a:ext uri="{0D108BD9-81ED-4DB2-BD59-A6C34878D82A}">
-                    <a16:rowId xmlns:a16="http://schemas.microsoft.com/office/drawing/2014/main" xmlns="" val="10001"/>
+                    <a16:rowId xmlns:a16="http://schemas.microsoft.com/office/drawing/2014/main" val="10001"/>
                   </a:ext>
                 </a:extLst>
               </a:tr>
@@ -15143,7 +18302,7 @@
                 </a:tc>
                 <a:extLst>
                   <a:ext uri="{0D108BD9-81ED-4DB2-BD59-A6C34878D82A}">
-                    <a16:rowId xmlns:a16="http://schemas.microsoft.com/office/drawing/2014/main" xmlns="" val="10002"/>
+                    <a16:rowId xmlns:a16="http://schemas.microsoft.com/office/drawing/2014/main" val="10002"/>
                   </a:ext>
                 </a:extLst>
               </a:tr>
@@ -15333,7 +18492,7 @@
                 </a:tc>
                 <a:extLst>
                   <a:ext uri="{0D108BD9-81ED-4DB2-BD59-A6C34878D82A}">
-                    <a16:rowId xmlns:a16="http://schemas.microsoft.com/office/drawing/2014/main" xmlns="" val="10003"/>
+                    <a16:rowId xmlns:a16="http://schemas.microsoft.com/office/drawing/2014/main" val="10003"/>
                   </a:ext>
                 </a:extLst>
               </a:tr>
@@ -15588,7 +18747,7 @@
                 </a:tc>
                 <a:extLst>
                   <a:ext uri="{0D108BD9-81ED-4DB2-BD59-A6C34878D82A}">
-                    <a16:rowId xmlns:a16="http://schemas.microsoft.com/office/drawing/2014/main" xmlns="" val="10004"/>
+                    <a16:rowId xmlns:a16="http://schemas.microsoft.com/office/drawing/2014/main" val="10004"/>
                   </a:ext>
                 </a:extLst>
               </a:tr>
@@ -15734,7 +18893,7 @@
                 </a:tc>
                 <a:extLst>
                   <a:ext uri="{0D108BD9-81ED-4DB2-BD59-A6C34878D82A}">
-                    <a16:rowId xmlns:a16="http://schemas.microsoft.com/office/drawing/2014/main" xmlns="" val="10005"/>
+                    <a16:rowId xmlns:a16="http://schemas.microsoft.com/office/drawing/2014/main" val="10005"/>
                   </a:ext>
                 </a:extLst>
               </a:tr>
@@ -15902,7 +19061,7 @@
                 </a:tc>
                 <a:extLst>
                   <a:ext uri="{0D108BD9-81ED-4DB2-BD59-A6C34878D82A}">
-                    <a16:rowId xmlns:a16="http://schemas.microsoft.com/office/drawing/2014/main" xmlns="" val="10006"/>
+                    <a16:rowId xmlns:a16="http://schemas.microsoft.com/office/drawing/2014/main" val="10006"/>
                   </a:ext>
                 </a:extLst>
               </a:tr>
@@ -16094,7 +19253,7 @@
                 </a:tc>
                 <a:extLst>
                   <a:ext uri="{0D108BD9-81ED-4DB2-BD59-A6C34878D82A}">
-                    <a16:rowId xmlns:a16="http://schemas.microsoft.com/office/drawing/2014/main" xmlns="" val="10007"/>
+                    <a16:rowId xmlns:a16="http://schemas.microsoft.com/office/drawing/2014/main" val="10007"/>
                   </a:ext>
                 </a:extLst>
               </a:tr>
@@ -16269,7 +19428,7 @@
                 </a:tc>
                 <a:extLst>
                   <a:ext uri="{0D108BD9-81ED-4DB2-BD59-A6C34878D82A}">
-                    <a16:rowId xmlns:a16="http://schemas.microsoft.com/office/drawing/2014/main" xmlns="" val="10008"/>
+                    <a16:rowId xmlns:a16="http://schemas.microsoft.com/office/drawing/2014/main" val="10008"/>
                   </a:ext>
                 </a:extLst>
               </a:tr>
@@ -16449,7 +19608,7 @@
                 </a:tc>
                 <a:extLst>
                   <a:ext uri="{0D108BD9-81ED-4DB2-BD59-A6C34878D82A}">
-                    <a16:rowId xmlns:a16="http://schemas.microsoft.com/office/drawing/2014/main" xmlns="" val="10009"/>
+                    <a16:rowId xmlns:a16="http://schemas.microsoft.com/office/drawing/2014/main" val="10009"/>
                   </a:ext>
                 </a:extLst>
               </a:tr>
@@ -16595,7 +19754,7 @@
                 </a:tc>
                 <a:extLst>
                   <a:ext uri="{0D108BD9-81ED-4DB2-BD59-A6C34878D82A}">
-                    <a16:rowId xmlns:a16="http://schemas.microsoft.com/office/drawing/2014/main" xmlns="" val="10010"/>
+                    <a16:rowId xmlns:a16="http://schemas.microsoft.com/office/drawing/2014/main" val="10010"/>
                   </a:ext>
                 </a:extLst>
               </a:tr>
@@ -16741,7 +19900,7 @@
                 </a:tc>
                 <a:extLst>
                   <a:ext uri="{0D108BD9-81ED-4DB2-BD59-A6C34878D82A}">
-                    <a16:rowId xmlns:a16="http://schemas.microsoft.com/office/drawing/2014/main" xmlns="" val="10011"/>
+                    <a16:rowId xmlns:a16="http://schemas.microsoft.com/office/drawing/2014/main" val="10011"/>
                   </a:ext>
                 </a:extLst>
               </a:tr>
@@ -16920,7 +20079,7 @@
                 </a:tc>
                 <a:extLst>
                   <a:ext uri="{0D108BD9-81ED-4DB2-BD59-A6C34878D82A}">
-                    <a16:rowId xmlns:a16="http://schemas.microsoft.com/office/drawing/2014/main" xmlns="" val="10012"/>
+                    <a16:rowId xmlns:a16="http://schemas.microsoft.com/office/drawing/2014/main" val="10012"/>
                   </a:ext>
                 </a:extLst>
               </a:tr>
@@ -17121,7 +20280,7 @@
                 </a:tc>
                 <a:extLst>
                   <a:ext uri="{0D108BD9-81ED-4DB2-BD59-A6C34878D82A}">
-                    <a16:rowId xmlns:a16="http://schemas.microsoft.com/office/drawing/2014/main" xmlns="" val="10013"/>
+                    <a16:rowId xmlns:a16="http://schemas.microsoft.com/office/drawing/2014/main" val="10013"/>
                   </a:ext>
                 </a:extLst>
               </a:tr>
@@ -17333,7 +20492,7 @@
                 </a:tc>
                 <a:extLst>
                   <a:ext uri="{0D108BD9-81ED-4DB2-BD59-A6C34878D82A}">
-                    <a16:rowId xmlns:a16="http://schemas.microsoft.com/office/drawing/2014/main" xmlns="" val="10014"/>
+                    <a16:rowId xmlns:a16="http://schemas.microsoft.com/office/drawing/2014/main" val="10014"/>
                   </a:ext>
                 </a:extLst>
               </a:tr>
@@ -17545,7 +20704,7 @@
                 </a:tc>
                 <a:extLst>
                   <a:ext uri="{0D108BD9-81ED-4DB2-BD59-A6C34878D82A}">
-                    <a16:rowId xmlns:a16="http://schemas.microsoft.com/office/drawing/2014/main" xmlns="" val="10015"/>
+                    <a16:rowId xmlns:a16="http://schemas.microsoft.com/office/drawing/2014/main" val="10015"/>
                   </a:ext>
                 </a:extLst>
               </a:tr>
@@ -17642,7 +20801,7 @@
           <p:nvPr>
             <p:extLst>
               <p:ext uri="{D42A27DB-BD31-4B8C-83A1-F6EECF244321}">
-                <p14:modId xmlns:p14="http://schemas.microsoft.com/office/powerpoint/2010/main" val="2825331808"/>
+                <p14:modId xmlns:p14="http://schemas.microsoft.com/office/powerpoint/2010/main" val="1405537476"/>
               </p:ext>
             </p:extLst>
           </p:nvPr>
@@ -17661,42 +20820,42 @@
                 <a:gridCol w="1288021">
                   <a:extLst>
                     <a:ext uri="{9D8B030D-6E8A-4147-A177-3AD203B41FA5}">
-                      <a16:colId xmlns:a16="http://schemas.microsoft.com/office/drawing/2014/main" xmlns="" val="20000"/>
+                      <a16:colId xmlns:a16="http://schemas.microsoft.com/office/drawing/2014/main" val="20000"/>
                     </a:ext>
                   </a:extLst>
                 </a:gridCol>
-                <a:gridCol w="1287888">
+                <a:gridCol w="934421">
                   <a:extLst>
                     <a:ext uri="{9D8B030D-6E8A-4147-A177-3AD203B41FA5}">
-                      <a16:colId xmlns:a16="http://schemas.microsoft.com/office/drawing/2014/main" xmlns="" val="20001"/>
+                      <a16:colId xmlns:a16="http://schemas.microsoft.com/office/drawing/2014/main" val="20001"/>
                     </a:ext>
                   </a:extLst>
                 </a:gridCol>
-                <a:gridCol w="2824766">
+                <a:gridCol w="2635135">
                   <a:extLst>
                     <a:ext uri="{9D8B030D-6E8A-4147-A177-3AD203B41FA5}">
-                      <a16:colId xmlns:a16="http://schemas.microsoft.com/office/drawing/2014/main" xmlns="" val="20002"/>
+                      <a16:colId xmlns:a16="http://schemas.microsoft.com/office/drawing/2014/main" val="20002"/>
                     </a:ext>
                   </a:extLst>
                 </a:gridCol>
-                <a:gridCol w="1463899">
+                <a:gridCol w="1629294">
                   <a:extLst>
                     <a:ext uri="{9D8B030D-6E8A-4147-A177-3AD203B41FA5}">
-                      <a16:colId xmlns:a16="http://schemas.microsoft.com/office/drawing/2014/main" xmlns="" val="20003"/>
+                      <a16:colId xmlns:a16="http://schemas.microsoft.com/office/drawing/2014/main" val="20003"/>
                     </a:ext>
                   </a:extLst>
                 </a:gridCol>
-                <a:gridCol w="2524259">
+                <a:gridCol w="3250277">
                   <a:extLst>
                     <a:ext uri="{9D8B030D-6E8A-4147-A177-3AD203B41FA5}">
-                      <a16:colId xmlns:a16="http://schemas.microsoft.com/office/drawing/2014/main" xmlns="" val="20004"/>
+                      <a16:colId xmlns:a16="http://schemas.microsoft.com/office/drawing/2014/main" val="20004"/>
                     </a:ext>
                   </a:extLst>
                 </a:gridCol>
-                <a:gridCol w="1412517">
+                <a:gridCol w="1064202">
                   <a:extLst>
                     <a:ext uri="{9D8B030D-6E8A-4147-A177-3AD203B41FA5}">
-                      <a16:colId xmlns:a16="http://schemas.microsoft.com/office/drawing/2014/main" xmlns="" val="20005"/>
+                      <a16:colId xmlns:a16="http://schemas.microsoft.com/office/drawing/2014/main" val="20005"/>
                     </a:ext>
                   </a:extLst>
                 </a:gridCol>
@@ -17866,7 +21025,7 @@
                 </a:tc>
                 <a:extLst>
                   <a:ext uri="{0D108BD9-81ED-4DB2-BD59-A6C34878D82A}">
-                    <a16:rowId xmlns:a16="http://schemas.microsoft.com/office/drawing/2014/main" xmlns="" val="10000"/>
+                    <a16:rowId xmlns:a16="http://schemas.microsoft.com/office/drawing/2014/main" val="10000"/>
                   </a:ext>
                 </a:extLst>
               </a:tr>
@@ -17980,175 +21139,6 @@
                           </a:solidFill>
                         </a:rPr>
                         <a:t>내용 입력</a:t>
-                      </a:r>
-                      <a:endParaRPr lang="ko-KR" altLang="en-US" sz="1200" dirty="0">
-                        <a:solidFill>
-                          <a:schemeClr val="accent1">
-                            <a:lumMod val="50000"/>
-                          </a:schemeClr>
-                        </a:solidFill>
-                      </a:endParaRPr>
-                    </a:p>
-                  </a:txBody>
-                  <a:tcPr anchor="ctr"/>
-                </a:tc>
-                <a:tc>
-                  <a:txBody>
-                    <a:bodyPr/>
-                    <a:lstStyle/>
-                    <a:p>
-                      <a:pPr latinLnBrk="1"/>
-                      <a:endParaRPr lang="ko-KR" altLang="en-US" sz="1200">
-                        <a:solidFill>
-                          <a:schemeClr val="accent1">
-                            <a:lumMod val="50000"/>
-                          </a:schemeClr>
-                        </a:solidFill>
-                      </a:endParaRPr>
-                    </a:p>
-                  </a:txBody>
-                  <a:tcPr anchor="ctr"/>
-                </a:tc>
-                <a:tc>
-                  <a:txBody>
-                    <a:bodyPr/>
-                    <a:lstStyle/>
-                    <a:p>
-                      <a:pPr latinLnBrk="1"/>
-                      <a:endParaRPr lang="ko-KR" altLang="en-US" sz="1200" dirty="0">
-                        <a:solidFill>
-                          <a:schemeClr val="accent1">
-                            <a:lumMod val="50000"/>
-                          </a:schemeClr>
-                        </a:solidFill>
-                      </a:endParaRPr>
-                    </a:p>
-                  </a:txBody>
-                  <a:tcPr anchor="ctr"/>
-                </a:tc>
-                <a:tc>
-                  <a:txBody>
-                    <a:bodyPr/>
-                    <a:lstStyle/>
-                    <a:p>
-                      <a:pPr latinLnBrk="1"/>
-                      <a:r>
-                        <a:rPr lang="en-US" altLang="ko-KR" sz="1200" dirty="0" smtClean="0">
-                          <a:solidFill>
-                            <a:schemeClr val="accent1">
-                              <a:lumMod val="50000"/>
-                            </a:schemeClr>
-                          </a:solidFill>
-                        </a:rPr>
-                        <a:t>0.01</a:t>
-                      </a:r>
-                      <a:endParaRPr lang="ko-KR" altLang="en-US" sz="1200" dirty="0">
-                        <a:solidFill>
-                          <a:schemeClr val="accent1">
-                            <a:lumMod val="50000"/>
-                          </a:schemeClr>
-                        </a:solidFill>
-                      </a:endParaRPr>
-                    </a:p>
-                  </a:txBody>
-                  <a:tcPr anchor="ctr"/>
-                </a:tc>
-                <a:extLst>
-                  <a:ext uri="{0D108BD9-81ED-4DB2-BD59-A6C34878D82A}">
-                    <a16:rowId xmlns:a16="http://schemas.microsoft.com/office/drawing/2014/main" xmlns="" val="10001"/>
-                  </a:ext>
-                </a:extLst>
-              </a:tr>
-              <a:tr h="370840">
-                <a:tc>
-                  <a:txBody>
-                    <a:bodyPr/>
-                    <a:lstStyle/>
-                    <a:p>
-                      <a:pPr latinLnBrk="1"/>
-                      <a:r>
-                        <a:rPr lang="en-US" altLang="ko-KR" sz="1200" dirty="0" smtClean="0">
-                          <a:solidFill>
-                            <a:schemeClr val="accent1">
-                              <a:lumMod val="50000"/>
-                            </a:schemeClr>
-                          </a:solidFill>
-                        </a:rPr>
-                        <a:t>2020.01.29</a:t>
-                      </a:r>
-                      <a:endParaRPr lang="ko-KR" altLang="en-US" sz="1200" dirty="0">
-                        <a:solidFill>
-                          <a:schemeClr val="accent1">
-                            <a:lumMod val="50000"/>
-                          </a:schemeClr>
-                        </a:solidFill>
-                      </a:endParaRPr>
-                    </a:p>
-                  </a:txBody>
-                  <a:tcPr anchor="ctr"/>
-                </a:tc>
-                <a:tc>
-                  <a:txBody>
-                    <a:bodyPr/>
-                    <a:lstStyle/>
-                    <a:p>
-                      <a:pPr latinLnBrk="1"/>
-                      <a:r>
-                        <a:rPr lang="ko-KR" altLang="en-US" sz="1200" dirty="0" smtClean="0">
-                          <a:solidFill>
-                            <a:schemeClr val="accent1">
-                              <a:lumMod val="50000"/>
-                            </a:schemeClr>
-                          </a:solidFill>
-                        </a:rPr>
-                        <a:t>김병훈</a:t>
-                      </a:r>
-                      <a:endParaRPr lang="ko-KR" altLang="en-US" sz="1200" dirty="0">
-                        <a:solidFill>
-                          <a:schemeClr val="accent1">
-                            <a:lumMod val="50000"/>
-                          </a:schemeClr>
-                        </a:solidFill>
-                      </a:endParaRPr>
-                    </a:p>
-                  </a:txBody>
-                  <a:tcPr anchor="ctr"/>
-                </a:tc>
-                <a:tc>
-                  <a:txBody>
-                    <a:bodyPr/>
-                    <a:lstStyle/>
-                    <a:p>
-                      <a:pPr latinLnBrk="1"/>
-                      <a:r>
-                        <a:rPr lang="ko-KR" altLang="en-US" sz="1200" dirty="0" smtClean="0">
-                          <a:solidFill>
-                            <a:schemeClr val="accent1">
-                              <a:lumMod val="50000"/>
-                            </a:schemeClr>
-                          </a:solidFill>
-                        </a:rPr>
-                        <a:t>내용 수정 및 이미지 자료 제작</a:t>
-                      </a:r>
-                      <a:r>
-                        <a:rPr lang="en-US" altLang="ko-KR" sz="1200" dirty="0" smtClean="0">
-                          <a:solidFill>
-                            <a:schemeClr val="accent1">
-                              <a:lumMod val="50000"/>
-                            </a:schemeClr>
-                          </a:solidFill>
-                        </a:rPr>
-                        <a:t>/</a:t>
-                      </a:r>
-                      <a:r>
-                        <a:rPr lang="ko-KR" altLang="en-US" sz="1200" dirty="0" smtClean="0">
-                          <a:solidFill>
-                            <a:schemeClr val="accent1">
-                              <a:lumMod val="50000"/>
-                            </a:schemeClr>
-                          </a:solidFill>
-                        </a:rPr>
-                        <a:t>수집</a:t>
                       </a:r>
                       <a:endParaRPr lang="ko-KR" altLang="en-US" sz="1200" dirty="0">
                         <a:solidFill>
@@ -18184,7 +21174,7 @@
                     <a:lstStyle/>
                     <a:p>
                       <a:pPr latinLnBrk="1"/>
-                      <a:endParaRPr lang="ko-KR" altLang="en-US" sz="1200">
+                      <a:endParaRPr lang="ko-KR" altLang="en-US" sz="1200" dirty="0">
                         <a:solidFill>
                           <a:schemeClr val="accent1">
                             <a:lumMod val="50000"/>
@@ -18209,7 +21199,7 @@
                             </a:schemeClr>
                           </a:solidFill>
                         </a:rPr>
-                        <a:t>0.02</a:t>
+                        <a:t>0.01</a:t>
                       </a:r>
                       <a:endParaRPr lang="ko-KR" altLang="en-US" sz="1200" dirty="0">
                         <a:solidFill>
@@ -18224,7 +21214,276 @@
                 </a:tc>
                 <a:extLst>
                   <a:ext uri="{0D108BD9-81ED-4DB2-BD59-A6C34878D82A}">
-                    <a16:rowId xmlns:a16="http://schemas.microsoft.com/office/drawing/2014/main" xmlns="" val="10002"/>
+                    <a16:rowId xmlns:a16="http://schemas.microsoft.com/office/drawing/2014/main" val="10001"/>
+                  </a:ext>
+                </a:extLst>
+              </a:tr>
+              <a:tr h="370840">
+                <a:tc>
+                  <a:txBody>
+                    <a:bodyPr/>
+                    <a:lstStyle/>
+                    <a:p>
+                      <a:pPr latinLnBrk="1"/>
+                      <a:r>
+                        <a:rPr lang="en-US" altLang="ko-KR" sz="1200" dirty="0" smtClean="0">
+                          <a:solidFill>
+                            <a:schemeClr val="accent1">
+                              <a:lumMod val="50000"/>
+                            </a:schemeClr>
+                          </a:solidFill>
+                        </a:rPr>
+                        <a:t>2020.01.29</a:t>
+                      </a:r>
+                      <a:endParaRPr lang="ko-KR" altLang="en-US" sz="1200" dirty="0">
+                        <a:solidFill>
+                          <a:schemeClr val="accent1">
+                            <a:lumMod val="50000"/>
+                          </a:schemeClr>
+                        </a:solidFill>
+                      </a:endParaRPr>
+                    </a:p>
+                  </a:txBody>
+                  <a:tcPr anchor="ctr"/>
+                </a:tc>
+                <a:tc>
+                  <a:txBody>
+                    <a:bodyPr/>
+                    <a:lstStyle/>
+                    <a:p>
+                      <a:pPr latinLnBrk="1"/>
+                      <a:r>
+                        <a:rPr lang="ko-KR" altLang="en-US" sz="1200" dirty="0" smtClean="0">
+                          <a:solidFill>
+                            <a:schemeClr val="accent1">
+                              <a:lumMod val="50000"/>
+                            </a:schemeClr>
+                          </a:solidFill>
+                        </a:rPr>
+                        <a:t>김병훈</a:t>
+                      </a:r>
+                      <a:endParaRPr lang="ko-KR" altLang="en-US" sz="1200" dirty="0">
+                        <a:solidFill>
+                          <a:schemeClr val="accent1">
+                            <a:lumMod val="50000"/>
+                          </a:schemeClr>
+                        </a:solidFill>
+                      </a:endParaRPr>
+                    </a:p>
+                  </a:txBody>
+                  <a:tcPr anchor="ctr"/>
+                </a:tc>
+                <a:tc>
+                  <a:txBody>
+                    <a:bodyPr/>
+                    <a:lstStyle/>
+                    <a:p>
+                      <a:pPr latinLnBrk="1"/>
+                      <a:r>
+                        <a:rPr lang="ko-KR" altLang="en-US" sz="1200" dirty="0" smtClean="0">
+                          <a:solidFill>
+                            <a:schemeClr val="accent1">
+                              <a:lumMod val="50000"/>
+                            </a:schemeClr>
+                          </a:solidFill>
+                        </a:rPr>
+                        <a:t>내용 추가</a:t>
+                      </a:r>
+                      <a:r>
+                        <a:rPr lang="en-US" altLang="ko-KR" sz="1200" dirty="0" smtClean="0">
+                          <a:solidFill>
+                            <a:schemeClr val="accent1">
+                              <a:lumMod val="50000"/>
+                            </a:schemeClr>
+                          </a:solidFill>
+                        </a:rPr>
+                        <a:t>, </a:t>
+                      </a:r>
+                      <a:r>
+                        <a:rPr lang="ko-KR" altLang="en-US" sz="1200" dirty="0" smtClean="0">
+                          <a:solidFill>
+                            <a:schemeClr val="accent1">
+                              <a:lumMod val="50000"/>
+                            </a:schemeClr>
+                          </a:solidFill>
+                        </a:rPr>
+                        <a:t>이미지 </a:t>
+                      </a:r>
+                      <a:r>
+                        <a:rPr lang="ko-KR" altLang="en-US" sz="1200" dirty="0" smtClean="0">
+                          <a:solidFill>
+                            <a:schemeClr val="accent1">
+                              <a:lumMod val="50000"/>
+                            </a:schemeClr>
+                          </a:solidFill>
+                        </a:rPr>
+                        <a:t>자료 제작</a:t>
+                      </a:r>
+                      <a:r>
+                        <a:rPr lang="en-US" altLang="ko-KR" sz="1200" dirty="0" smtClean="0">
+                          <a:solidFill>
+                            <a:schemeClr val="accent1">
+                              <a:lumMod val="50000"/>
+                            </a:schemeClr>
+                          </a:solidFill>
+                        </a:rPr>
+                        <a:t>/</a:t>
+                      </a:r>
+                      <a:r>
+                        <a:rPr lang="ko-KR" altLang="en-US" sz="1200" dirty="0" smtClean="0">
+                          <a:solidFill>
+                            <a:schemeClr val="accent1">
+                              <a:lumMod val="50000"/>
+                            </a:schemeClr>
+                          </a:solidFill>
+                        </a:rPr>
+                        <a:t>수집</a:t>
+                      </a:r>
+                      <a:endParaRPr lang="ko-KR" altLang="en-US" sz="1200" dirty="0">
+                        <a:solidFill>
+                          <a:schemeClr val="accent1">
+                            <a:lumMod val="50000"/>
+                          </a:schemeClr>
+                        </a:solidFill>
+                      </a:endParaRPr>
+                    </a:p>
+                  </a:txBody>
+                  <a:tcPr anchor="ctr"/>
+                </a:tc>
+                <a:tc>
+                  <a:txBody>
+                    <a:bodyPr/>
+                    <a:lstStyle/>
+                    <a:p>
+                      <a:pPr latinLnBrk="1"/>
+                      <a:r>
+                        <a:rPr lang="ko-KR" altLang="en-US" sz="1200" dirty="0" smtClean="0">
+                          <a:solidFill>
+                            <a:schemeClr val="accent1">
+                              <a:lumMod val="50000"/>
+                            </a:schemeClr>
+                          </a:solidFill>
+                        </a:rPr>
+                        <a:t>목차</a:t>
+                      </a:r>
+                      <a:r>
+                        <a:rPr lang="en-US" altLang="ko-KR" sz="1200" dirty="0" smtClean="0">
+                          <a:solidFill>
+                            <a:schemeClr val="accent1">
+                              <a:lumMod val="50000"/>
+                            </a:schemeClr>
+                          </a:solidFill>
+                        </a:rPr>
+                        <a:t>, </a:t>
+                      </a:r>
+                      <a:r>
+                        <a:rPr lang="ko-KR" altLang="en-US" sz="1200" dirty="0" err="1" smtClean="0">
+                          <a:solidFill>
+                            <a:schemeClr val="accent1">
+                              <a:lumMod val="50000"/>
+                            </a:schemeClr>
+                          </a:solidFill>
+                        </a:rPr>
+                        <a:t>전투시스템</a:t>
+                      </a:r>
+                      <a:endParaRPr lang="ko-KR" altLang="en-US" sz="1200" dirty="0">
+                        <a:solidFill>
+                          <a:schemeClr val="accent1">
+                            <a:lumMod val="50000"/>
+                          </a:schemeClr>
+                        </a:solidFill>
+                      </a:endParaRPr>
+                    </a:p>
+                  </a:txBody>
+                  <a:tcPr anchor="ctr"/>
+                </a:tc>
+                <a:tc>
+                  <a:txBody>
+                    <a:bodyPr/>
+                    <a:lstStyle/>
+                    <a:p>
+                      <a:pPr latinLnBrk="1"/>
+                      <a:r>
+                        <a:rPr lang="ko-KR" altLang="en-US" sz="1200" dirty="0" smtClean="0">
+                          <a:solidFill>
+                            <a:schemeClr val="accent1">
+                              <a:lumMod val="50000"/>
+                            </a:schemeClr>
+                          </a:solidFill>
+                        </a:rPr>
+                        <a:t>목차</a:t>
+                      </a:r>
+                      <a:r>
+                        <a:rPr lang="en-US" altLang="ko-KR" sz="1200" dirty="0" smtClean="0">
+                          <a:solidFill>
+                            <a:schemeClr val="accent1">
+                              <a:lumMod val="50000"/>
+                            </a:schemeClr>
+                          </a:solidFill>
+                        </a:rPr>
+                        <a:t>, </a:t>
+                      </a:r>
+                      <a:r>
+                        <a:rPr lang="ko-KR" altLang="en-US" sz="1200" dirty="0" err="1" smtClean="0">
+                          <a:solidFill>
+                            <a:schemeClr val="accent1">
+                              <a:lumMod val="50000"/>
+                            </a:schemeClr>
+                          </a:solidFill>
+                        </a:rPr>
+                        <a:t>전투시스템</a:t>
+                      </a:r>
+                      <a:r>
+                        <a:rPr lang="ko-KR" altLang="en-US" sz="1200" dirty="0" smtClean="0">
+                          <a:solidFill>
+                            <a:schemeClr val="accent1">
+                              <a:lumMod val="50000"/>
+                            </a:schemeClr>
+                          </a:solidFill>
+                        </a:rPr>
+                        <a:t> 내용 수정 및 보강</a:t>
+                      </a:r>
+                      <a:endParaRPr lang="ko-KR" altLang="en-US" sz="1200" dirty="0">
+                        <a:solidFill>
+                          <a:schemeClr val="accent1">
+                            <a:lumMod val="50000"/>
+                          </a:schemeClr>
+                        </a:solidFill>
+                      </a:endParaRPr>
+                    </a:p>
+                  </a:txBody>
+                  <a:tcPr anchor="ctr"/>
+                </a:tc>
+                <a:tc>
+                  <a:txBody>
+                    <a:bodyPr/>
+                    <a:lstStyle/>
+                    <a:p>
+                      <a:pPr latinLnBrk="1"/>
+                      <a:r>
+                        <a:rPr lang="en-US" altLang="ko-KR" sz="1200" dirty="0" smtClean="0">
+                          <a:solidFill>
+                            <a:schemeClr val="accent1">
+                              <a:lumMod val="50000"/>
+                            </a:schemeClr>
+                          </a:solidFill>
+                        </a:rPr>
+                        <a:t>0.02</a:t>
+                      </a:r>
+                      <a:endParaRPr lang="ko-KR" altLang="en-US" sz="1200" dirty="0">
+                        <a:solidFill>
+                          <a:schemeClr val="accent1">
+                            <a:lumMod val="50000"/>
+                          </a:schemeClr>
+                        </a:solidFill>
+                      </a:endParaRPr>
+                    </a:p>
+                  </a:txBody>
+                  <a:tcPr anchor="ctr"/>
+                </a:tc>
+                <a:extLst>
+                  <a:ext uri="{0D108BD9-81ED-4DB2-BD59-A6C34878D82A}">
+                    <a16:rowId xmlns:a16="http://schemas.microsoft.com/office/drawing/2014/main" val="10002"/>
                   </a:ext>
                 </a:extLst>
               </a:tr>
@@ -18333,7 +21592,7 @@
                 </a:tc>
                 <a:extLst>
                   <a:ext uri="{0D108BD9-81ED-4DB2-BD59-A6C34878D82A}">
-                    <a16:rowId xmlns:a16="http://schemas.microsoft.com/office/drawing/2014/main" xmlns="" val="10003"/>
+                    <a16:rowId xmlns:a16="http://schemas.microsoft.com/office/drawing/2014/main" val="10003"/>
                   </a:ext>
                 </a:extLst>
               </a:tr>
@@ -18442,7 +21701,7 @@
                 </a:tc>
                 <a:extLst>
                   <a:ext uri="{0D108BD9-81ED-4DB2-BD59-A6C34878D82A}">
-                    <a16:rowId xmlns:a16="http://schemas.microsoft.com/office/drawing/2014/main" xmlns="" val="10004"/>
+                    <a16:rowId xmlns:a16="http://schemas.microsoft.com/office/drawing/2014/main" val="10004"/>
                   </a:ext>
                 </a:extLst>
               </a:tr>
@@ -18551,7 +21810,7 @@
                 </a:tc>
                 <a:extLst>
                   <a:ext uri="{0D108BD9-81ED-4DB2-BD59-A6C34878D82A}">
-                    <a16:rowId xmlns:a16="http://schemas.microsoft.com/office/drawing/2014/main" xmlns="" val="10005"/>
+                    <a16:rowId xmlns:a16="http://schemas.microsoft.com/office/drawing/2014/main" val="10005"/>
                   </a:ext>
                 </a:extLst>
               </a:tr>
@@ -18660,7 +21919,7 @@
                 </a:tc>
                 <a:extLst>
                   <a:ext uri="{0D108BD9-81ED-4DB2-BD59-A6C34878D82A}">
-                    <a16:rowId xmlns:a16="http://schemas.microsoft.com/office/drawing/2014/main" xmlns="" val="10006"/>
+                    <a16:rowId xmlns:a16="http://schemas.microsoft.com/office/drawing/2014/main" val="10006"/>
                   </a:ext>
                 </a:extLst>
               </a:tr>
@@ -18769,7 +22028,7 @@
                 </a:tc>
                 <a:extLst>
                   <a:ext uri="{0D108BD9-81ED-4DB2-BD59-A6C34878D82A}">
-                    <a16:rowId xmlns:a16="http://schemas.microsoft.com/office/drawing/2014/main" xmlns="" val="10007"/>
+                    <a16:rowId xmlns:a16="http://schemas.microsoft.com/office/drawing/2014/main" val="10007"/>
                   </a:ext>
                 </a:extLst>
               </a:tr>
@@ -18878,7 +22137,7 @@
                 </a:tc>
                 <a:extLst>
                   <a:ext uri="{0D108BD9-81ED-4DB2-BD59-A6C34878D82A}">
-                    <a16:rowId xmlns:a16="http://schemas.microsoft.com/office/drawing/2014/main" xmlns="" val="10008"/>
+                    <a16:rowId xmlns:a16="http://schemas.microsoft.com/office/drawing/2014/main" val="10008"/>
                   </a:ext>
                 </a:extLst>
               </a:tr>
@@ -18987,7 +22246,7 @@
                 </a:tc>
                 <a:extLst>
                   <a:ext uri="{0D108BD9-81ED-4DB2-BD59-A6C34878D82A}">
-                    <a16:rowId xmlns:a16="http://schemas.microsoft.com/office/drawing/2014/main" xmlns="" val="10009"/>
+                    <a16:rowId xmlns:a16="http://schemas.microsoft.com/office/drawing/2014/main" val="10009"/>
                   </a:ext>
                 </a:extLst>
               </a:tr>
@@ -19072,28 +22331,28 @@
                 <a:gridCol w="2218409">
                   <a:extLst>
                     <a:ext uri="{9D8B030D-6E8A-4147-A177-3AD203B41FA5}">
-                      <a16:colId xmlns:a16="http://schemas.microsoft.com/office/drawing/2014/main" xmlns="" val="20000"/>
+                      <a16:colId xmlns:a16="http://schemas.microsoft.com/office/drawing/2014/main" val="20000"/>
                     </a:ext>
                   </a:extLst>
                 </a:gridCol>
                 <a:gridCol w="1708669">
                   <a:extLst>
                     <a:ext uri="{9D8B030D-6E8A-4147-A177-3AD203B41FA5}">
-                      <a16:colId xmlns:a16="http://schemas.microsoft.com/office/drawing/2014/main" xmlns="" val="20001"/>
+                      <a16:colId xmlns:a16="http://schemas.microsoft.com/office/drawing/2014/main" val="20001"/>
                     </a:ext>
                   </a:extLst>
                 </a:gridCol>
                 <a:gridCol w="4875294">
                   <a:extLst>
                     <a:ext uri="{9D8B030D-6E8A-4147-A177-3AD203B41FA5}">
-                      <a16:colId xmlns:a16="http://schemas.microsoft.com/office/drawing/2014/main" xmlns="" val="20002"/>
+                      <a16:colId xmlns:a16="http://schemas.microsoft.com/office/drawing/2014/main" val="20002"/>
                     </a:ext>
                   </a:extLst>
                 </a:gridCol>
                 <a:gridCol w="1974303">
                   <a:extLst>
                     <a:ext uri="{9D8B030D-6E8A-4147-A177-3AD203B41FA5}">
-                      <a16:colId xmlns:a16="http://schemas.microsoft.com/office/drawing/2014/main" xmlns="" val="20003"/>
+                      <a16:colId xmlns:a16="http://schemas.microsoft.com/office/drawing/2014/main" val="20003"/>
                     </a:ext>
                   </a:extLst>
                 </a:gridCol>
@@ -19437,7 +22696,7 @@
                 </a:tc>
                 <a:extLst>
                   <a:ext uri="{0D108BD9-81ED-4DB2-BD59-A6C34878D82A}">
-                    <a16:rowId xmlns:a16="http://schemas.microsoft.com/office/drawing/2014/main" xmlns="" val="10000"/>
+                    <a16:rowId xmlns:a16="http://schemas.microsoft.com/office/drawing/2014/main" val="10000"/>
                   </a:ext>
                 </a:extLst>
               </a:tr>
@@ -19813,7 +23072,7 @@
                 </a:tc>
                 <a:extLst>
                   <a:ext uri="{0D108BD9-81ED-4DB2-BD59-A6C34878D82A}">
-                    <a16:rowId xmlns:a16="http://schemas.microsoft.com/office/drawing/2014/main" xmlns="" val="10001"/>
+                    <a16:rowId xmlns:a16="http://schemas.microsoft.com/office/drawing/2014/main" val="10001"/>
                   </a:ext>
                 </a:extLst>
               </a:tr>
@@ -20105,7 +23364,7 @@
                 </a:tc>
                 <a:extLst>
                   <a:ext uri="{0D108BD9-81ED-4DB2-BD59-A6C34878D82A}">
-                    <a16:rowId xmlns:a16="http://schemas.microsoft.com/office/drawing/2014/main" xmlns="" val="10002"/>
+                    <a16:rowId xmlns:a16="http://schemas.microsoft.com/office/drawing/2014/main" val="10002"/>
                   </a:ext>
                 </a:extLst>
               </a:tr>
@@ -20418,7 +23677,7 @@
                 </a:tc>
                 <a:extLst>
                   <a:ext uri="{0D108BD9-81ED-4DB2-BD59-A6C34878D82A}">
-                    <a16:rowId xmlns:a16="http://schemas.microsoft.com/office/drawing/2014/main" xmlns="" val="10003"/>
+                    <a16:rowId xmlns:a16="http://schemas.microsoft.com/office/drawing/2014/main" val="10003"/>
                   </a:ext>
                 </a:extLst>
               </a:tr>
@@ -20796,7 +24055,7 @@
                 </a:tc>
                 <a:extLst>
                   <a:ext uri="{0D108BD9-81ED-4DB2-BD59-A6C34878D82A}">
-                    <a16:rowId xmlns:a16="http://schemas.microsoft.com/office/drawing/2014/main" xmlns="" val="10004"/>
+                    <a16:rowId xmlns:a16="http://schemas.microsoft.com/office/drawing/2014/main" val="10004"/>
                   </a:ext>
                 </a:extLst>
               </a:tr>
@@ -21088,7 +24347,7 @@
                 </a:tc>
                 <a:extLst>
                   <a:ext uri="{0D108BD9-81ED-4DB2-BD59-A6C34878D82A}">
-                    <a16:rowId xmlns:a16="http://schemas.microsoft.com/office/drawing/2014/main" xmlns="" val="10005"/>
+                    <a16:rowId xmlns:a16="http://schemas.microsoft.com/office/drawing/2014/main" val="10005"/>
                   </a:ext>
                 </a:extLst>
               </a:tr>
@@ -21598,7 +24857,7 @@
                 </a:tc>
                 <a:extLst>
                   <a:ext uri="{0D108BD9-81ED-4DB2-BD59-A6C34878D82A}">
-                    <a16:rowId xmlns:a16="http://schemas.microsoft.com/office/drawing/2014/main" xmlns="" val="10006"/>
+                    <a16:rowId xmlns:a16="http://schemas.microsoft.com/office/drawing/2014/main" val="10006"/>
                   </a:ext>
                 </a:extLst>
               </a:tr>
@@ -22085,7 +25344,7 @@
                 </a:tc>
                 <a:extLst>
                   <a:ext uri="{0D108BD9-81ED-4DB2-BD59-A6C34878D82A}">
-                    <a16:rowId xmlns:a16="http://schemas.microsoft.com/office/drawing/2014/main" xmlns="" val="10007"/>
+                    <a16:rowId xmlns:a16="http://schemas.microsoft.com/office/drawing/2014/main" val="10007"/>
                   </a:ext>
                 </a:extLst>
               </a:tr>
@@ -22491,7 +25750,7 @@
                 </a:tc>
                 <a:extLst>
                   <a:ext uri="{0D108BD9-81ED-4DB2-BD59-A6C34878D82A}">
-                    <a16:rowId xmlns:a16="http://schemas.microsoft.com/office/drawing/2014/main" xmlns="" val="10008"/>
+                    <a16:rowId xmlns:a16="http://schemas.microsoft.com/office/drawing/2014/main" val="10008"/>
                   </a:ext>
                 </a:extLst>
               </a:tr>
@@ -22845,7 +26104,7 @@
                 </a:tc>
                 <a:extLst>
                   <a:ext uri="{0D108BD9-81ED-4DB2-BD59-A6C34878D82A}">
-                    <a16:rowId xmlns:a16="http://schemas.microsoft.com/office/drawing/2014/main" xmlns="" val="10009"/>
+                    <a16:rowId xmlns:a16="http://schemas.microsoft.com/office/drawing/2014/main" val="10009"/>
                   </a:ext>
                 </a:extLst>
               </a:tr>
@@ -23228,7 +26487,7 @@
                 </a:tc>
                 <a:extLst>
                   <a:ext uri="{0D108BD9-81ED-4DB2-BD59-A6C34878D82A}">
-                    <a16:rowId xmlns:a16="http://schemas.microsoft.com/office/drawing/2014/main" xmlns="" val="10010"/>
+                    <a16:rowId xmlns:a16="http://schemas.microsoft.com/office/drawing/2014/main" val="10010"/>
                   </a:ext>
                 </a:extLst>
               </a:tr>
@@ -23570,7 +26829,7 @@
                 </a:tc>
                 <a:extLst>
                   <a:ext uri="{0D108BD9-81ED-4DB2-BD59-A6C34878D82A}">
-                    <a16:rowId xmlns:a16="http://schemas.microsoft.com/office/drawing/2014/main" xmlns="" val="10011"/>
+                    <a16:rowId xmlns:a16="http://schemas.microsoft.com/office/drawing/2014/main" val="10011"/>
                   </a:ext>
                 </a:extLst>
               </a:tr>
@@ -24033,21 +27292,21 @@
                 <a:gridCol w="1324931">
                   <a:extLst>
                     <a:ext uri="{9D8B030D-6E8A-4147-A177-3AD203B41FA5}">
-                      <a16:colId xmlns:a16="http://schemas.microsoft.com/office/drawing/2014/main" xmlns="" val="20000"/>
+                      <a16:colId xmlns:a16="http://schemas.microsoft.com/office/drawing/2014/main" val="20000"/>
                     </a:ext>
                   </a:extLst>
                 </a:gridCol>
                 <a:gridCol w="997527">
                   <a:extLst>
                     <a:ext uri="{9D8B030D-6E8A-4147-A177-3AD203B41FA5}">
-                      <a16:colId xmlns:a16="http://schemas.microsoft.com/office/drawing/2014/main" xmlns="" val="20001"/>
+                      <a16:colId xmlns:a16="http://schemas.microsoft.com/office/drawing/2014/main" val="20001"/>
                     </a:ext>
                   </a:extLst>
                 </a:gridCol>
                 <a:gridCol w="8454217">
                   <a:extLst>
                     <a:ext uri="{9D8B030D-6E8A-4147-A177-3AD203B41FA5}">
-                      <a16:colId xmlns:a16="http://schemas.microsoft.com/office/drawing/2014/main" xmlns="" val="20002"/>
+                      <a16:colId xmlns:a16="http://schemas.microsoft.com/office/drawing/2014/main" val="20002"/>
                     </a:ext>
                   </a:extLst>
                 </a:gridCol>
@@ -24148,7 +27407,7 @@
                 </a:tc>
                 <a:extLst>
                   <a:ext uri="{0D108BD9-81ED-4DB2-BD59-A6C34878D82A}">
-                    <a16:rowId xmlns:a16="http://schemas.microsoft.com/office/drawing/2014/main" xmlns="" val="10000"/>
+                    <a16:rowId xmlns:a16="http://schemas.microsoft.com/office/drawing/2014/main" val="10000"/>
                   </a:ext>
                 </a:extLst>
               </a:tr>
@@ -24330,7 +27589,7 @@
                 </a:tc>
                 <a:extLst>
                   <a:ext uri="{0D108BD9-81ED-4DB2-BD59-A6C34878D82A}">
-                    <a16:rowId xmlns:a16="http://schemas.microsoft.com/office/drawing/2014/main" xmlns="" val="10001"/>
+                    <a16:rowId xmlns:a16="http://schemas.microsoft.com/office/drawing/2014/main" val="10001"/>
                   </a:ext>
                 </a:extLst>
               </a:tr>
@@ -24494,7 +27753,7 @@
                 </a:tc>
                 <a:extLst>
                   <a:ext uri="{0D108BD9-81ED-4DB2-BD59-A6C34878D82A}">
-                    <a16:rowId xmlns:a16="http://schemas.microsoft.com/office/drawing/2014/main" xmlns="" val="10002"/>
+                    <a16:rowId xmlns:a16="http://schemas.microsoft.com/office/drawing/2014/main" val="10002"/>
                   </a:ext>
                 </a:extLst>
               </a:tr>
@@ -24644,7 +27903,7 @@
                 </a:tc>
                 <a:extLst>
                   <a:ext uri="{0D108BD9-81ED-4DB2-BD59-A6C34878D82A}">
-                    <a16:rowId xmlns:a16="http://schemas.microsoft.com/office/drawing/2014/main" xmlns="" val="10003"/>
+                    <a16:rowId xmlns:a16="http://schemas.microsoft.com/office/drawing/2014/main" val="10003"/>
                   </a:ext>
                 </a:extLst>
               </a:tr>
@@ -24836,7 +28095,7 @@
                 </a:tc>
                 <a:extLst>
                   <a:ext uri="{0D108BD9-81ED-4DB2-BD59-A6C34878D82A}">
-                    <a16:rowId xmlns:a16="http://schemas.microsoft.com/office/drawing/2014/main" xmlns="" val="10004"/>
+                    <a16:rowId xmlns:a16="http://schemas.microsoft.com/office/drawing/2014/main" val="10004"/>
                   </a:ext>
                 </a:extLst>
               </a:tr>
@@ -25747,25 +29006,7 @@
               </a:r>
               <a:r>
                 <a:rPr lang="ko-KR" altLang="en-US" sz="1800" dirty="0" smtClean="0"/>
-                <a:t>이동과 판정</a:t>
-              </a:r>
-              <a:endParaRPr lang="en-US" altLang="ko-KR" sz="1800" dirty="0" smtClean="0"/>
-            </a:p>
-            <a:p>
-              <a:pPr marL="109728" indent="0">
-                <a:buNone/>
-              </a:pPr>
-              <a:r>
-                <a:rPr lang="en-US" altLang="ko-KR" sz="1800" dirty="0"/>
-                <a:t>2</a:t>
-              </a:r>
-              <a:r>
-                <a:rPr lang="en-US" altLang="ko-KR" sz="1800" dirty="0" smtClean="0"/>
-                <a:t>-2 </a:t>
-              </a:r>
-              <a:r>
-                <a:rPr lang="ko-KR" altLang="en-US" sz="1800" dirty="0" smtClean="0"/>
-                <a:t>일반 전투</a:t>
+                <a:t>이동</a:t>
               </a:r>
               <a:endParaRPr lang="en-US" altLang="ko-KR" sz="1800" dirty="0" smtClean="0"/>
             </a:p>
@@ -25779,7 +29020,7 @@
               </a:r>
               <a:r>
                 <a:rPr lang="ko-KR" altLang="en-US" sz="1800" dirty="0" smtClean="0"/>
-                <a:t>연계 전투</a:t>
+                <a:t>판정</a:t>
               </a:r>
               <a:endParaRPr lang="en-US" altLang="ko-KR" sz="1800" dirty="0" smtClean="0"/>
             </a:p>
@@ -25793,7 +29034,11 @@
               </a:r>
               <a:r>
                 <a:rPr lang="ko-KR" altLang="en-US" sz="1800" dirty="0" smtClean="0"/>
-                <a:t>스킬 전투</a:t>
+                <a:t>일반 </a:t>
+              </a:r>
+              <a:r>
+                <a:rPr lang="ko-KR" altLang="en-US" sz="1800" dirty="0" smtClean="0"/>
+                <a:t>공격</a:t>
               </a:r>
               <a:endParaRPr lang="en-US" altLang="ko-KR" sz="1800" dirty="0" smtClean="0"/>
             </a:p>
@@ -25807,7 +29052,47 @@
               </a:r>
               <a:r>
                 <a:rPr lang="ko-KR" altLang="en-US" sz="1800" dirty="0" smtClean="0"/>
-                <a:t>응용 전투</a:t>
+                <a:t>연계 </a:t>
+              </a:r>
+              <a:r>
+                <a:rPr lang="ko-KR" altLang="en-US" sz="1800" dirty="0" smtClean="0"/>
+                <a:t>공격</a:t>
+              </a:r>
+              <a:endParaRPr lang="en-US" altLang="ko-KR" sz="1800" dirty="0" smtClean="0"/>
+            </a:p>
+            <a:p>
+              <a:pPr marL="109728" indent="0">
+                <a:buNone/>
+              </a:pPr>
+              <a:r>
+                <a:rPr lang="en-US" altLang="ko-KR" sz="1800" dirty="0" smtClean="0"/>
+                <a:t>2-6 </a:t>
+              </a:r>
+              <a:r>
+                <a:rPr lang="ko-KR" altLang="en-US" sz="1800" dirty="0" smtClean="0"/>
+                <a:t>스킬 </a:t>
+              </a:r>
+              <a:r>
+                <a:rPr lang="ko-KR" altLang="en-US" sz="1800" dirty="0" smtClean="0"/>
+                <a:t>공격</a:t>
+              </a:r>
+              <a:endParaRPr lang="en-US" altLang="ko-KR" sz="1800" dirty="0" smtClean="0"/>
+            </a:p>
+            <a:p>
+              <a:pPr marL="109728" indent="0">
+                <a:buNone/>
+              </a:pPr>
+              <a:r>
+                <a:rPr lang="en-US" altLang="ko-KR" sz="1800" dirty="0" smtClean="0"/>
+                <a:t>2-7 </a:t>
+              </a:r>
+              <a:r>
+                <a:rPr lang="ko-KR" altLang="en-US" sz="1800" dirty="0" smtClean="0"/>
+                <a:t>응용 </a:t>
+              </a:r>
+              <a:r>
+                <a:rPr lang="ko-KR" altLang="en-US" sz="1800" dirty="0" smtClean="0"/>
+                <a:t>공격</a:t>
               </a:r>
               <a:endParaRPr lang="en-US" altLang="ko-KR" sz="1800" dirty="0" smtClean="0"/>
             </a:p>
@@ -29267,49 +32552,49 @@
                 <a:gridCol w="758722">
                   <a:extLst>
                     <a:ext uri="{9D8B030D-6E8A-4147-A177-3AD203B41FA5}">
-                      <a16:colId xmlns:a16="http://schemas.microsoft.com/office/drawing/2014/main" xmlns="" val="20000"/>
+                      <a16:colId xmlns:a16="http://schemas.microsoft.com/office/drawing/2014/main" val="20000"/>
                     </a:ext>
                   </a:extLst>
                 </a:gridCol>
                 <a:gridCol w="1677884">
                   <a:extLst>
                     <a:ext uri="{9D8B030D-6E8A-4147-A177-3AD203B41FA5}">
-                      <a16:colId xmlns:a16="http://schemas.microsoft.com/office/drawing/2014/main" xmlns="" val="20001"/>
+                      <a16:colId xmlns:a16="http://schemas.microsoft.com/office/drawing/2014/main" val="20001"/>
                     </a:ext>
                   </a:extLst>
                 </a:gridCol>
                 <a:gridCol w="1677884">
                   <a:extLst>
                     <a:ext uri="{9D8B030D-6E8A-4147-A177-3AD203B41FA5}">
-                      <a16:colId xmlns:a16="http://schemas.microsoft.com/office/drawing/2014/main" xmlns="" val="20002"/>
+                      <a16:colId xmlns:a16="http://schemas.microsoft.com/office/drawing/2014/main" val="20002"/>
                     </a:ext>
                   </a:extLst>
                 </a:gridCol>
                 <a:gridCol w="1677884">
                   <a:extLst>
                     <a:ext uri="{9D8B030D-6E8A-4147-A177-3AD203B41FA5}">
-                      <a16:colId xmlns:a16="http://schemas.microsoft.com/office/drawing/2014/main" xmlns="" val="20003"/>
+                      <a16:colId xmlns:a16="http://schemas.microsoft.com/office/drawing/2014/main" val="20003"/>
                     </a:ext>
                   </a:extLst>
                 </a:gridCol>
                 <a:gridCol w="1677884">
                   <a:extLst>
                     <a:ext uri="{9D8B030D-6E8A-4147-A177-3AD203B41FA5}">
-                      <a16:colId xmlns:a16="http://schemas.microsoft.com/office/drawing/2014/main" xmlns="" val="20004"/>
+                      <a16:colId xmlns:a16="http://schemas.microsoft.com/office/drawing/2014/main" val="20004"/>
                     </a:ext>
                   </a:extLst>
                 </a:gridCol>
                 <a:gridCol w="1677884">
                   <a:extLst>
                     <a:ext uri="{9D8B030D-6E8A-4147-A177-3AD203B41FA5}">
-                      <a16:colId xmlns:a16="http://schemas.microsoft.com/office/drawing/2014/main" xmlns="" val="20005"/>
+                      <a16:colId xmlns:a16="http://schemas.microsoft.com/office/drawing/2014/main" val="20005"/>
                     </a:ext>
                   </a:extLst>
                 </a:gridCol>
                 <a:gridCol w="1677884">
                   <a:extLst>
                     <a:ext uri="{9D8B030D-6E8A-4147-A177-3AD203B41FA5}">
-                      <a16:colId xmlns:a16="http://schemas.microsoft.com/office/drawing/2014/main" xmlns="" val="20006"/>
+                      <a16:colId xmlns:a16="http://schemas.microsoft.com/office/drawing/2014/main" val="20006"/>
                     </a:ext>
                   </a:extLst>
                 </a:gridCol>
@@ -29430,7 +32715,7 @@
                 </a:tc>
                 <a:extLst>
                   <a:ext uri="{0D108BD9-81ED-4DB2-BD59-A6C34878D82A}">
-                    <a16:rowId xmlns:a16="http://schemas.microsoft.com/office/drawing/2014/main" xmlns="" val="10000"/>
+                    <a16:rowId xmlns:a16="http://schemas.microsoft.com/office/drawing/2014/main" val="10000"/>
                   </a:ext>
                 </a:extLst>
               </a:tr>
@@ -29617,7 +32902,7 @@
                 </a:tc>
                 <a:extLst>
                   <a:ext uri="{0D108BD9-81ED-4DB2-BD59-A6C34878D82A}">
-                    <a16:rowId xmlns:a16="http://schemas.microsoft.com/office/drawing/2014/main" xmlns="" val="10001"/>
+                    <a16:rowId xmlns:a16="http://schemas.microsoft.com/office/drawing/2014/main" val="10001"/>
                   </a:ext>
                 </a:extLst>
               </a:tr>
@@ -29816,7 +33101,7 @@
                 </a:tc>
                 <a:extLst>
                   <a:ext uri="{0D108BD9-81ED-4DB2-BD59-A6C34878D82A}">
-                    <a16:rowId xmlns:a16="http://schemas.microsoft.com/office/drawing/2014/main" xmlns="" val="10002"/>
+                    <a16:rowId xmlns:a16="http://schemas.microsoft.com/office/drawing/2014/main" val="10002"/>
                   </a:ext>
                 </a:extLst>
               </a:tr>
@@ -30032,7 +33317,7 @@
                 </a:tc>
                 <a:extLst>
                   <a:ext uri="{0D108BD9-81ED-4DB2-BD59-A6C34878D82A}">
-                    <a16:rowId xmlns:a16="http://schemas.microsoft.com/office/drawing/2014/main" xmlns="" val="10003"/>
+                    <a16:rowId xmlns:a16="http://schemas.microsoft.com/office/drawing/2014/main" val="10003"/>
                   </a:ext>
                 </a:extLst>
               </a:tr>
@@ -30207,7 +33492,7 @@
                 </a:tc>
                 <a:extLst>
                   <a:ext uri="{0D108BD9-81ED-4DB2-BD59-A6C34878D82A}">
-                    <a16:rowId xmlns:a16="http://schemas.microsoft.com/office/drawing/2014/main" xmlns="" val="10004"/>
+                    <a16:rowId xmlns:a16="http://schemas.microsoft.com/office/drawing/2014/main" val="10004"/>
                   </a:ext>
                 </a:extLst>
               </a:tr>
@@ -30424,12 +33709,66 @@
           <a:p>
             <a:r>
               <a:rPr lang="ko-KR" altLang="en-US" sz="1400" dirty="0" smtClean="0"/>
-              <a:t>상하로 이동 중 공격은 불가능하다</a:t>
+              <a:t>전투 중 캐릭터는 화면의 왼쪽 끝과 오른쪽 끝까지 이동가능하다</a:t>
             </a:r>
             <a:r>
               <a:rPr lang="en-US" altLang="ko-KR" sz="1400" dirty="0" smtClean="0"/>
               <a:t>.</a:t>
             </a:r>
+            <a:endParaRPr lang="en-US" altLang="ko-KR" sz="1400" dirty="0" smtClean="0"/>
+          </a:p>
+          <a:p>
+            <a:r>
+              <a:rPr lang="ko-KR" altLang="en-US" sz="1400" dirty="0"/>
+              <a:t>전투 중 캐릭터는 화면의 </a:t>
+            </a:r>
+            <a:r>
+              <a:rPr lang="ko-KR" altLang="en-US" sz="1400" dirty="0" smtClean="0"/>
+              <a:t>하단에 위치한 </a:t>
+            </a:r>
+            <a:r>
+              <a:rPr lang="ko-KR" altLang="en-US" sz="1400" dirty="0" err="1" smtClean="0"/>
+              <a:t>인벤토리</a:t>
+            </a:r>
+            <a:r>
+              <a:rPr lang="ko-KR" altLang="en-US" sz="1400" dirty="0" smtClean="0"/>
+              <a:t> </a:t>
+            </a:r>
+            <a:r>
+              <a:rPr lang="en-US" altLang="ko-KR" sz="1400" dirty="0" smtClean="0"/>
+              <a:t>UI </a:t>
+            </a:r>
+            <a:r>
+              <a:rPr lang="ko-KR" altLang="en-US" sz="1400" dirty="0" smtClean="0"/>
+              <a:t>상단과 화면</a:t>
+            </a:r>
+            <a:r>
+              <a:rPr lang="en-US" altLang="ko-KR" sz="1400" dirty="0" smtClean="0"/>
+              <a:t> </a:t>
+            </a:r>
+            <a:r>
+              <a:rPr lang="ko-KR" altLang="en-US" sz="1400" dirty="0" smtClean="0"/>
+              <a:t>중앙의 필드 끝으로 구분된 공간까지 </a:t>
+            </a:r>
+            <a:r>
+              <a:rPr lang="ko-KR" altLang="en-US" sz="1400" dirty="0"/>
+              <a:t>이동가능하다</a:t>
+            </a:r>
+            <a:endParaRPr lang="en-US" altLang="ko-KR" sz="1400" dirty="0" smtClean="0"/>
+          </a:p>
+          <a:p>
+            <a:r>
+              <a:rPr lang="ko-KR" altLang="en-US" sz="1400" dirty="0" smtClean="0"/>
+              <a:t>상하로 </a:t>
+            </a:r>
+            <a:r>
+              <a:rPr lang="ko-KR" altLang="en-US" sz="1400" dirty="0" smtClean="0"/>
+              <a:t>이동 중 공격은 불가능하다</a:t>
+            </a:r>
+            <a:r>
+              <a:rPr lang="en-US" altLang="ko-KR" sz="1400" dirty="0" smtClean="0"/>
+              <a:t>.</a:t>
+            </a:r>
           </a:p>
           <a:p>
             <a:r>
@@ -30445,12 +33784,12 @@
               <a:t> </a:t>
             </a:r>
             <a:r>
-              <a:rPr lang="ko-KR" altLang="en-US" sz="1400" dirty="0" err="1" smtClean="0"/>
-              <a:t>두번</a:t>
-            </a:r>
-            <a:r>
               <a:rPr lang="ko-KR" altLang="en-US" sz="1400" dirty="0" smtClean="0"/>
-              <a:t> 연타하면 달리기 가능</a:t>
+              <a:t>두 번 </a:t>
+            </a:r>
+            <a:r>
+              <a:rPr lang="ko-KR" altLang="en-US" sz="1400" dirty="0" smtClean="0"/>
+              <a:t>연타하면 달리기 가능</a:t>
             </a:r>
             <a:r>
               <a:rPr lang="en-US" altLang="ko-KR" sz="1400" dirty="0" smtClean="0"/>
@@ -30515,7 +33854,7 @@
           </p:cNvPicPr>
           <p:nvPr/>
         </p:nvPicPr>
-        <p:blipFill>
+        <p:blipFill rotWithShape="1">
           <a:blip r:embed="rId3">
             <a:extLst>
               <a:ext uri="{28A0092B-C50C-407E-A947-70E740481C1C}">
@@ -30523,14 +33862,13 @@
               </a:ext>
             </a:extLst>
           </a:blip>
-          <a:stretch>
-            <a:fillRect/>
-          </a:stretch>
+          <a:srcRect r="-604"/>
+          <a:stretch/>
         </p:blipFill>
         <p:spPr>
           <a:xfrm>
             <a:off x="6096000" y="0"/>
-            <a:ext cx="5045525" cy="4436772"/>
+            <a:ext cx="5076000" cy="4436772"/>
           </a:xfrm>
           <a:prstGeom prst="rect">
             <a:avLst/>
@@ -30567,6 +33905,298 @@
           </a:prstGeom>
         </p:spPr>
       </p:pic>
+      <p:grpSp>
+        <p:nvGrpSpPr>
+          <p:cNvPr id="10" name="그룹 9"/>
+          <p:cNvGrpSpPr/>
+          <p:nvPr/>
+        </p:nvGrpSpPr>
+        <p:grpSpPr>
+          <a:xfrm>
+            <a:off x="7430759" y="3807229"/>
+            <a:ext cx="4065915" cy="2316009"/>
+            <a:chOff x="7007801" y="3566305"/>
+            <a:chExt cx="4488874" cy="2556933"/>
+          </a:xfrm>
+        </p:grpSpPr>
+        <p:pic>
+          <p:nvPicPr>
+            <p:cNvPr id="8" name="Picture 4" descr="관련 이미지"/>
+            <p:cNvPicPr>
+              <a:picLocks noChangeAspect="1" noChangeArrowheads="1"/>
+            </p:cNvPicPr>
+            <p:nvPr/>
+          </p:nvPicPr>
+          <p:blipFill>
+            <a:blip r:embed="rId5" cstate="print">
+              <a:extLst>
+                <a:ext uri="{28A0092B-C50C-407E-A947-70E740481C1C}">
+                  <a14:useLocalDpi xmlns:a14="http://schemas.microsoft.com/office/drawing/2010/main" val="0"/>
+                </a:ext>
+              </a:extLst>
+            </a:blip>
+            <a:srcRect/>
+            <a:stretch>
+              <a:fillRect/>
+            </a:stretch>
+          </p:blipFill>
+          <p:spPr bwMode="auto">
+            <a:xfrm>
+              <a:off x="7007801" y="3566305"/>
+              <a:ext cx="4488874" cy="2556933"/>
+            </a:xfrm>
+            <a:prstGeom prst="rect">
+              <a:avLst/>
+            </a:prstGeom>
+            <a:noFill/>
+            <a:extLst>
+              <a:ext uri="{909E8E84-426E-40DD-AFC4-6F175D3DCCD1}">
+                <a14:hiddenFill xmlns:a14="http://schemas.microsoft.com/office/drawing/2010/main">
+                  <a:solidFill>
+                    <a:srgbClr val="FFFFFF"/>
+                  </a:solidFill>
+                </a14:hiddenFill>
+              </a:ext>
+            </a:extLst>
+          </p:spPr>
+        </p:pic>
+        <p:sp>
+          <p:nvSpPr>
+            <p:cNvPr id="2" name="직사각형 1"/>
+            <p:cNvSpPr/>
+            <p:nvPr/>
+          </p:nvSpPr>
+          <p:spPr>
+            <a:xfrm>
+              <a:off x="7007801" y="4705004"/>
+              <a:ext cx="4488874" cy="1138843"/>
+            </a:xfrm>
+            <a:prstGeom prst="rect">
+              <a:avLst/>
+            </a:prstGeom>
+            <a:noFill/>
+            <a:ln w="38100">
+              <a:solidFill>
+                <a:srgbClr val="00B0F0"/>
+              </a:solidFill>
+            </a:ln>
+          </p:spPr>
+          <p:style>
+            <a:lnRef idx="2">
+              <a:schemeClr val="accent1">
+                <a:shade val="50000"/>
+              </a:schemeClr>
+            </a:lnRef>
+            <a:fillRef idx="1">
+              <a:schemeClr val="accent1"/>
+            </a:fillRef>
+            <a:effectRef idx="0">
+              <a:schemeClr val="accent1"/>
+            </a:effectRef>
+            <a:fontRef idx="minor">
+              <a:schemeClr val="lt1"/>
+            </a:fontRef>
+          </p:style>
+          <p:txBody>
+            <a:bodyPr rtlCol="0" anchor="ctr"/>
+            <a:lstStyle/>
+            <a:p>
+              <a:pPr algn="ctr"/>
+              <a:endParaRPr lang="ko-KR" altLang="en-US"/>
+            </a:p>
+          </p:txBody>
+        </p:sp>
+      </p:grpSp>
+      <p:sp>
+        <p:nvSpPr>
+          <p:cNvPr id="5" name="오른쪽 화살표 4"/>
+          <p:cNvSpPr/>
+          <p:nvPr/>
+        </p:nvSpPr>
+        <p:spPr>
+          <a:xfrm>
+            <a:off x="7157258" y="5033358"/>
+            <a:ext cx="207818" cy="394854"/>
+          </a:xfrm>
+          <a:prstGeom prst="rightArrow">
+            <a:avLst/>
+          </a:prstGeom>
+        </p:spPr>
+        <p:style>
+          <a:lnRef idx="2">
+            <a:schemeClr val="accent1">
+              <a:shade val="50000"/>
+            </a:schemeClr>
+          </a:lnRef>
+          <a:fillRef idx="1">
+            <a:schemeClr val="accent1"/>
+          </a:fillRef>
+          <a:effectRef idx="0">
+            <a:schemeClr val="accent1"/>
+          </a:effectRef>
+          <a:fontRef idx="minor">
+            <a:schemeClr val="lt1"/>
+          </a:fontRef>
+        </p:style>
+        <p:txBody>
+          <a:bodyPr rtlCol="0" anchor="ctr"/>
+          <a:lstStyle/>
+          <a:p>
+            <a:pPr algn="ctr"/>
+            <a:endParaRPr lang="ko-KR" altLang="en-US"/>
+          </a:p>
+        </p:txBody>
+      </p:sp>
+      <p:sp>
+        <p:nvSpPr>
+          <p:cNvPr id="9" name="제목 1"/>
+          <p:cNvSpPr txBox="1">
+            <a:spLocks/>
+          </p:cNvSpPr>
+          <p:nvPr/>
+        </p:nvSpPr>
+        <p:spPr>
+          <a:xfrm>
+            <a:off x="5915638" y="5065127"/>
+            <a:ext cx="1148481" cy="338319"/>
+          </a:xfrm>
+          <a:prstGeom prst="rect">
+            <a:avLst/>
+          </a:prstGeom>
+        </p:spPr>
+        <p:txBody>
+          <a:bodyPr vert="horz" rtlCol="0" anchor="t">
+            <a:noAutofit/>
+          </a:bodyPr>
+          <a:lstStyle>
+            <a:lvl1pPr algn="l" rtl="0" eaLnBrk="1" latinLnBrk="1" hangingPunct="1">
+              <a:spcBef>
+                <a:spcPct val="0"/>
+              </a:spcBef>
+              <a:buNone/>
+              <a:defRPr kumimoji="0" sz="4000" kern="1200">
+                <a:solidFill>
+                  <a:schemeClr val="tx2"/>
+                </a:solidFill>
+                <a:latin typeface="맑은 고딕" panose="020B0503020000020004" pitchFamily="50" charset="-127"/>
+                <a:ea typeface="+mj-ea"/>
+                <a:cs typeface="+mj-cs"/>
+              </a:defRPr>
+            </a:lvl1pPr>
+          </a:lstStyle>
+          <a:p>
+            <a:pPr algn="r"/>
+            <a:r>
+              <a:rPr lang="ko-KR" altLang="en-US" sz="1200" dirty="0" smtClean="0"/>
+              <a:t>이동 가능한</a:t>
+            </a:r>
+            <a:endParaRPr lang="en-US" altLang="ko-KR" sz="1200" dirty="0"/>
+          </a:p>
+          <a:p>
+            <a:pPr algn="r"/>
+            <a:r>
+              <a:rPr lang="ko-KR" altLang="en-US" sz="1200" dirty="0" smtClean="0"/>
+              <a:t>필드</a:t>
+            </a:r>
+            <a:endParaRPr lang="en-US" altLang="ko-KR" sz="1200" dirty="0" smtClean="0"/>
+          </a:p>
+        </p:txBody>
+      </p:sp>
+      <p:sp>
+        <p:nvSpPr>
+          <p:cNvPr id="13" name="오른쪽 화살표 12"/>
+          <p:cNvSpPr/>
+          <p:nvPr/>
+        </p:nvSpPr>
+        <p:spPr>
+          <a:xfrm>
+            <a:off x="7157258" y="5774247"/>
+            <a:ext cx="207818" cy="394854"/>
+          </a:xfrm>
+          <a:prstGeom prst="rightArrow">
+            <a:avLst/>
+          </a:prstGeom>
+        </p:spPr>
+        <p:style>
+          <a:lnRef idx="2">
+            <a:schemeClr val="accent1">
+              <a:shade val="50000"/>
+            </a:schemeClr>
+          </a:lnRef>
+          <a:fillRef idx="1">
+            <a:schemeClr val="accent1"/>
+          </a:fillRef>
+          <a:effectRef idx="0">
+            <a:schemeClr val="accent1"/>
+          </a:effectRef>
+          <a:fontRef idx="minor">
+            <a:schemeClr val="lt1"/>
+          </a:fontRef>
+        </p:style>
+        <p:txBody>
+          <a:bodyPr rtlCol="0" anchor="ctr"/>
+          <a:lstStyle/>
+          <a:p>
+            <a:pPr algn="ctr"/>
+            <a:endParaRPr lang="ko-KR" altLang="en-US"/>
+          </a:p>
+        </p:txBody>
+      </p:sp>
+      <p:sp>
+        <p:nvSpPr>
+          <p:cNvPr id="14" name="제목 1"/>
+          <p:cNvSpPr txBox="1">
+            <a:spLocks/>
+          </p:cNvSpPr>
+          <p:nvPr/>
+        </p:nvSpPr>
+        <p:spPr>
+          <a:xfrm>
+            <a:off x="5915637" y="5802514"/>
+            <a:ext cx="1148481" cy="338319"/>
+          </a:xfrm>
+          <a:prstGeom prst="rect">
+            <a:avLst/>
+          </a:prstGeom>
+        </p:spPr>
+        <p:txBody>
+          <a:bodyPr vert="horz" rtlCol="0" anchor="t">
+            <a:noAutofit/>
+          </a:bodyPr>
+          <a:lstStyle>
+            <a:lvl1pPr algn="l" rtl="0" eaLnBrk="1" latinLnBrk="1" hangingPunct="1">
+              <a:spcBef>
+                <a:spcPct val="0"/>
+              </a:spcBef>
+              <a:buNone/>
+              <a:defRPr kumimoji="0" sz="4000" kern="1200">
+                <a:solidFill>
+                  <a:schemeClr val="tx2"/>
+                </a:solidFill>
+                <a:latin typeface="맑은 고딕" panose="020B0503020000020004" pitchFamily="50" charset="-127"/>
+                <a:ea typeface="+mj-ea"/>
+                <a:cs typeface="+mj-cs"/>
+              </a:defRPr>
+            </a:lvl1pPr>
+          </a:lstStyle>
+          <a:p>
+            <a:pPr algn="r"/>
+            <a:r>
+              <a:rPr lang="ko-KR" altLang="en-US" sz="1200" dirty="0" err="1" smtClean="0"/>
+              <a:t>인벤토리</a:t>
+            </a:r>
+            <a:r>
+              <a:rPr lang="ko-KR" altLang="en-US" sz="1200" dirty="0" smtClean="0"/>
+              <a:t> </a:t>
+            </a:r>
+            <a:r>
+              <a:rPr lang="en-US" altLang="ko-KR" sz="1200" dirty="0" smtClean="0"/>
+              <a:t>UI</a:t>
+            </a:r>
+            <a:endParaRPr lang="en-US" altLang="ko-KR" sz="1200" dirty="0" smtClean="0"/>
+          </a:p>
+        </p:txBody>
+      </p:sp>
     </p:spTree>
     <p:extLst>
       <p:ext uri="{BB962C8B-B14F-4D97-AF65-F5344CB8AC3E}">
